--- a/Git_Primer.pptx
+++ b/Git_Primer.pptx
@@ -1746,6 +1746,13 @@
         </dgm:presLayoutVars>
       </dgm:prSet>
       <dgm:spPr/>
+      <dgm:t>
+        <a:bodyPr/>
+        <a:lstStyle/>
+        <a:p>
+          <a:endParaRPr lang="zh-CN" altLang="en-US"/>
+        </a:p>
+      </dgm:t>
     </dgm:pt>
     <dgm:pt modelId="{D34ACE30-A7D5-4E69-9AA8-1CE24295FE03}" type="pres">
       <dgm:prSet presAssocID="{C88BC9B8-523C-473F-B61C-3D53DBF7BB4C}" presName="composite" presStyleCnt="0"/>
@@ -1790,10 +1797,24 @@
     <dgm:pt modelId="{9328B944-CC70-4724-9EFD-28657D998933}" type="pres">
       <dgm:prSet presAssocID="{2837A235-EF5E-4A6D-97ED-4B6AC184603C}" presName="sibTrans" presStyleLbl="sibTrans2D1" presStyleIdx="0" presStyleCnt="2"/>
       <dgm:spPr/>
+      <dgm:t>
+        <a:bodyPr/>
+        <a:lstStyle/>
+        <a:p>
+          <a:endParaRPr lang="zh-CN" altLang="en-US"/>
+        </a:p>
+      </dgm:t>
     </dgm:pt>
     <dgm:pt modelId="{C35CE72F-8A6C-481C-98F2-C2DADDB2703E}" type="pres">
       <dgm:prSet presAssocID="{2837A235-EF5E-4A6D-97ED-4B6AC184603C}" presName="connTx" presStyleLbl="sibTrans2D1" presStyleIdx="0" presStyleCnt="2"/>
       <dgm:spPr/>
+      <dgm:t>
+        <a:bodyPr/>
+        <a:lstStyle/>
+        <a:p>
+          <a:endParaRPr lang="zh-CN" altLang="en-US"/>
+        </a:p>
+      </dgm:t>
     </dgm:pt>
     <dgm:pt modelId="{AAD1EC3C-B231-496A-87C6-49ECA5FE39F4}" type="pres">
       <dgm:prSet presAssocID="{937D34FF-C1D9-4982-A7C6-E54C87B0362E}" presName="composite" presStyleCnt="0"/>
@@ -1838,10 +1859,24 @@
     <dgm:pt modelId="{4E3BD2A8-EE6A-419D-9A5C-50F519CC552C}" type="pres">
       <dgm:prSet presAssocID="{A85123EC-1BDE-4D24-8F7D-68836D56E7AE}" presName="sibTrans" presStyleLbl="sibTrans2D1" presStyleIdx="1" presStyleCnt="2"/>
       <dgm:spPr/>
+      <dgm:t>
+        <a:bodyPr/>
+        <a:lstStyle/>
+        <a:p>
+          <a:endParaRPr lang="zh-CN" altLang="en-US"/>
+        </a:p>
+      </dgm:t>
     </dgm:pt>
     <dgm:pt modelId="{2CE78548-594A-4EF7-B903-7A30A4876139}" type="pres">
       <dgm:prSet presAssocID="{A85123EC-1BDE-4D24-8F7D-68836D56E7AE}" presName="connTx" presStyleLbl="sibTrans2D1" presStyleIdx="1" presStyleCnt="2"/>
       <dgm:spPr/>
+      <dgm:t>
+        <a:bodyPr/>
+        <a:lstStyle/>
+        <a:p>
+          <a:endParaRPr lang="zh-CN" altLang="en-US"/>
+        </a:p>
+      </dgm:t>
     </dgm:pt>
     <dgm:pt modelId="{0023386A-7B5B-4282-B0D5-FB622343CC99}" type="pres">
       <dgm:prSet presAssocID="{1A44F27A-7F4E-4512-A75A-CF11AA084757}" presName="composite" presStyleCnt="0"/>
@@ -2322,6 +2357,13 @@
         </dgm:presLayoutVars>
       </dgm:prSet>
       <dgm:spPr/>
+      <dgm:t>
+        <a:bodyPr/>
+        <a:lstStyle/>
+        <a:p>
+          <a:endParaRPr lang="zh-CN" altLang="en-US"/>
+        </a:p>
+      </dgm:t>
     </dgm:pt>
     <dgm:pt modelId="{1D4FA9CA-D683-45DA-8CED-ECE8ECA78BAC}" type="pres">
       <dgm:prSet presAssocID="{18838B3A-22A1-4727-9A63-EFD5FE701A5F}" presName="parentText" presStyleLbl="node1" presStyleIdx="0" presStyleCnt="2" custScaleY="58018" custLinFactNeighborX="-12994" custLinFactNeighborY="-36585">
@@ -2331,6 +2373,13 @@
         </dgm:presLayoutVars>
       </dgm:prSet>
       <dgm:spPr/>
+      <dgm:t>
+        <a:bodyPr/>
+        <a:lstStyle/>
+        <a:p>
+          <a:endParaRPr lang="zh-CN" altLang="en-US"/>
+        </a:p>
+      </dgm:t>
     </dgm:pt>
     <dgm:pt modelId="{5A3DF7F5-D5EC-40FF-B46E-EC7C6892583B}" type="pres">
       <dgm:prSet presAssocID="{18838B3A-22A1-4727-9A63-EFD5FE701A5F}" presName="childText" presStyleLbl="revTx" presStyleIdx="0" presStyleCnt="2" custLinFactNeighborY="-19368">
@@ -2355,6 +2404,13 @@
         </dgm:presLayoutVars>
       </dgm:prSet>
       <dgm:spPr/>
+      <dgm:t>
+        <a:bodyPr/>
+        <a:lstStyle/>
+        <a:p>
+          <a:endParaRPr lang="zh-CN" altLang="en-US"/>
+        </a:p>
+      </dgm:t>
     </dgm:pt>
     <dgm:pt modelId="{E5697204-3E6E-418D-A08E-DD3C369373B3}" type="pres">
       <dgm:prSet presAssocID="{EE1AC371-33F6-46F1-9463-45F1F87256FC}" presName="childText" presStyleLbl="revTx" presStyleIdx="1" presStyleCnt="2" custLinFactNeighborY="-17877">
@@ -2383,8 +2439,8 @@
     <dgm:cxn modelId="{79B0A38C-0180-455A-8255-0CB876500612}" type="presOf" srcId="{18838B3A-22A1-4727-9A63-EFD5FE701A5F}" destId="{1D4FA9CA-D683-45DA-8CED-ECE8ECA78BAC}" srcOrd="0" destOrd="0" presId="urn:microsoft.com/office/officeart/2005/8/layout/vList2"/>
     <dgm:cxn modelId="{2E1C0449-A5A8-4E95-A4BC-81212BB2FABE}" type="presOf" srcId="{994EEBE1-3140-46A8-A3F7-55FF3C7D23D5}" destId="{5A3DF7F5-D5EC-40FF-B46E-EC7C6892583B}" srcOrd="0" destOrd="2" presId="urn:microsoft.com/office/officeart/2005/8/layout/vList2"/>
     <dgm:cxn modelId="{E12EAC5D-8EA7-493D-B088-970E0C5A9603}" srcId="{18838B3A-22A1-4727-9A63-EFD5FE701A5F}" destId="{994EEBE1-3140-46A8-A3F7-55FF3C7D23D5}" srcOrd="2" destOrd="0" parTransId="{7C65D5C3-3F3F-4D3B-894D-9C9103F333A8}" sibTransId="{4E8D3CB0-90FA-452C-A69D-B9DF402240DA}"/>
+    <dgm:cxn modelId="{E812EF34-7EDF-4173-AECC-6AE1F7951368}" type="presOf" srcId="{F7AB80B9-88F0-4C29-9C12-ED458A1BFAE2}" destId="{E5697204-3E6E-418D-A08E-DD3C369373B3}" srcOrd="0" destOrd="1" presId="urn:microsoft.com/office/officeart/2005/8/layout/vList2"/>
     <dgm:cxn modelId="{3B420C00-5781-40FF-900C-92FDCDC3DA9D}" srcId="{18838B3A-22A1-4727-9A63-EFD5FE701A5F}" destId="{8F604C9F-ADC4-4949-AD52-9193FBC34988}" srcOrd="0" destOrd="0" parTransId="{2B144DCD-A36F-4863-84BB-3C9DDBFFF4E6}" sibTransId="{9E86DADC-9AA1-493D-9819-8950CD4B7188}"/>
-    <dgm:cxn modelId="{E812EF34-7EDF-4173-AECC-6AE1F7951368}" type="presOf" srcId="{F7AB80B9-88F0-4C29-9C12-ED458A1BFAE2}" destId="{E5697204-3E6E-418D-A08E-DD3C369373B3}" srcOrd="0" destOrd="1" presId="urn:microsoft.com/office/officeart/2005/8/layout/vList2"/>
     <dgm:cxn modelId="{4D445773-44EF-4D42-86B8-048829252F47}" srcId="{EE1AC371-33F6-46F1-9463-45F1F87256FC}" destId="{E2D98A74-5962-4EBE-B38C-2756512F6E51}" srcOrd="0" destOrd="0" parTransId="{79CCB762-268A-48E6-8827-E881F59E3383}" sibTransId="{49014791-5563-4792-BEDC-0C8E8C5ADC26}"/>
     <dgm:cxn modelId="{25A7152B-0A23-46BB-8476-18BA314BD5A0}" srcId="{E37DF6D2-5ECC-48B2-B92B-8C36DB910E37}" destId="{18838B3A-22A1-4727-9A63-EFD5FE701A5F}" srcOrd="0" destOrd="0" parTransId="{F5586C23-9108-4EDC-ADB9-79E846A52DC9}" sibTransId="{24856A27-4097-4840-B8CC-3D245D2A508F}"/>
     <dgm:cxn modelId="{EE6BFCA8-3A97-4B2B-8BC7-1E4D631FF3B2}" srcId="{EE1AC371-33F6-46F1-9463-45F1F87256FC}" destId="{B84C3A7E-2152-42C5-A336-3841D3A69019}" srcOrd="2" destOrd="0" parTransId="{3B8634C2-8FF3-4017-8B4B-6AFE84A852A8}" sibTransId="{096D75EE-57E0-444E-A155-A48405CEEF4B}"/>
@@ -12561,6 +12617,36 @@
           </a:xfrm>
         </p:spPr>
       </p:pic>
+      <p:sp>
+        <p:nvSpPr>
+          <p:cNvPr id="4" name="TextBox 3"/>
+          <p:cNvSpPr txBox="1"/>
+          <p:nvPr/>
+        </p:nvSpPr>
+        <p:spPr>
+          <a:xfrm>
+            <a:off x="611560" y="1484783"/>
+            <a:ext cx="4104456" cy="584775"/>
+          </a:xfrm>
+          <a:prstGeom prst="rect">
+            <a:avLst/>
+          </a:prstGeom>
+          <a:noFill/>
+        </p:spPr>
+        <p:txBody>
+          <a:bodyPr wrap="square" rtlCol="0">
+            <a:spAutoFit/>
+          </a:bodyPr>
+          <a:lstStyle/>
+          <a:p>
+            <a:r>
+              <a:rPr lang="zh-CN" altLang="en-US" sz="3200" dirty="0" smtClean="0"/>
+              <a:t>文件状态变化周期</a:t>
+            </a:r>
+            <a:endParaRPr lang="zh-CN" altLang="en-US" sz="3200" dirty="0"/>
+          </a:p>
+        </p:txBody>
+      </p:sp>
     </p:spTree>
     <p:extLst>
       <p:ext uri="{BB962C8B-B14F-4D97-AF65-F5344CB8AC3E}">
@@ -12649,11 +12735,7 @@
             </a:pPr>
             <a:r>
               <a:rPr lang="zh-CN" altLang="en-US" dirty="0" smtClean="0"/>
-              <a:t>什么</a:t>
-            </a:r>
-            <a:r>
-              <a:rPr lang="zh-CN" altLang="en-US" dirty="0" smtClean="0"/>
-              <a:t>是</a:t>
+              <a:t>什么是</a:t>
             </a:r>
             <a:r>
               <a:rPr lang="en-US" altLang="zh-CN" dirty="0" err="1" smtClean="0"/>
@@ -12702,7 +12784,6 @@
               <a:rPr lang="zh-CN" altLang="en-US" dirty="0"/>
               <a:t>。</a:t>
             </a:r>
-            <a:endParaRPr lang="zh-CN" altLang="en-US" dirty="0"/>
           </a:p>
         </p:txBody>
       </p:sp>
@@ -12716,11 +12797,11 @@
   <p:clrMapOvr>
     <a:masterClrMapping/>
   </p:clrMapOvr>
-  <mc:AlternateContent xmlns:mc="http://schemas.openxmlformats.org/markup-compatibility/2006">
-    <mc:Choice xmlns:p14="http://schemas.microsoft.com/office/powerpoint/2010/main" Requires="p14">
+  <mc:AlternateContent xmlns:mc="http://schemas.openxmlformats.org/markup-compatibility/2006" xmlns:p14="http://schemas.microsoft.com/office/powerpoint/2010/main">
+    <mc:Choice Requires="p14">
       <p:transition p14:dur="0"/>
     </mc:Choice>
-    <mc:Fallback>
+    <mc:Fallback xmlns="">
       <p:transition/>
     </mc:Fallback>
   </mc:AlternateContent>

--- a/Git_Primer.pptx
+++ b/Git_Primer.pptx
@@ -12751,37 +12751,37 @@
               <a:buNone/>
             </a:pPr>
             <a:r>
-              <a:rPr lang="en-US" altLang="zh-CN" dirty="0" err="1"/>
+              <a:rPr lang="en-US" altLang="zh-CN" sz="2400" dirty="0" err="1"/>
               <a:t>GitHub</a:t>
             </a:r>
             <a:r>
-              <a:rPr lang="zh-CN" altLang="en-US" dirty="0"/>
+              <a:rPr lang="zh-CN" altLang="en-US" sz="2400" dirty="0"/>
               <a:t>（网址 </a:t>
             </a:r>
             <a:r>
-              <a:rPr lang="en-US" altLang="zh-CN" dirty="0">
+              <a:rPr lang="en-US" altLang="zh-CN" sz="2400" dirty="0">
                 <a:hlinkClick r:id="rId2"/>
               </a:rPr>
               <a:t>https://github.com/</a:t>
             </a:r>
             <a:r>
-              <a:rPr lang="zh-CN" altLang="en-US" dirty="0"/>
+              <a:rPr lang="zh-CN" altLang="en-US" sz="2400" dirty="0"/>
               <a:t>）是一个面向开源及私有软件项目的托管平台，因为只支持</a:t>
             </a:r>
             <a:r>
-              <a:rPr lang="en-US" altLang="zh-CN" dirty="0" err="1"/>
+              <a:rPr lang="en-US" altLang="zh-CN" sz="2400" dirty="0" err="1"/>
               <a:t>Git</a:t>
             </a:r>
             <a:r>
-              <a:rPr lang="zh-CN" altLang="en-US" dirty="0"/>
+              <a:rPr lang="zh-CN" altLang="en-US" sz="2400" dirty="0"/>
               <a:t>作为唯一的版本库格式进行托管，故名</a:t>
             </a:r>
             <a:r>
-              <a:rPr lang="en-US" altLang="zh-CN" dirty="0" err="1"/>
+              <a:rPr lang="en-US" altLang="zh-CN" sz="2400" dirty="0" err="1"/>
               <a:t>GitHub</a:t>
             </a:r>
             <a:r>
-              <a:rPr lang="zh-CN" altLang="en-US" dirty="0"/>
+              <a:rPr lang="zh-CN" altLang="en-US" sz="2400" dirty="0"/>
               <a:t>。</a:t>
             </a:r>
           </a:p>

--- a/Git_Primer.pptx
+++ b/Git_Primer.pptx
@@ -5,7 +5,7 @@
     <p:sldMasterId id="2147483648" r:id="rId1"/>
   </p:sldMasterIdLst>
   <p:notesMasterIdLst>
-    <p:notesMasterId r:id="rId12"/>
+    <p:notesMasterId r:id="rId13"/>
   </p:notesMasterIdLst>
   <p:sldIdLst>
     <p:sldId id="256" r:id="rId2"/>
@@ -16,8 +16,9 @@
     <p:sldId id="271" r:id="rId7"/>
     <p:sldId id="273" r:id="rId8"/>
     <p:sldId id="269" r:id="rId9"/>
-    <p:sldId id="264" r:id="rId10"/>
-    <p:sldId id="272" r:id="rId11"/>
+    <p:sldId id="274" r:id="rId10"/>
+    <p:sldId id="264" r:id="rId11"/>
+    <p:sldId id="272" r:id="rId12"/>
   </p:sldIdLst>
   <p:sldSz cx="9144000" cy="6858000" type="screen4x3"/>
   <p:notesSz cx="6858000" cy="9144000"/>
@@ -6009,7 +6010,7 @@
           <a:p>
             <a:fld id="{E6E291D1-5DBA-4811-8A9D-E2DB93CDED0E}" type="datetimeFigureOut">
               <a:rPr lang="zh-CN" altLang="en-US" smtClean="0"/>
-              <a:t>2012/3/30</a:t>
+              <a:t>2012/3/31</a:t>
             </a:fld>
             <a:endParaRPr lang="zh-CN" altLang="en-US"/>
           </a:p>
@@ -7736,6 +7737,1054 @@
 </p:notes>
 </file>
 
+<file path=ppt/notesSlides/notesSlide6.xml><?xml version="1.0" encoding="utf-8"?>
+<p:notes xmlns:a="http://schemas.openxmlformats.org/drawingml/2006/main" xmlns:r="http://schemas.openxmlformats.org/officeDocument/2006/relationships" xmlns:p="http://schemas.openxmlformats.org/presentationml/2006/main">
+  <p:cSld>
+    <p:spTree>
+      <p:nvGrpSpPr>
+        <p:cNvPr id="1" name=""/>
+        <p:cNvGrpSpPr/>
+        <p:nvPr/>
+      </p:nvGrpSpPr>
+      <p:grpSpPr>
+        <a:xfrm>
+          <a:off x="0" y="0"/>
+          <a:ext cx="0" cy="0"/>
+          <a:chOff x="0" y="0"/>
+          <a:chExt cx="0" cy="0"/>
+        </a:xfrm>
+      </p:grpSpPr>
+      <p:sp>
+        <p:nvSpPr>
+          <p:cNvPr id="2" name="幻灯片图像占位符 1"/>
+          <p:cNvSpPr>
+            <a:spLocks noGrp="1" noRot="1" noChangeAspect="1"/>
+          </p:cNvSpPr>
+          <p:nvPr>
+            <p:ph type="sldImg"/>
+          </p:nvPr>
+        </p:nvSpPr>
+        <p:spPr/>
+      </p:sp>
+      <p:sp>
+        <p:nvSpPr>
+          <p:cNvPr id="3" name="备注占位符 2"/>
+          <p:cNvSpPr>
+            <a:spLocks noGrp="1"/>
+          </p:cNvSpPr>
+          <p:nvPr>
+            <p:ph type="body" idx="1"/>
+          </p:nvPr>
+        </p:nvSpPr>
+        <p:spPr/>
+        <p:txBody>
+          <a:bodyPr/>
+          <a:lstStyle/>
+          <a:p>
+            <a:r>
+              <a:rPr lang="en-US" altLang="zh-CN" sz="1200" b="0" i="0" kern="1200" dirty="0" err="1" smtClean="0">
+                <a:solidFill>
+                  <a:schemeClr val="tx1"/>
+                </a:solidFill>
+                <a:effectLst/>
+                <a:latin typeface="+mn-lt"/>
+                <a:ea typeface="+mn-ea"/>
+                <a:cs typeface="+mn-cs"/>
+              </a:rPr>
+              <a:t>GitHub</a:t>
+            </a:r>
+            <a:r>
+              <a:rPr lang="zh-CN" altLang="en-US" sz="1200" b="0" i="0" kern="1200" dirty="0" smtClean="0">
+                <a:solidFill>
+                  <a:schemeClr val="tx1"/>
+                </a:solidFill>
+                <a:effectLst/>
+                <a:latin typeface="+mn-lt"/>
+                <a:ea typeface="+mn-ea"/>
+                <a:cs typeface="+mn-cs"/>
+              </a:rPr>
+              <a:t>的注册用户已经超过百万</a:t>
+            </a:r>
+            <a:r>
+              <a:rPr lang="en-US" altLang="zh-CN" sz="1200" b="0" i="0" u="none" strike="noStrike" kern="1200" baseline="30000" dirty="0" smtClean="0">
+                <a:solidFill>
+                  <a:schemeClr val="tx1"/>
+                </a:solidFill>
+                <a:effectLst/>
+                <a:latin typeface="+mn-lt"/>
+                <a:ea typeface="+mn-ea"/>
+                <a:cs typeface="+mn-cs"/>
+                <a:hlinkClick r:id="rId3"/>
+              </a:rPr>
+              <a:t>[1]</a:t>
+            </a:r>
+            <a:r>
+              <a:rPr lang="zh-CN" altLang="en-US" sz="1200" b="0" i="0" kern="1200" dirty="0" smtClean="0">
+                <a:solidFill>
+                  <a:schemeClr val="tx1"/>
+                </a:solidFill>
+                <a:effectLst/>
+                <a:latin typeface="+mn-lt"/>
+                <a:ea typeface="+mn-ea"/>
+                <a:cs typeface="+mn-cs"/>
+              </a:rPr>
+              <a:t>，托管的版本库数量已超三百万，其中不乏知名的开源项目，如：</a:t>
+            </a:r>
+            <a:r>
+              <a:rPr lang="en-US" altLang="zh-CN" sz="1200" b="0" i="0" kern="1200" dirty="0" smtClean="0">
+                <a:solidFill>
+                  <a:schemeClr val="tx1"/>
+                </a:solidFill>
+                <a:effectLst/>
+                <a:latin typeface="+mn-lt"/>
+                <a:ea typeface="+mn-ea"/>
+                <a:cs typeface="+mn-cs"/>
+              </a:rPr>
+              <a:t>Ruby on Rails</a:t>
+            </a:r>
+            <a:r>
+              <a:rPr lang="en-US" altLang="zh-CN" sz="1200" b="0" i="0" u="none" strike="noStrike" kern="1200" baseline="30000" dirty="0" smtClean="0">
+                <a:solidFill>
+                  <a:schemeClr val="tx1"/>
+                </a:solidFill>
+                <a:effectLst/>
+                <a:latin typeface="+mn-lt"/>
+                <a:ea typeface="+mn-ea"/>
+                <a:cs typeface="+mn-cs"/>
+                <a:hlinkClick r:id="rId4"/>
+              </a:rPr>
+              <a:t>[2]</a:t>
+            </a:r>
+            <a:r>
+              <a:rPr lang="zh-CN" altLang="en-US" sz="1200" b="0" i="0" kern="1200" dirty="0" smtClean="0">
+                <a:solidFill>
+                  <a:schemeClr val="tx1"/>
+                </a:solidFill>
+                <a:effectLst/>
+                <a:latin typeface="+mn-lt"/>
+                <a:ea typeface="+mn-ea"/>
+                <a:cs typeface="+mn-cs"/>
+              </a:rPr>
+              <a:t>、</a:t>
+            </a:r>
+            <a:r>
+              <a:rPr lang="en-US" altLang="zh-CN" sz="1200" b="0" i="0" kern="1200" dirty="0" smtClean="0">
+                <a:solidFill>
+                  <a:schemeClr val="tx1"/>
+                </a:solidFill>
+                <a:effectLst/>
+                <a:latin typeface="+mn-lt"/>
+                <a:ea typeface="+mn-ea"/>
+                <a:cs typeface="+mn-cs"/>
+              </a:rPr>
+              <a:t>Hibernate</a:t>
+            </a:r>
+            <a:r>
+              <a:rPr lang="en-US" altLang="zh-CN" sz="1200" b="0" i="0" u="none" strike="noStrike" kern="1200" baseline="30000" dirty="0" smtClean="0">
+                <a:solidFill>
+                  <a:schemeClr val="tx1"/>
+                </a:solidFill>
+                <a:effectLst/>
+                <a:latin typeface="+mn-lt"/>
+                <a:ea typeface="+mn-ea"/>
+                <a:cs typeface="+mn-cs"/>
+                <a:hlinkClick r:id="rId5"/>
+              </a:rPr>
+              <a:t>[3]</a:t>
+            </a:r>
+            <a:r>
+              <a:rPr lang="zh-CN" altLang="en-US" sz="1200" b="0" i="0" kern="1200" dirty="0" smtClean="0">
+                <a:solidFill>
+                  <a:schemeClr val="tx1"/>
+                </a:solidFill>
+                <a:effectLst/>
+                <a:latin typeface="+mn-lt"/>
+                <a:ea typeface="+mn-ea"/>
+                <a:cs typeface="+mn-cs"/>
+              </a:rPr>
+              <a:t>、</a:t>
+            </a:r>
+            <a:r>
+              <a:rPr lang="en-US" altLang="zh-CN" sz="1200" b="0" i="0" kern="1200" dirty="0" err="1" smtClean="0">
+                <a:solidFill>
+                  <a:schemeClr val="tx1"/>
+                </a:solidFill>
+                <a:effectLst/>
+                <a:latin typeface="+mn-lt"/>
+                <a:ea typeface="+mn-ea"/>
+                <a:cs typeface="+mn-cs"/>
+              </a:rPr>
+              <a:t>phpBB</a:t>
+            </a:r>
+            <a:r>
+              <a:rPr lang="en-US" altLang="zh-CN" sz="1200" b="0" i="0" u="none" strike="noStrike" kern="1200" baseline="30000" dirty="0" smtClean="0">
+                <a:solidFill>
+                  <a:schemeClr val="tx1"/>
+                </a:solidFill>
+                <a:effectLst/>
+                <a:latin typeface="+mn-lt"/>
+                <a:ea typeface="+mn-ea"/>
+                <a:cs typeface="+mn-cs"/>
+                <a:hlinkClick r:id="rId6"/>
+              </a:rPr>
+              <a:t>[4]</a:t>
+            </a:r>
+            <a:r>
+              <a:rPr lang="zh-CN" altLang="en-US" sz="1200" b="0" i="0" kern="1200" dirty="0" smtClean="0">
+                <a:solidFill>
+                  <a:schemeClr val="tx1"/>
+                </a:solidFill>
+                <a:effectLst/>
+                <a:latin typeface="+mn-lt"/>
+                <a:ea typeface="+mn-ea"/>
+                <a:cs typeface="+mn-cs"/>
+              </a:rPr>
+              <a:t>、</a:t>
+            </a:r>
+            <a:r>
+              <a:rPr lang="en-US" altLang="zh-CN" sz="1200" b="0" i="0" kern="1200" dirty="0" err="1" smtClean="0">
+                <a:solidFill>
+                  <a:schemeClr val="tx1"/>
+                </a:solidFill>
+                <a:effectLst/>
+                <a:latin typeface="+mn-lt"/>
+                <a:ea typeface="+mn-ea"/>
+                <a:cs typeface="+mn-cs"/>
+              </a:rPr>
+              <a:t>jQuery</a:t>
+            </a:r>
+            <a:r>
+              <a:rPr lang="en-US" altLang="zh-CN" sz="1200" b="0" i="0" u="none" strike="noStrike" kern="1200" baseline="30000" dirty="0" smtClean="0">
+                <a:solidFill>
+                  <a:schemeClr val="tx1"/>
+                </a:solidFill>
+                <a:effectLst/>
+                <a:latin typeface="+mn-lt"/>
+                <a:ea typeface="+mn-ea"/>
+                <a:cs typeface="+mn-cs"/>
+                <a:hlinkClick r:id="rId7"/>
+              </a:rPr>
+              <a:t>[5]</a:t>
+            </a:r>
+            <a:r>
+              <a:rPr lang="zh-CN" altLang="en-US" sz="1200" b="0" i="0" kern="1200" dirty="0" smtClean="0">
+                <a:solidFill>
+                  <a:schemeClr val="tx1"/>
+                </a:solidFill>
+                <a:effectLst/>
+                <a:latin typeface="+mn-lt"/>
+                <a:ea typeface="+mn-ea"/>
+                <a:cs typeface="+mn-cs"/>
+              </a:rPr>
+              <a:t>、</a:t>
+            </a:r>
+            <a:r>
+              <a:rPr lang="en-US" altLang="zh-CN" sz="1200" b="0" i="0" kern="1200" dirty="0" smtClean="0">
+                <a:solidFill>
+                  <a:schemeClr val="tx1"/>
+                </a:solidFill>
+                <a:effectLst/>
+                <a:latin typeface="+mn-lt"/>
+                <a:ea typeface="+mn-ea"/>
+                <a:cs typeface="+mn-cs"/>
+              </a:rPr>
+              <a:t>Prototype</a:t>
+            </a:r>
+            <a:r>
+              <a:rPr lang="en-US" altLang="zh-CN" sz="1200" b="0" i="0" u="none" strike="noStrike" kern="1200" baseline="30000" dirty="0" smtClean="0">
+                <a:solidFill>
+                  <a:schemeClr val="tx1"/>
+                </a:solidFill>
+                <a:effectLst/>
+                <a:latin typeface="+mn-lt"/>
+                <a:ea typeface="+mn-ea"/>
+                <a:cs typeface="+mn-cs"/>
+                <a:hlinkClick r:id="rId8"/>
+              </a:rPr>
+              <a:t>[6]</a:t>
+            </a:r>
+            <a:r>
+              <a:rPr lang="zh-CN" altLang="en-US" sz="1200" b="0" i="0" kern="1200" dirty="0" smtClean="0">
+                <a:solidFill>
+                  <a:schemeClr val="tx1"/>
+                </a:solidFill>
+                <a:effectLst/>
+                <a:latin typeface="+mn-lt"/>
+                <a:ea typeface="+mn-ea"/>
+                <a:cs typeface="+mn-cs"/>
+              </a:rPr>
+              <a:t>、</a:t>
+            </a:r>
+            <a:r>
+              <a:rPr lang="en-US" altLang="zh-CN" sz="1200" b="0" i="0" kern="1200" dirty="0" smtClean="0">
+                <a:solidFill>
+                  <a:schemeClr val="tx1"/>
+                </a:solidFill>
+                <a:effectLst/>
+                <a:latin typeface="+mn-lt"/>
+                <a:ea typeface="+mn-ea"/>
+                <a:cs typeface="+mn-cs"/>
+              </a:rPr>
+              <a:t>Homebrew</a:t>
+            </a:r>
+            <a:r>
+              <a:rPr lang="en-US" altLang="zh-CN" sz="1200" b="0" i="0" u="none" strike="noStrike" kern="1200" baseline="30000" dirty="0" smtClean="0">
+                <a:solidFill>
+                  <a:schemeClr val="tx1"/>
+                </a:solidFill>
+                <a:effectLst/>
+                <a:latin typeface="+mn-lt"/>
+                <a:ea typeface="+mn-ea"/>
+                <a:cs typeface="+mn-cs"/>
+                <a:hlinkClick r:id="rId9"/>
+              </a:rPr>
+              <a:t>[7]</a:t>
+            </a:r>
+            <a:r>
+              <a:rPr lang="zh-CN" altLang="en-US" sz="1200" b="0" i="0" kern="1200" dirty="0" smtClean="0">
+                <a:solidFill>
+                  <a:schemeClr val="tx1"/>
+                </a:solidFill>
+                <a:effectLst/>
+                <a:latin typeface="+mn-lt"/>
+                <a:ea typeface="+mn-ea"/>
+                <a:cs typeface="+mn-cs"/>
+              </a:rPr>
+              <a:t>等。</a:t>
+            </a:r>
+          </a:p>
+          <a:p>
+            <a:r>
+              <a:rPr lang="en-US" altLang="zh-CN" sz="1200" b="0" i="0" kern="1200" dirty="0" err="1" smtClean="0">
+                <a:solidFill>
+                  <a:schemeClr val="tx1"/>
+                </a:solidFill>
+                <a:effectLst/>
+                <a:latin typeface="+mn-lt"/>
+                <a:ea typeface="+mn-ea"/>
+                <a:cs typeface="+mn-cs"/>
+              </a:rPr>
+              <a:t>GitHub</a:t>
+            </a:r>
+            <a:r>
+              <a:rPr lang="zh-CN" altLang="en-US" sz="1200" b="0" i="0" kern="1200" dirty="0" smtClean="0">
+                <a:solidFill>
+                  <a:schemeClr val="tx1"/>
+                </a:solidFill>
+                <a:effectLst/>
+                <a:latin typeface="+mn-lt"/>
+                <a:ea typeface="+mn-ea"/>
+                <a:cs typeface="+mn-cs"/>
+              </a:rPr>
+              <a:t>于</a:t>
+            </a:r>
+            <a:r>
+              <a:rPr lang="en-US" altLang="zh-CN" sz="1200" b="0" i="0" kern="1200" dirty="0" smtClean="0">
+                <a:solidFill>
+                  <a:schemeClr val="tx1"/>
+                </a:solidFill>
+                <a:effectLst/>
+                <a:latin typeface="+mn-lt"/>
+                <a:ea typeface="+mn-ea"/>
+                <a:cs typeface="+mn-cs"/>
+              </a:rPr>
+              <a:t>2008</a:t>
+            </a:r>
+            <a:r>
+              <a:rPr lang="zh-CN" altLang="en-US" sz="1200" b="0" i="0" kern="1200" dirty="0" smtClean="0">
+                <a:solidFill>
+                  <a:schemeClr val="tx1"/>
+                </a:solidFill>
+                <a:effectLst/>
+                <a:latin typeface="+mn-lt"/>
+                <a:ea typeface="+mn-ea"/>
+                <a:cs typeface="+mn-cs"/>
+              </a:rPr>
+              <a:t>年</a:t>
+            </a:r>
+            <a:r>
+              <a:rPr lang="en-US" altLang="zh-CN" sz="1200" b="0" i="0" kern="1200" dirty="0" smtClean="0">
+                <a:solidFill>
+                  <a:schemeClr val="tx1"/>
+                </a:solidFill>
+                <a:effectLst/>
+                <a:latin typeface="+mn-lt"/>
+                <a:ea typeface="+mn-ea"/>
+                <a:cs typeface="+mn-cs"/>
+              </a:rPr>
+              <a:t>4</a:t>
+            </a:r>
+            <a:r>
+              <a:rPr lang="zh-CN" altLang="en-US" sz="1200" b="0" i="0" kern="1200" dirty="0" smtClean="0">
+                <a:solidFill>
+                  <a:schemeClr val="tx1"/>
+                </a:solidFill>
+                <a:effectLst/>
+                <a:latin typeface="+mn-lt"/>
+                <a:ea typeface="+mn-ea"/>
+                <a:cs typeface="+mn-cs"/>
+              </a:rPr>
+              <a:t>月</a:t>
+            </a:r>
+            <a:r>
+              <a:rPr lang="en-US" altLang="zh-CN" sz="1200" b="0" i="0" kern="1200" dirty="0" smtClean="0">
+                <a:solidFill>
+                  <a:schemeClr val="tx1"/>
+                </a:solidFill>
+                <a:effectLst/>
+                <a:latin typeface="+mn-lt"/>
+                <a:ea typeface="+mn-ea"/>
+                <a:cs typeface="+mn-cs"/>
+              </a:rPr>
+              <a:t>10</a:t>
+            </a:r>
+            <a:r>
+              <a:rPr lang="zh-CN" altLang="en-US" sz="1200" b="0" i="0" kern="1200" dirty="0" smtClean="0">
+                <a:solidFill>
+                  <a:schemeClr val="tx1"/>
+                </a:solidFill>
+                <a:effectLst/>
+                <a:latin typeface="+mn-lt"/>
+                <a:ea typeface="+mn-ea"/>
+                <a:cs typeface="+mn-cs"/>
+              </a:rPr>
+              <a:t>日正式发布</a:t>
+            </a:r>
+            <a:r>
+              <a:rPr lang="en-US" altLang="zh-CN" sz="1200" b="0" i="0" u="none" strike="noStrike" kern="1200" baseline="30000" dirty="0" smtClean="0">
+                <a:solidFill>
+                  <a:schemeClr val="tx1"/>
+                </a:solidFill>
+                <a:effectLst/>
+                <a:latin typeface="+mn-lt"/>
+                <a:ea typeface="+mn-ea"/>
+                <a:cs typeface="+mn-cs"/>
+                <a:hlinkClick r:id="rId10"/>
+              </a:rPr>
+              <a:t>[8]</a:t>
+            </a:r>
+            <a:r>
+              <a:rPr lang="zh-CN" altLang="en-US" sz="1200" b="0" i="0" kern="1200" dirty="0" smtClean="0">
+                <a:solidFill>
+                  <a:schemeClr val="tx1"/>
+                </a:solidFill>
+                <a:effectLst/>
+                <a:latin typeface="+mn-lt"/>
+                <a:ea typeface="+mn-ea"/>
+                <a:cs typeface="+mn-cs"/>
+              </a:rPr>
+              <a:t>，相比始于</a:t>
+            </a:r>
+            <a:r>
+              <a:rPr lang="en-US" altLang="zh-CN" sz="1200" b="0" i="0" kern="1200" dirty="0" smtClean="0">
+                <a:solidFill>
+                  <a:schemeClr val="tx1"/>
+                </a:solidFill>
+                <a:effectLst/>
+                <a:latin typeface="+mn-lt"/>
+                <a:ea typeface="+mn-ea"/>
+                <a:cs typeface="+mn-cs"/>
+              </a:rPr>
+              <a:t>1999</a:t>
+            </a:r>
+            <a:r>
+              <a:rPr lang="zh-CN" altLang="en-US" sz="1200" b="0" i="0" kern="1200" dirty="0" smtClean="0">
+                <a:solidFill>
+                  <a:schemeClr val="tx1"/>
+                </a:solidFill>
+                <a:effectLst/>
+                <a:latin typeface="+mn-lt"/>
+                <a:ea typeface="+mn-ea"/>
+                <a:cs typeface="+mn-cs"/>
+              </a:rPr>
+              <a:t>年的</a:t>
+            </a:r>
+            <a:r>
+              <a:rPr lang="en-US" altLang="zh-CN" sz="1200" b="0" i="0" kern="1200" dirty="0" err="1" smtClean="0">
+                <a:solidFill>
+                  <a:schemeClr val="tx1"/>
+                </a:solidFill>
+                <a:effectLst/>
+                <a:latin typeface="+mn-lt"/>
+                <a:ea typeface="+mn-ea"/>
+                <a:cs typeface="+mn-cs"/>
+              </a:rPr>
+              <a:t>SourceForge</a:t>
+            </a:r>
+            <a:r>
+              <a:rPr lang="en-US" altLang="zh-CN" sz="1200" b="0" i="0" u="none" strike="noStrike" kern="1200" baseline="30000" dirty="0" smtClean="0">
+                <a:solidFill>
+                  <a:schemeClr val="tx1"/>
+                </a:solidFill>
+                <a:effectLst/>
+                <a:latin typeface="+mn-lt"/>
+                <a:ea typeface="+mn-ea"/>
+                <a:cs typeface="+mn-cs"/>
+                <a:hlinkClick r:id="rId11"/>
+              </a:rPr>
+              <a:t>[9]</a:t>
+            </a:r>
+            <a:r>
+              <a:rPr lang="zh-CN" altLang="en-US" sz="1200" b="0" i="0" kern="1200" dirty="0" smtClean="0">
+                <a:solidFill>
+                  <a:schemeClr val="tx1"/>
+                </a:solidFill>
+                <a:effectLst/>
+                <a:latin typeface="+mn-lt"/>
+                <a:ea typeface="+mn-ea"/>
+                <a:cs typeface="+mn-cs"/>
+              </a:rPr>
+              <a:t>和</a:t>
+            </a:r>
+            <a:r>
+              <a:rPr lang="en-US" altLang="zh-CN" sz="1200" b="0" i="0" kern="1200" dirty="0" smtClean="0">
+                <a:solidFill>
+                  <a:schemeClr val="tx1"/>
+                </a:solidFill>
+                <a:effectLst/>
+                <a:latin typeface="+mn-lt"/>
+                <a:ea typeface="+mn-ea"/>
+                <a:cs typeface="+mn-cs"/>
+              </a:rPr>
+              <a:t>2005</a:t>
+            </a:r>
+            <a:r>
+              <a:rPr lang="zh-CN" altLang="en-US" sz="1200" b="0" i="0" kern="1200" dirty="0" smtClean="0">
+                <a:solidFill>
+                  <a:schemeClr val="tx1"/>
+                </a:solidFill>
+                <a:effectLst/>
+                <a:latin typeface="+mn-lt"/>
+                <a:ea typeface="+mn-ea"/>
+                <a:cs typeface="+mn-cs"/>
+              </a:rPr>
+              <a:t>年的</a:t>
+            </a:r>
+            <a:r>
+              <a:rPr lang="en-US" altLang="zh-CN" sz="1200" b="0" i="0" kern="1200" dirty="0" err="1" smtClean="0">
+                <a:solidFill>
+                  <a:schemeClr val="tx1"/>
+                </a:solidFill>
+                <a:effectLst/>
+                <a:latin typeface="+mn-lt"/>
+                <a:ea typeface="+mn-ea"/>
+                <a:cs typeface="+mn-cs"/>
+              </a:rPr>
+              <a:t>GoogleCode</a:t>
+            </a:r>
+            <a:r>
+              <a:rPr lang="en-US" altLang="zh-CN" sz="1200" b="0" i="0" u="none" strike="noStrike" kern="1200" baseline="30000" dirty="0" smtClean="0">
+                <a:solidFill>
+                  <a:schemeClr val="tx1"/>
+                </a:solidFill>
+                <a:effectLst/>
+                <a:latin typeface="+mn-lt"/>
+                <a:ea typeface="+mn-ea"/>
+                <a:cs typeface="+mn-cs"/>
+                <a:hlinkClick r:id="rId12"/>
+              </a:rPr>
+              <a:t>[10]</a:t>
+            </a:r>
+            <a:r>
+              <a:rPr lang="zh-CN" altLang="en-US" sz="1200" b="0" i="0" kern="1200" dirty="0" smtClean="0">
+                <a:solidFill>
+                  <a:schemeClr val="tx1"/>
+                </a:solidFill>
+                <a:effectLst/>
+                <a:latin typeface="+mn-lt"/>
+                <a:ea typeface="+mn-ea"/>
+                <a:cs typeface="+mn-cs"/>
+              </a:rPr>
+              <a:t>，</a:t>
+            </a:r>
+            <a:r>
+              <a:rPr lang="en-US" altLang="zh-CN" sz="1200" b="0" i="0" kern="1200" dirty="0" err="1" smtClean="0">
+                <a:solidFill>
+                  <a:schemeClr val="tx1"/>
+                </a:solidFill>
+                <a:effectLst/>
+                <a:latin typeface="+mn-lt"/>
+                <a:ea typeface="+mn-ea"/>
+                <a:cs typeface="+mn-cs"/>
+              </a:rPr>
+              <a:t>GitHub</a:t>
+            </a:r>
+            <a:r>
+              <a:rPr lang="zh-CN" altLang="en-US" sz="1200" b="0" i="0" kern="1200" dirty="0" smtClean="0">
+                <a:solidFill>
+                  <a:schemeClr val="tx1"/>
+                </a:solidFill>
+                <a:effectLst/>
+                <a:latin typeface="+mn-lt"/>
+                <a:ea typeface="+mn-ea"/>
+                <a:cs typeface="+mn-cs"/>
+              </a:rPr>
+              <a:t>后来者居上。</a:t>
+            </a:r>
+          </a:p>
+        </p:txBody>
+      </p:sp>
+      <p:sp>
+        <p:nvSpPr>
+          <p:cNvPr id="4" name="灯片编号占位符 3"/>
+          <p:cNvSpPr>
+            <a:spLocks noGrp="1"/>
+          </p:cNvSpPr>
+          <p:nvPr>
+            <p:ph type="sldNum" sz="quarter" idx="10"/>
+          </p:nvPr>
+        </p:nvSpPr>
+        <p:spPr/>
+        <p:txBody>
+          <a:bodyPr/>
+          <a:lstStyle/>
+          <a:p>
+            <a:fld id="{AD50BD58-7766-4D29-BB41-D4998DCBDFAE}" type="slidenum">
+              <a:rPr lang="zh-CN" altLang="en-US" smtClean="0"/>
+              <a:t>8</a:t>
+            </a:fld>
+            <a:endParaRPr lang="zh-CN" altLang="en-US"/>
+          </a:p>
+        </p:txBody>
+      </p:sp>
+    </p:spTree>
+    <p:extLst>
+      <p:ext uri="{BB962C8B-B14F-4D97-AF65-F5344CB8AC3E}">
+        <p14:creationId xmlns:p14="http://schemas.microsoft.com/office/powerpoint/2010/main" val="988002432"/>
+      </p:ext>
+    </p:extLst>
+  </p:cSld>
+  <p:clrMapOvr>
+    <a:masterClrMapping/>
+  </p:clrMapOvr>
+</p:notes>
+</file>
+
+<file path=ppt/notesSlides/notesSlide7.xml><?xml version="1.0" encoding="utf-8"?>
+<p:notes xmlns:a="http://schemas.openxmlformats.org/drawingml/2006/main" xmlns:r="http://schemas.openxmlformats.org/officeDocument/2006/relationships" xmlns:p="http://schemas.openxmlformats.org/presentationml/2006/main">
+  <p:cSld>
+    <p:spTree>
+      <p:nvGrpSpPr>
+        <p:cNvPr id="1" name=""/>
+        <p:cNvGrpSpPr/>
+        <p:nvPr/>
+      </p:nvGrpSpPr>
+      <p:grpSpPr>
+        <a:xfrm>
+          <a:off x="0" y="0"/>
+          <a:ext cx="0" cy="0"/>
+          <a:chOff x="0" y="0"/>
+          <a:chExt cx="0" cy="0"/>
+        </a:xfrm>
+      </p:grpSpPr>
+      <p:sp>
+        <p:nvSpPr>
+          <p:cNvPr id="2" name="幻灯片图像占位符 1"/>
+          <p:cNvSpPr>
+            <a:spLocks noGrp="1" noRot="1" noChangeAspect="1"/>
+          </p:cNvSpPr>
+          <p:nvPr>
+            <p:ph type="sldImg"/>
+          </p:nvPr>
+        </p:nvSpPr>
+        <p:spPr/>
+      </p:sp>
+      <p:sp>
+        <p:nvSpPr>
+          <p:cNvPr id="3" name="备注占位符 2"/>
+          <p:cNvSpPr>
+            <a:spLocks noGrp="1"/>
+          </p:cNvSpPr>
+          <p:nvPr>
+            <p:ph type="body" idx="1"/>
+          </p:nvPr>
+        </p:nvSpPr>
+        <p:spPr/>
+        <p:txBody>
+          <a:bodyPr/>
+          <a:lstStyle/>
+          <a:p>
+            <a:r>
+              <a:rPr lang="zh-CN" altLang="en-US" sz="1200" b="0" i="0" kern="1200" dirty="0" smtClean="0">
+                <a:solidFill>
+                  <a:schemeClr val="tx1"/>
+                </a:solidFill>
+                <a:effectLst/>
+                <a:latin typeface="+mn-lt"/>
+                <a:ea typeface="+mn-ea"/>
+                <a:cs typeface="+mn-cs"/>
+              </a:rPr>
+              <a:t>采用传统的集中式版本控制系统（如</a:t>
+            </a:r>
+            <a:r>
+              <a:rPr lang="en-US" altLang="zh-CN" sz="1200" b="0" i="0" kern="1200" dirty="0" smtClean="0">
+                <a:solidFill>
+                  <a:schemeClr val="tx1"/>
+                </a:solidFill>
+                <a:effectLst/>
+                <a:latin typeface="+mn-lt"/>
+                <a:ea typeface="+mn-ea"/>
+                <a:cs typeface="+mn-cs"/>
+              </a:rPr>
+              <a:t>SVN</a:t>
+            </a:r>
+            <a:r>
+              <a:rPr lang="zh-CN" altLang="en-US" sz="1200" b="0" i="0" kern="1200" dirty="0" smtClean="0">
+                <a:solidFill>
+                  <a:schemeClr val="tx1"/>
+                </a:solidFill>
+                <a:effectLst/>
+                <a:latin typeface="+mn-lt"/>
+                <a:ea typeface="+mn-ea"/>
+                <a:cs typeface="+mn-cs"/>
+              </a:rPr>
+              <a:t>）的开源项目，这两个群体的用户体验都不是太好。如图所示，项目的贡献者（非核心成员）很不“高兴”，因为他们即便有修改源代码的能力和渴望，也不能直接向版本库提交，要想成为提交者需要一个很长的建立信任的过程。然而即便是核心开发团队的成员，体验也不是太好，因为凡是涉及到版本库的操作（检入、检出、查看日志等）都需要在联网的状态下进行，网络带宽对用户体验影响相当大。</a:t>
+            </a:r>
+            <a:endParaRPr lang="en-US" altLang="zh-CN" sz="1200" b="0" i="0" kern="1200" dirty="0" smtClean="0">
+              <a:solidFill>
+                <a:schemeClr val="tx1"/>
+              </a:solidFill>
+              <a:effectLst/>
+              <a:latin typeface="+mn-lt"/>
+              <a:ea typeface="+mn-ea"/>
+              <a:cs typeface="+mn-cs"/>
+            </a:endParaRPr>
+          </a:p>
+          <a:p>
+            <a:r>
+              <a:rPr lang="en-US" altLang="zh-CN" sz="1200" b="0" i="0" kern="1200" dirty="0" err="1" smtClean="0">
+                <a:solidFill>
+                  <a:schemeClr val="tx1"/>
+                </a:solidFill>
+                <a:effectLst/>
+                <a:latin typeface="+mn-lt"/>
+                <a:ea typeface="+mn-ea"/>
+                <a:cs typeface="+mn-cs"/>
+              </a:rPr>
+              <a:t>Git</a:t>
+            </a:r>
+            <a:r>
+              <a:rPr lang="zh-CN" altLang="en-US" sz="1200" b="0" i="0" kern="1200" dirty="0" smtClean="0">
+                <a:solidFill>
+                  <a:schemeClr val="tx1"/>
+                </a:solidFill>
+                <a:effectLst/>
+                <a:latin typeface="+mn-lt"/>
+                <a:ea typeface="+mn-ea"/>
+                <a:cs typeface="+mn-cs"/>
+              </a:rPr>
+              <a:t>等分布式版本控制系统的出现，彻底颠覆了原有代码管理的组织模式。使用</a:t>
+            </a:r>
+            <a:r>
+              <a:rPr lang="en-US" altLang="zh-CN" sz="1200" b="0" i="0" kern="1200" dirty="0" err="1" smtClean="0">
+                <a:solidFill>
+                  <a:schemeClr val="tx1"/>
+                </a:solidFill>
+                <a:effectLst/>
+                <a:latin typeface="+mn-lt"/>
+                <a:ea typeface="+mn-ea"/>
+                <a:cs typeface="+mn-cs"/>
+              </a:rPr>
+              <a:t>Git</a:t>
+            </a:r>
+            <a:r>
+              <a:rPr lang="zh-CN" altLang="en-US" sz="1200" b="0" i="0" kern="1200" dirty="0" smtClean="0">
+                <a:solidFill>
+                  <a:schemeClr val="tx1"/>
+                </a:solidFill>
+                <a:effectLst/>
+                <a:latin typeface="+mn-lt"/>
+                <a:ea typeface="+mn-ea"/>
+                <a:cs typeface="+mn-cs"/>
+              </a:rPr>
+              <a:t>，不再依赖唯一的、集中式的版本库，而是每个开发者本地都拥有一份完整的版本库。</a:t>
+            </a:r>
+            <a:r>
+              <a:rPr lang="en-US" altLang="zh-CN" sz="1200" b="0" i="0" kern="1200" dirty="0" err="1" smtClean="0">
+                <a:solidFill>
+                  <a:schemeClr val="tx1"/>
+                </a:solidFill>
+                <a:effectLst/>
+                <a:latin typeface="+mn-lt"/>
+                <a:ea typeface="+mn-ea"/>
+                <a:cs typeface="+mn-cs"/>
+              </a:rPr>
+              <a:t>Git</a:t>
+            </a:r>
+            <a:r>
+              <a:rPr lang="zh-CN" altLang="en-US" sz="1200" b="0" i="0" kern="1200" dirty="0" smtClean="0">
+                <a:solidFill>
+                  <a:schemeClr val="tx1"/>
+                </a:solidFill>
+                <a:effectLst/>
+                <a:latin typeface="+mn-lt"/>
+                <a:ea typeface="+mn-ea"/>
+                <a:cs typeface="+mn-cs"/>
+              </a:rPr>
+              <a:t>并不排斥集中式的使用模式，但更倾向于将集中式版本库称为共享版本库。核心开发团队的成员和贡献者（非核心成员）都可以从共享版本库克隆一份本地版本库，但只有核心团队成员才可以将自己本地版本库的提交推送到共享版本库上。</a:t>
+            </a:r>
+            <a:endParaRPr lang="en-US" altLang="zh-CN" sz="1200" b="0" i="0" kern="1200" dirty="0" smtClean="0">
+              <a:solidFill>
+                <a:schemeClr val="tx1"/>
+              </a:solidFill>
+              <a:effectLst/>
+              <a:latin typeface="+mn-lt"/>
+              <a:ea typeface="+mn-ea"/>
+              <a:cs typeface="+mn-cs"/>
+            </a:endParaRPr>
+          </a:p>
+          <a:p>
+            <a:r>
+              <a:rPr lang="zh-CN" altLang="en-US" sz="1200" b="0" i="0" kern="1200" dirty="0" smtClean="0">
+                <a:solidFill>
+                  <a:schemeClr val="tx1"/>
+                </a:solidFill>
+                <a:effectLst/>
+                <a:latin typeface="+mn-lt"/>
+                <a:ea typeface="+mn-ea"/>
+                <a:cs typeface="+mn-cs"/>
+              </a:rPr>
+              <a:t>使用</a:t>
+            </a:r>
+            <a:r>
+              <a:rPr lang="en-US" altLang="zh-CN" sz="1200" b="0" i="0" kern="1200" dirty="0" err="1" smtClean="0">
+                <a:solidFill>
+                  <a:schemeClr val="tx1"/>
+                </a:solidFill>
+                <a:effectLst/>
+                <a:latin typeface="+mn-lt"/>
+                <a:ea typeface="+mn-ea"/>
+                <a:cs typeface="+mn-cs"/>
+              </a:rPr>
+              <a:t>Git</a:t>
+            </a:r>
+            <a:r>
+              <a:rPr lang="zh-CN" altLang="en-US" sz="1200" b="0" i="0" kern="1200" dirty="0" smtClean="0">
+                <a:solidFill>
+                  <a:schemeClr val="tx1"/>
+                </a:solidFill>
+                <a:effectLst/>
+                <a:latin typeface="+mn-lt"/>
+                <a:ea typeface="+mn-ea"/>
+                <a:cs typeface="+mn-cs"/>
+              </a:rPr>
+              <a:t>做版本控制（如图</a:t>
+            </a:r>
+            <a:r>
+              <a:rPr lang="en-US" altLang="zh-CN" sz="1200" b="0" i="0" kern="1200" dirty="0" smtClean="0">
+                <a:solidFill>
+                  <a:schemeClr val="tx1"/>
+                </a:solidFill>
+                <a:effectLst/>
+                <a:latin typeface="+mn-lt"/>
+                <a:ea typeface="+mn-ea"/>
+                <a:cs typeface="+mn-cs"/>
+              </a:rPr>
+              <a:t>1-3</a:t>
+            </a:r>
+            <a:r>
+              <a:rPr lang="zh-CN" altLang="en-US" sz="1200" b="0" i="0" kern="1200" dirty="0" smtClean="0">
+                <a:solidFill>
+                  <a:schemeClr val="tx1"/>
+                </a:solidFill>
+                <a:effectLst/>
+                <a:latin typeface="+mn-lt"/>
+                <a:ea typeface="+mn-ea"/>
+                <a:cs typeface="+mn-cs"/>
+              </a:rPr>
+              <a:t>所示），核心开发团队非常“高兴”，因为他们和共享版本库之间不必一直保持连接状态，诸如查看日志、提交、创建分支等几乎全部操作都（脱离网络）在本地的版本库中完成。项目贡献者（非核心成员）也不再那么沮丧，因为版本库人人皆可更改（当然是对本地版本库而言）。稍微让贡献者感到困难的就是如何将自己对项目的改进被核心开发团队所了解并接纳。</a:t>
+            </a:r>
+            <a:r>
+              <a:rPr lang="en-US" altLang="zh-CN" sz="1200" b="0" i="0" kern="1200" dirty="0" err="1" smtClean="0">
+                <a:solidFill>
+                  <a:schemeClr val="tx1"/>
+                </a:solidFill>
+                <a:effectLst/>
+                <a:latin typeface="+mn-lt"/>
+                <a:ea typeface="+mn-ea"/>
+                <a:cs typeface="+mn-cs"/>
+              </a:rPr>
+              <a:t>Git</a:t>
+            </a:r>
+            <a:r>
+              <a:rPr lang="zh-CN" altLang="en-US" sz="1200" b="0" i="0" kern="1200" dirty="0" smtClean="0">
+                <a:solidFill>
+                  <a:schemeClr val="tx1"/>
+                </a:solidFill>
+                <a:effectLst/>
+                <a:latin typeface="+mn-lt"/>
+                <a:ea typeface="+mn-ea"/>
+                <a:cs typeface="+mn-cs"/>
+              </a:rPr>
+              <a:t>提供了多种途径，一个方法是先用</a:t>
+            </a:r>
+            <a:r>
+              <a:rPr lang="en-US" altLang="zh-CN" dirty="0" err="1" smtClean="0"/>
+              <a:t>git</a:t>
+            </a:r>
+            <a:r>
+              <a:rPr lang="en-US" altLang="zh-CN" dirty="0" smtClean="0"/>
+              <a:t> format-patch</a:t>
+            </a:r>
+            <a:r>
+              <a:rPr lang="zh-CN" altLang="en-US" sz="1200" b="0" i="0" kern="1200" dirty="0" smtClean="0">
+                <a:solidFill>
+                  <a:schemeClr val="tx1"/>
+                </a:solidFill>
+                <a:effectLst/>
+                <a:latin typeface="+mn-lt"/>
+                <a:ea typeface="+mn-ea"/>
+                <a:cs typeface="+mn-cs"/>
+              </a:rPr>
+              <a:t>命令将本地提交转换为补丁文件或补丁文件序列，再通过邮件发送给核心开发团队。另外一个办法就是搭建一个自己专有的共享版本库，通过邮件创建一个拉拽请求（</a:t>
+            </a:r>
+            <a:r>
+              <a:rPr lang="en-US" altLang="zh-CN" sz="1200" b="0" i="0" kern="1200" dirty="0" smtClean="0">
+                <a:solidFill>
+                  <a:schemeClr val="tx1"/>
+                </a:solidFill>
+                <a:effectLst/>
+                <a:latin typeface="+mn-lt"/>
+                <a:ea typeface="+mn-ea"/>
+                <a:cs typeface="+mn-cs"/>
+              </a:rPr>
+              <a:t>Pull Request</a:t>
+            </a:r>
+            <a:r>
+              <a:rPr lang="zh-CN" altLang="en-US" sz="1200" b="0" i="0" kern="1200" dirty="0" smtClean="0">
+                <a:solidFill>
+                  <a:schemeClr val="tx1"/>
+                </a:solidFill>
+                <a:effectLst/>
+                <a:latin typeface="+mn-lt"/>
+                <a:ea typeface="+mn-ea"/>
+                <a:cs typeface="+mn-cs"/>
+              </a:rPr>
+              <a:t>），让核心团队的开发者到自己的版本库来抓取（</a:t>
+            </a:r>
+            <a:r>
+              <a:rPr lang="en-US" altLang="zh-CN" sz="1200" b="0" i="0" kern="1200" dirty="0" smtClean="0">
+                <a:solidFill>
+                  <a:schemeClr val="tx1"/>
+                </a:solidFill>
+                <a:effectLst/>
+                <a:latin typeface="+mn-lt"/>
+                <a:ea typeface="+mn-ea"/>
+                <a:cs typeface="+mn-cs"/>
+              </a:rPr>
+              <a:t>Pull</a:t>
+            </a:r>
+            <a:r>
+              <a:rPr lang="zh-CN" altLang="en-US" sz="1200" b="0" i="0" kern="1200" dirty="0" smtClean="0">
+                <a:solidFill>
+                  <a:schemeClr val="tx1"/>
+                </a:solidFill>
+                <a:effectLst/>
+                <a:latin typeface="+mn-lt"/>
+                <a:ea typeface="+mn-ea"/>
+                <a:cs typeface="+mn-cs"/>
+              </a:rPr>
+              <a:t>）。</a:t>
+            </a:r>
+            <a:endParaRPr lang="en-US" altLang="zh-CN" sz="1200" b="0" i="0" kern="1200" dirty="0" smtClean="0">
+              <a:solidFill>
+                <a:schemeClr val="tx1"/>
+              </a:solidFill>
+              <a:effectLst/>
+              <a:latin typeface="+mn-lt"/>
+              <a:ea typeface="+mn-ea"/>
+              <a:cs typeface="+mn-cs"/>
+            </a:endParaRPr>
+          </a:p>
+          <a:p>
+            <a:r>
+              <a:rPr lang="en-US" altLang="zh-CN" sz="1200" b="0" i="0" kern="1200" dirty="0" err="1" smtClean="0">
+                <a:solidFill>
+                  <a:schemeClr val="tx1"/>
+                </a:solidFill>
+                <a:effectLst/>
+                <a:latin typeface="+mn-lt"/>
+                <a:ea typeface="+mn-ea"/>
+                <a:cs typeface="+mn-cs"/>
+              </a:rPr>
+              <a:t>GitHub</a:t>
+            </a:r>
+            <a:r>
+              <a:rPr lang="zh-CN" altLang="en-US" sz="1200" b="0" i="0" kern="1200" dirty="0" smtClean="0">
+                <a:solidFill>
+                  <a:schemeClr val="tx1"/>
+                </a:solidFill>
+                <a:effectLst/>
+                <a:latin typeface="+mn-lt"/>
+                <a:ea typeface="+mn-ea"/>
+                <a:cs typeface="+mn-cs"/>
+              </a:rPr>
+              <a:t>的出现进一步推动了</a:t>
+            </a:r>
+            <a:r>
+              <a:rPr lang="en-US" altLang="zh-CN" sz="1200" b="0" i="0" kern="1200" dirty="0" err="1" smtClean="0">
+                <a:solidFill>
+                  <a:schemeClr val="tx1"/>
+                </a:solidFill>
+                <a:effectLst/>
+                <a:latin typeface="+mn-lt"/>
+                <a:ea typeface="+mn-ea"/>
+                <a:cs typeface="+mn-cs"/>
+              </a:rPr>
+              <a:t>Git</a:t>
+            </a:r>
+            <a:r>
+              <a:rPr lang="zh-CN" altLang="en-US" sz="1200" b="0" i="0" kern="1200" dirty="0" smtClean="0">
+                <a:solidFill>
+                  <a:schemeClr val="tx1"/>
+                </a:solidFill>
+                <a:effectLst/>
+                <a:latin typeface="+mn-lt"/>
+                <a:ea typeface="+mn-ea"/>
+                <a:cs typeface="+mn-cs"/>
+              </a:rPr>
+              <a:t>的普及，简化了版本控制的管理和操作流程，为开发者提供了更好的交流平台。</a:t>
+            </a:r>
+            <a:endParaRPr lang="zh-CN" altLang="en-US" dirty="0"/>
+          </a:p>
+        </p:txBody>
+      </p:sp>
+      <p:sp>
+        <p:nvSpPr>
+          <p:cNvPr id="4" name="灯片编号占位符 3"/>
+          <p:cNvSpPr>
+            <a:spLocks noGrp="1"/>
+          </p:cNvSpPr>
+          <p:nvPr>
+            <p:ph type="sldNum" sz="quarter" idx="10"/>
+          </p:nvPr>
+        </p:nvSpPr>
+        <p:spPr/>
+        <p:txBody>
+          <a:bodyPr/>
+          <a:lstStyle/>
+          <a:p>
+            <a:fld id="{AD50BD58-7766-4D29-BB41-D4998DCBDFAE}" type="slidenum">
+              <a:rPr lang="zh-CN" altLang="en-US" smtClean="0"/>
+              <a:t>9</a:t>
+            </a:fld>
+            <a:endParaRPr lang="zh-CN" altLang="en-US"/>
+          </a:p>
+        </p:txBody>
+      </p:sp>
+    </p:spTree>
+    <p:extLst>
+      <p:ext uri="{BB962C8B-B14F-4D97-AF65-F5344CB8AC3E}">
+        <p14:creationId xmlns:p14="http://schemas.microsoft.com/office/powerpoint/2010/main" val="2464100453"/>
+      </p:ext>
+    </p:extLst>
+  </p:cSld>
+  <p:clrMapOvr>
+    <a:masterClrMapping/>
+  </p:clrMapOvr>
+</p:notes>
+</file>
+
 <file path=ppt/slideLayouts/slideLayout1.xml><?xml version="1.0" encoding="utf-8"?>
 <p:sldLayout xmlns:a="http://schemas.openxmlformats.org/drawingml/2006/main" xmlns:r="http://schemas.openxmlformats.org/officeDocument/2006/relationships" xmlns:p="http://schemas.openxmlformats.org/presentationml/2006/main" type="title" preserve="1">
   <p:cSld name="标题幻灯片">
@@ -7917,7 +8966,7 @@
           <a:p>
             <a:fld id="{530820CF-B880-4189-942D-D702A7CBA730}" type="datetimeFigureOut">
               <a:rPr lang="zh-CN" altLang="en-US" smtClean="0"/>
-              <a:t>2012/3/30</a:t>
+              <a:t>2012/3/31</a:t>
             </a:fld>
             <a:endParaRPr lang="zh-CN" altLang="en-US"/>
           </a:p>
@@ -8082,7 +9131,7 @@
           <a:p>
             <a:fld id="{530820CF-B880-4189-942D-D702A7CBA730}" type="datetimeFigureOut">
               <a:rPr lang="zh-CN" altLang="en-US" smtClean="0"/>
-              <a:t>2012/3/30</a:t>
+              <a:t>2012/3/31</a:t>
             </a:fld>
             <a:endParaRPr lang="zh-CN" altLang="en-US"/>
           </a:p>
@@ -8257,7 +9306,7 @@
           <a:p>
             <a:fld id="{530820CF-B880-4189-942D-D702A7CBA730}" type="datetimeFigureOut">
               <a:rPr lang="zh-CN" altLang="en-US" smtClean="0"/>
-              <a:t>2012/3/30</a:t>
+              <a:t>2012/3/31</a:t>
             </a:fld>
             <a:endParaRPr lang="zh-CN" altLang="en-US"/>
           </a:p>
@@ -8422,7 +9471,7 @@
           <a:p>
             <a:fld id="{530820CF-B880-4189-942D-D702A7CBA730}" type="datetimeFigureOut">
               <a:rPr lang="zh-CN" altLang="en-US" smtClean="0"/>
-              <a:t>2012/3/30</a:t>
+              <a:t>2012/3/31</a:t>
             </a:fld>
             <a:endParaRPr lang="zh-CN" altLang="en-US"/>
           </a:p>
@@ -8663,7 +9712,7 @@
           <a:p>
             <a:fld id="{530820CF-B880-4189-942D-D702A7CBA730}" type="datetimeFigureOut">
               <a:rPr lang="zh-CN" altLang="en-US" smtClean="0"/>
-              <a:t>2012/3/30</a:t>
+              <a:t>2012/3/31</a:t>
             </a:fld>
             <a:endParaRPr lang="zh-CN" altLang="en-US"/>
           </a:p>
@@ -8946,7 +9995,7 @@
           <a:p>
             <a:fld id="{530820CF-B880-4189-942D-D702A7CBA730}" type="datetimeFigureOut">
               <a:rPr lang="zh-CN" altLang="en-US" smtClean="0"/>
-              <a:t>2012/3/30</a:t>
+              <a:t>2012/3/31</a:t>
             </a:fld>
             <a:endParaRPr lang="zh-CN" altLang="en-US"/>
           </a:p>
@@ -9363,7 +10412,7 @@
           <a:p>
             <a:fld id="{530820CF-B880-4189-942D-D702A7CBA730}" type="datetimeFigureOut">
               <a:rPr lang="zh-CN" altLang="en-US" smtClean="0"/>
-              <a:t>2012/3/30</a:t>
+              <a:t>2012/3/31</a:t>
             </a:fld>
             <a:endParaRPr lang="zh-CN" altLang="en-US"/>
           </a:p>
@@ -9476,7 +10525,7 @@
           <a:p>
             <a:fld id="{530820CF-B880-4189-942D-D702A7CBA730}" type="datetimeFigureOut">
               <a:rPr lang="zh-CN" altLang="en-US" smtClean="0"/>
-              <a:t>2012/3/30</a:t>
+              <a:t>2012/3/31</a:t>
             </a:fld>
             <a:endParaRPr lang="zh-CN" altLang="en-US"/>
           </a:p>
@@ -9566,7 +10615,7 @@
           <a:p>
             <a:fld id="{530820CF-B880-4189-942D-D702A7CBA730}" type="datetimeFigureOut">
               <a:rPr lang="zh-CN" altLang="en-US" smtClean="0"/>
-              <a:t>2012/3/30</a:t>
+              <a:t>2012/3/31</a:t>
             </a:fld>
             <a:endParaRPr lang="zh-CN" altLang="en-US"/>
           </a:p>
@@ -9838,7 +10887,7 @@
           <a:p>
             <a:fld id="{530820CF-B880-4189-942D-D702A7CBA730}" type="datetimeFigureOut">
               <a:rPr lang="zh-CN" altLang="en-US" smtClean="0"/>
-              <a:t>2012/3/30</a:t>
+              <a:t>2012/3/31</a:t>
             </a:fld>
             <a:endParaRPr lang="zh-CN" altLang="en-US"/>
           </a:p>
@@ -10086,7 +11135,7 @@
           <a:p>
             <a:fld id="{530820CF-B880-4189-942D-D702A7CBA730}" type="datetimeFigureOut">
               <a:rPr lang="zh-CN" altLang="en-US" smtClean="0"/>
-              <a:t>2012/3/30</a:t>
+              <a:t>2012/3/31</a:t>
             </a:fld>
             <a:endParaRPr lang="zh-CN" altLang="en-US"/>
           </a:p>
@@ -10294,7 +11343,7 @@
           <a:p>
             <a:fld id="{530820CF-B880-4189-942D-D702A7CBA730}" type="datetimeFigureOut">
               <a:rPr lang="zh-CN" altLang="en-US" smtClean="0"/>
-              <a:t>2012/3/30</a:t>
+              <a:t>2012/3/31</a:t>
             </a:fld>
             <a:endParaRPr lang="zh-CN" altLang="en-US"/>
           </a:p>
@@ -10684,7 +11733,15 @@
               <a:t>Git</a:t>
             </a:r>
             <a:r>
-              <a:rPr lang="en-US" altLang="zh-CN" dirty="0"/>
+              <a:rPr lang="en-US" altLang="zh-CN" dirty="0" smtClean="0"/>
+              <a:t>/</a:t>
+            </a:r>
+            <a:r>
+              <a:rPr lang="en-US" altLang="zh-CN" dirty="0" err="1" smtClean="0"/>
+              <a:t>Github</a:t>
+            </a:r>
+            <a:r>
+              <a:rPr lang="en-US" altLang="zh-CN" dirty="0" smtClean="0"/>
               <a:t> </a:t>
             </a:r>
             <a:r>
@@ -10738,6 +11795,185 @@
 </file>
 
 <file path=ppt/slides/slide10.xml><?xml version="1.0" encoding="utf-8"?>
+<p:sld xmlns:a="http://schemas.openxmlformats.org/drawingml/2006/main" xmlns:r="http://schemas.openxmlformats.org/officeDocument/2006/relationships" xmlns:p="http://schemas.openxmlformats.org/presentationml/2006/main">
+  <p:cSld>
+    <p:spTree>
+      <p:nvGrpSpPr>
+        <p:cNvPr id="1" name=""/>
+        <p:cNvGrpSpPr/>
+        <p:nvPr/>
+      </p:nvGrpSpPr>
+      <p:grpSpPr>
+        <a:xfrm>
+          <a:off x="0" y="0"/>
+          <a:ext cx="0" cy="0"/>
+          <a:chOff x="0" y="0"/>
+          <a:chExt cx="0" cy="0"/>
+        </a:xfrm>
+      </p:grpSpPr>
+      <p:sp>
+        <p:nvSpPr>
+          <p:cNvPr id="2" name="标题 1"/>
+          <p:cNvSpPr>
+            <a:spLocks noGrp="1"/>
+          </p:cNvSpPr>
+          <p:nvPr>
+            <p:ph type="title"/>
+          </p:nvPr>
+        </p:nvSpPr>
+        <p:spPr/>
+        <p:txBody>
+          <a:bodyPr/>
+          <a:lstStyle/>
+          <a:p>
+            <a:r>
+              <a:rPr lang="en-US" altLang="zh-CN" dirty="0" err="1" smtClean="0"/>
+              <a:t>Git</a:t>
+            </a:r>
+            <a:r>
+              <a:rPr lang="en-US" altLang="zh-CN" dirty="0" smtClean="0"/>
+              <a:t>/</a:t>
+            </a:r>
+            <a:r>
+              <a:rPr lang="en-US" altLang="zh-CN" dirty="0" err="1" smtClean="0"/>
+              <a:t>GitHub</a:t>
+            </a:r>
+            <a:r>
+              <a:rPr lang="zh-CN" altLang="en-US" dirty="0" smtClean="0"/>
+              <a:t>体验</a:t>
+            </a:r>
+            <a:endParaRPr lang="en-US" altLang="zh-CN" dirty="0"/>
+          </a:p>
+        </p:txBody>
+      </p:sp>
+      <p:pic>
+        <p:nvPicPr>
+          <p:cNvPr id="4" name="内容占位符 3">
+            <a:hlinkClick r:id="rId2"/>
+          </p:cNvPr>
+          <p:cNvPicPr>
+            <a:picLocks noGrp="1" noChangeAspect="1"/>
+          </p:cNvPicPr>
+          <p:nvPr>
+            <p:ph idx="1"/>
+          </p:nvPr>
+        </p:nvPicPr>
+        <p:blipFill>
+          <a:blip r:embed="rId3">
+            <a:extLst>
+              <a:ext uri="{28A0092B-C50C-407E-A947-70E740481C1C}">
+                <a14:useLocalDpi xmlns:a14="http://schemas.microsoft.com/office/drawing/2010/main" val="0"/>
+              </a:ext>
+            </a:extLst>
+          </a:blip>
+          <a:stretch>
+            <a:fillRect/>
+          </a:stretch>
+        </p:blipFill>
+        <p:spPr>
+          <a:xfrm>
+            <a:off x="467544" y="2132856"/>
+            <a:ext cx="2247900" cy="781050"/>
+          </a:xfrm>
+        </p:spPr>
+      </p:pic>
+      <p:pic>
+        <p:nvPicPr>
+          <p:cNvPr id="5" name="图片 4">
+            <a:hlinkClick r:id="rId4"/>
+          </p:cNvPr>
+          <p:cNvPicPr>
+            <a:picLocks noChangeAspect="1"/>
+          </p:cNvPicPr>
+          <p:nvPr/>
+        </p:nvPicPr>
+        <p:blipFill>
+          <a:blip r:embed="rId5">
+            <a:extLst>
+              <a:ext uri="{28A0092B-C50C-407E-A947-70E740481C1C}">
+                <a14:useLocalDpi xmlns:a14="http://schemas.microsoft.com/office/drawing/2010/main" val="0"/>
+              </a:ext>
+            </a:extLst>
+          </a:blip>
+          <a:stretch>
+            <a:fillRect/>
+          </a:stretch>
+        </p:blipFill>
+        <p:spPr>
+          <a:xfrm>
+            <a:off x="4572000" y="1412776"/>
+            <a:ext cx="2664296" cy="2664296"/>
+          </a:xfrm>
+          <a:prstGeom prst="rect">
+            <a:avLst/>
+          </a:prstGeom>
+        </p:spPr>
+      </p:pic>
+      <p:sp>
+        <p:nvSpPr>
+          <p:cNvPr id="3" name="矩形 2"/>
+          <p:cNvSpPr/>
+          <p:nvPr/>
+        </p:nvSpPr>
+        <p:spPr>
+          <a:xfrm>
+            <a:off x="5184068" y="4221088"/>
+            <a:ext cx="1440160" cy="504056"/>
+          </a:xfrm>
+          <a:prstGeom prst="rect">
+            <a:avLst/>
+          </a:prstGeom>
+        </p:spPr>
+        <p:style>
+          <a:lnRef idx="2">
+            <a:schemeClr val="accent1">
+              <a:shade val="50000"/>
+            </a:schemeClr>
+          </a:lnRef>
+          <a:fillRef idx="1">
+            <a:schemeClr val="accent1"/>
+          </a:fillRef>
+          <a:effectRef idx="0">
+            <a:schemeClr val="accent1"/>
+          </a:effectRef>
+          <a:fontRef idx="minor">
+            <a:schemeClr val="lt1"/>
+          </a:fontRef>
+        </p:style>
+        <p:txBody>
+          <a:bodyPr rtlCol="0" anchor="ctr"/>
+          <a:lstStyle/>
+          <a:p>
+            <a:pPr algn="ctr"/>
+            <a:r>
+              <a:rPr lang="en-US" altLang="zh-CN" dirty="0" smtClean="0"/>
+              <a:t>OCOTOCAT</a:t>
+            </a:r>
+            <a:endParaRPr lang="zh-CN" altLang="en-US" dirty="0"/>
+          </a:p>
+        </p:txBody>
+      </p:sp>
+    </p:spTree>
+    <p:extLst>
+      <p:ext uri="{BB962C8B-B14F-4D97-AF65-F5344CB8AC3E}">
+        <p14:creationId xmlns:p14="http://schemas.microsoft.com/office/powerpoint/2010/main" val="1131108669"/>
+      </p:ext>
+    </p:extLst>
+  </p:cSld>
+  <p:clrMapOvr>
+    <a:masterClrMapping/>
+  </p:clrMapOvr>
+  <p:timing>
+    <p:tnLst>
+      <p:par>
+        <p:cTn id="1" dur="indefinite" restart="never" nodeType="tmRoot"/>
+      </p:par>
+    </p:tnLst>
+  </p:timing>
+</p:sld>
+</file>
+
+<file path=ppt/slides/slide11.xml><?xml version="1.0" encoding="utf-8"?>
 <p:sld xmlns:a="http://schemas.openxmlformats.org/drawingml/2006/main" xmlns:r="http://schemas.openxmlformats.org/officeDocument/2006/relationships" xmlns:p="http://schemas.openxmlformats.org/presentationml/2006/main">
   <p:cSld>
     <p:spTree>
@@ -12760,7 +13996,7 @@
             </a:r>
             <a:r>
               <a:rPr lang="en-US" altLang="zh-CN" sz="2400" dirty="0">
-                <a:hlinkClick r:id="rId2"/>
+                <a:hlinkClick r:id="rId3"/>
               </a:rPr>
               <a:t>https://github.com/</a:t>
             </a:r>
@@ -12787,6 +14023,36 @@
           </a:p>
         </p:txBody>
       </p:sp>
+      <p:pic>
+        <p:nvPicPr>
+          <p:cNvPr id="4" name="图片 3"/>
+          <p:cNvPicPr>
+            <a:picLocks noChangeAspect="1"/>
+          </p:cNvPicPr>
+          <p:nvPr/>
+        </p:nvPicPr>
+        <p:blipFill>
+          <a:blip r:embed="rId4">
+            <a:extLst>
+              <a:ext uri="{28A0092B-C50C-407E-A947-70E740481C1C}">
+                <a14:useLocalDpi xmlns:a14="http://schemas.microsoft.com/office/drawing/2010/main" val="0"/>
+              </a:ext>
+            </a:extLst>
+          </a:blip>
+          <a:stretch>
+            <a:fillRect/>
+          </a:stretch>
+        </p:blipFill>
+        <p:spPr>
+          <a:xfrm>
+            <a:off x="922965" y="2132856"/>
+            <a:ext cx="7619048" cy="4266667"/>
+          </a:xfrm>
+          <a:prstGeom prst="rect">
+            <a:avLst/>
+          </a:prstGeom>
+        </p:spPr>
+      </p:pic>
     </p:spTree>
     <p:extLst>
       <p:ext uri="{BB962C8B-B14F-4D97-AF65-F5344CB8AC3E}">
@@ -12928,6 +14194,59 @@
                       </p:childTnLst>
                     </p:cTn>
                   </p:par>
+                  <p:par>
+                    <p:cTn id="10" fill="hold">
+                      <p:stCondLst>
+                        <p:cond delay="indefinite"/>
+                      </p:stCondLst>
+                      <p:childTnLst>
+                        <p:par>
+                          <p:cTn id="11" fill="hold">
+                            <p:stCondLst>
+                              <p:cond delay="0"/>
+                            </p:stCondLst>
+                            <p:childTnLst>
+                              <p:par>
+                                <p:cTn id="12" presetID="16" presetClass="entr" presetSubtype="21" fill="hold" nodeType="clickEffect">
+                                  <p:stCondLst>
+                                    <p:cond delay="0"/>
+                                  </p:stCondLst>
+                                  <p:childTnLst>
+                                    <p:set>
+                                      <p:cBhvr>
+                                        <p:cTn id="13" dur="1" fill="hold">
+                                          <p:stCondLst>
+                                            <p:cond delay="0"/>
+                                          </p:stCondLst>
+                                        </p:cTn>
+                                        <p:tgtEl>
+                                          <p:spTgt spid="4"/>
+                                        </p:tgtEl>
+                                        <p:attrNameLst>
+                                          <p:attrName>style.visibility</p:attrName>
+                                        </p:attrNameLst>
+                                      </p:cBhvr>
+                                      <p:to>
+                                        <p:strVal val="visible"/>
+                                      </p:to>
+                                    </p:set>
+                                    <p:animEffect transition="in" filter="barn(inVertical)">
+                                      <p:cBhvr>
+                                        <p:cTn id="14" dur="500"/>
+                                        <p:tgtEl>
+                                          <p:spTgt spid="4"/>
+                                        </p:tgtEl>
+                                      </p:cBhvr>
+                                    </p:animEffect>
+                                  </p:childTnLst>
+                                </p:cTn>
+                              </p:par>
+                            </p:childTnLst>
+                          </p:cTn>
+                        </p:par>
+                      </p:childTnLst>
+                    </p:cTn>
+                  </p:par>
                 </p:childTnLst>
               </p:cTn>
               <p:prevCondLst>
@@ -12986,39 +14305,30 @@
           <a:lstStyle/>
           <a:p>
             <a:r>
-              <a:rPr lang="en-US" altLang="zh-CN" dirty="0" err="1" smtClean="0"/>
-              <a:t>Git</a:t>
-            </a:r>
-            <a:r>
-              <a:rPr lang="en-US" altLang="zh-CN" dirty="0" smtClean="0"/>
-              <a:t>/</a:t>
-            </a:r>
-            <a:r>
-              <a:rPr lang="en-US" altLang="zh-CN" dirty="0" err="1" smtClean="0"/>
+              <a:rPr lang="en-US" altLang="zh-CN" dirty="0" err="1"/>
               <a:t>GitHub</a:t>
             </a:r>
             <a:r>
-              <a:rPr lang="zh-CN" altLang="en-US" dirty="0" smtClean="0"/>
-              <a:t>体验</a:t>
-            </a:r>
-            <a:endParaRPr lang="en-US" altLang="zh-CN" dirty="0"/>
+              <a:rPr lang="en-US" altLang="zh-CN" dirty="0"/>
+              <a:t> </a:t>
+            </a:r>
+            <a:r>
+              <a:rPr lang="zh-CN" altLang="en-US" dirty="0"/>
+              <a:t>基础</a:t>
+            </a:r>
           </a:p>
         </p:txBody>
       </p:sp>
       <p:pic>
         <p:nvPicPr>
-          <p:cNvPr id="4" name="内容占位符 3">
-            <a:hlinkClick r:id="rId2"/>
-          </p:cNvPr>
+          <p:cNvPr id="8" name="图片 7"/>
           <p:cNvPicPr>
-            <a:picLocks noGrp="1" noChangeAspect="1"/>
+            <a:picLocks noChangeAspect="1"/>
           </p:cNvPicPr>
-          <p:nvPr>
-            <p:ph idx="1"/>
-          </p:nvPr>
+          <p:nvPr/>
         </p:nvPicPr>
         <p:blipFill>
-          <a:blip r:embed="rId3">
+          <a:blip r:embed="rId3" cstate="print">
             <a:extLst>
               <a:ext uri="{28A0092B-C50C-407E-A947-70E740481C1C}">
                 <a14:useLocalDpi xmlns:a14="http://schemas.microsoft.com/office/drawing/2010/main" val="0"/>
@@ -13031,21 +14341,24 @@
         </p:blipFill>
         <p:spPr>
           <a:xfrm>
-            <a:off x="467544" y="2132856"/>
-            <a:ext cx="2247900" cy="781050"/>
+            <a:off x="251520" y="2717507"/>
+            <a:ext cx="2880320" cy="1675387"/>
           </a:xfrm>
+          <a:prstGeom prst="rect">
+            <a:avLst/>
+          </a:prstGeom>
         </p:spPr>
       </p:pic>
       <p:pic>
         <p:nvPicPr>
-          <p:cNvPr id="5" name="图片 4"/>
+          <p:cNvPr id="9" name="图片 8"/>
           <p:cNvPicPr>
             <a:picLocks noChangeAspect="1"/>
           </p:cNvPicPr>
           <p:nvPr/>
         </p:nvPicPr>
         <p:blipFill>
-          <a:blip r:embed="rId4">
+          <a:blip r:embed="rId4" cstate="print">
             <a:extLst>
               <a:ext uri="{28A0092B-C50C-407E-A947-70E740481C1C}">
                 <a14:useLocalDpi xmlns:a14="http://schemas.microsoft.com/office/drawing/2010/main" val="0"/>
@@ -13058,8 +14371,38 @@
         </p:blipFill>
         <p:spPr>
           <a:xfrm>
-            <a:off x="4572000" y="1412776"/>
-            <a:ext cx="2664296" cy="2664296"/>
+            <a:off x="3131840" y="2694097"/>
+            <a:ext cx="2784913" cy="1698797"/>
+          </a:xfrm>
+          <a:prstGeom prst="rect">
+            <a:avLst/>
+          </a:prstGeom>
+        </p:spPr>
+      </p:pic>
+      <p:pic>
+        <p:nvPicPr>
+          <p:cNvPr id="10" name="图片 9"/>
+          <p:cNvPicPr>
+            <a:picLocks noChangeAspect="1"/>
+          </p:cNvPicPr>
+          <p:nvPr/>
+        </p:nvPicPr>
+        <p:blipFill>
+          <a:blip r:embed="rId5" cstate="print">
+            <a:extLst>
+              <a:ext uri="{28A0092B-C50C-407E-A947-70E740481C1C}">
+                <a14:useLocalDpi xmlns:a14="http://schemas.microsoft.com/office/drawing/2010/main" val="0"/>
+              </a:ext>
+            </a:extLst>
+          </a:blip>
+          <a:stretch>
+            <a:fillRect/>
+          </a:stretch>
+        </p:blipFill>
+        <p:spPr>
+          <a:xfrm>
+            <a:off x="6115774" y="2737572"/>
+            <a:ext cx="2805630" cy="1655322"/>
           </a:xfrm>
           <a:prstGeom prst="rect">
             <a:avLst/>
@@ -13069,7 +14412,7 @@
     </p:spTree>
     <p:extLst>
       <p:ext uri="{BB962C8B-B14F-4D97-AF65-F5344CB8AC3E}">
-        <p14:creationId xmlns:p14="http://schemas.microsoft.com/office/powerpoint/2010/main" val="1131108669"/>
+        <p14:creationId xmlns:p14="http://schemas.microsoft.com/office/powerpoint/2010/main" val="3988157790"/>
       </p:ext>
     </p:extLst>
   </p:cSld>

--- a/Git_Primer.pptx
+++ b/Git_Primer.pptx
@@ -5,7 +5,7 @@
     <p:sldMasterId id="2147483648" r:id="rId1"/>
   </p:sldMasterIdLst>
   <p:notesMasterIdLst>
-    <p:notesMasterId r:id="rId13"/>
+    <p:notesMasterId r:id="rId15"/>
   </p:notesMasterIdLst>
   <p:sldIdLst>
     <p:sldId id="256" r:id="rId2"/>
@@ -15,10 +15,12 @@
     <p:sldId id="259" r:id="rId6"/>
     <p:sldId id="271" r:id="rId7"/>
     <p:sldId id="273" r:id="rId8"/>
-    <p:sldId id="269" r:id="rId9"/>
-    <p:sldId id="274" r:id="rId10"/>
-    <p:sldId id="264" r:id="rId11"/>
-    <p:sldId id="272" r:id="rId12"/>
+    <p:sldId id="275" r:id="rId9"/>
+    <p:sldId id="276" r:id="rId10"/>
+    <p:sldId id="269" r:id="rId11"/>
+    <p:sldId id="274" r:id="rId12"/>
+    <p:sldId id="264" r:id="rId13"/>
+    <p:sldId id="272" r:id="rId14"/>
   </p:sldIdLst>
   <p:sldSz cx="9144000" cy="6858000" type="screen4x3"/>
   <p:notesSz cx="6858000" cy="9144000"/>
@@ -7791,7 +7793,19 @@
                 <a:ea typeface="+mn-ea"/>
                 <a:cs typeface="+mn-cs"/>
               </a:rPr>
-              <a:t>GitHub</a:t>
+              <a:t>Git</a:t>
+            </a:r>
+            <a:r>
+              <a:rPr lang="en-US" altLang="zh-CN" sz="1200" b="0" i="0" kern="1200" dirty="0" smtClean="0">
+                <a:solidFill>
+                  <a:schemeClr val="tx1"/>
+                </a:solidFill>
+                <a:effectLst/>
+                <a:latin typeface="+mn-lt"/>
+                <a:ea typeface="+mn-ea"/>
+                <a:cs typeface="+mn-cs"/>
+              </a:rPr>
+              <a:t> </a:t>
             </a:r>
             <a:r>
               <a:rPr lang="zh-CN" altLang="en-US" sz="1200" b="0" i="0" kern="1200" dirty="0" smtClean="0">
@@ -7803,10 +7817,10 @@
                 <a:ea typeface="+mn-ea"/>
                 <a:cs typeface="+mn-cs"/>
               </a:rPr>
-              <a:t>的注册用户已经超过百万</a:t>
-            </a:r>
-            <a:r>
-              <a:rPr lang="en-US" altLang="zh-CN" sz="1200" b="0" i="0" u="none" strike="noStrike" kern="1200" baseline="30000" dirty="0" smtClean="0">
+              <a:t>中的分支，其实本质上仅仅是个指向 </a:t>
+            </a:r>
+            <a:r>
+              <a:rPr lang="en-US" altLang="zh-CN" sz="1200" b="0" i="0" kern="1200" dirty="0" smtClean="0">
                 <a:solidFill>
                   <a:schemeClr val="tx1"/>
                 </a:solidFill>
@@ -7814,9 +7828,8 @@
                 <a:latin typeface="+mn-lt"/>
                 <a:ea typeface="+mn-ea"/>
                 <a:cs typeface="+mn-cs"/>
-                <a:hlinkClick r:id="rId3"/>
-              </a:rPr>
-              <a:t>[1]</a:t>
+              </a:rPr>
+              <a:t>commit </a:t>
             </a:r>
             <a:r>
               <a:rPr lang="zh-CN" altLang="en-US" sz="1200" b="0" i="0" kern="1200" dirty="0" smtClean="0">
@@ -7828,7 +7841,19 @@
                 <a:ea typeface="+mn-ea"/>
                 <a:cs typeface="+mn-cs"/>
               </a:rPr>
-              <a:t>，托管的版本库数量已超三百万，其中不乏知名的开源项目，如：</a:t>
+              <a:t>对象的可变指针。</a:t>
+            </a:r>
+            <a:r>
+              <a:rPr lang="en-US" altLang="zh-CN" sz="1200" b="0" i="0" kern="1200" dirty="0" err="1" smtClean="0">
+                <a:solidFill>
+                  <a:schemeClr val="tx1"/>
+                </a:solidFill>
+                <a:effectLst/>
+                <a:latin typeface="+mn-lt"/>
+                <a:ea typeface="+mn-ea"/>
+                <a:cs typeface="+mn-cs"/>
+              </a:rPr>
+              <a:t>Git</a:t>
             </a:r>
             <a:r>
               <a:rPr lang="en-US" altLang="zh-CN" sz="1200" b="0" i="0" kern="1200" dirty="0" smtClean="0">
@@ -7840,10 +7865,10 @@
                 <a:ea typeface="+mn-ea"/>
                 <a:cs typeface="+mn-cs"/>
               </a:rPr>
-              <a:t>Ruby on Rails</a:t>
-            </a:r>
-            <a:r>
-              <a:rPr lang="en-US" altLang="zh-CN" sz="1200" b="0" i="0" u="none" strike="noStrike" kern="1200" baseline="30000" dirty="0" smtClean="0">
+              <a:t> </a:t>
+            </a:r>
+            <a:r>
+              <a:rPr lang="zh-CN" altLang="en-US" sz="1200" b="0" i="0" kern="1200" dirty="0" smtClean="0">
                 <a:solidFill>
                   <a:schemeClr val="tx1"/>
                 </a:solidFill>
@@ -7851,9 +7876,20 @@
                 <a:latin typeface="+mn-lt"/>
                 <a:ea typeface="+mn-ea"/>
                 <a:cs typeface="+mn-cs"/>
-                <a:hlinkClick r:id="rId4"/>
-              </a:rPr>
-              <a:t>[2]</a:t>
+              </a:rPr>
+              <a:t>会使用 </a:t>
+            </a:r>
+            <a:r>
+              <a:rPr lang="en-US" altLang="zh-CN" sz="1200" b="0" i="0" kern="1200" dirty="0" smtClean="0">
+                <a:solidFill>
+                  <a:schemeClr val="tx1"/>
+                </a:solidFill>
+                <a:effectLst/>
+                <a:latin typeface="+mn-lt"/>
+                <a:ea typeface="+mn-ea"/>
+                <a:cs typeface="+mn-cs"/>
+              </a:rPr>
+              <a:t>master </a:t>
             </a:r>
             <a:r>
               <a:rPr lang="zh-CN" altLang="en-US" sz="1200" b="0" i="0" kern="1200" dirty="0" smtClean="0">
@@ -7865,7 +7901,7 @@
                 <a:ea typeface="+mn-ea"/>
                 <a:cs typeface="+mn-cs"/>
               </a:rPr>
-              <a:t>、</a:t>
+              <a:t>作为分支的默认名字。在若干次提交后，你其实已经有了一个指向最后一次提交对象的 </a:t>
             </a:r>
             <a:r>
               <a:rPr lang="en-US" altLang="zh-CN" sz="1200" b="0" i="0" kern="1200" dirty="0" smtClean="0">
@@ -7877,10 +7913,10 @@
                 <a:ea typeface="+mn-ea"/>
                 <a:cs typeface="+mn-cs"/>
               </a:rPr>
-              <a:t>Hibernate</a:t>
-            </a:r>
-            <a:r>
-              <a:rPr lang="en-US" altLang="zh-CN" sz="1200" b="0" i="0" u="none" strike="noStrike" kern="1200" baseline="30000" dirty="0" smtClean="0">
+              <a:t>master </a:t>
+            </a:r>
+            <a:r>
+              <a:rPr lang="zh-CN" altLang="en-US" sz="1200" b="0" i="0" kern="1200" dirty="0" smtClean="0">
                 <a:solidFill>
                   <a:schemeClr val="tx1"/>
                 </a:solidFill>
@@ -7888,9 +7924,43 @@
                 <a:latin typeface="+mn-lt"/>
                 <a:ea typeface="+mn-ea"/>
                 <a:cs typeface="+mn-cs"/>
-                <a:hlinkClick r:id="rId5"/>
-              </a:rPr>
-              <a:t>[3]</a:t>
+              </a:rPr>
+              <a:t>分支，它在每次提交的时候都会自动向前移动。</a:t>
+            </a:r>
+            <a:endParaRPr lang="en-US" altLang="zh-CN" sz="1200" b="0" i="0" kern="1200" dirty="0" smtClean="0">
+              <a:solidFill>
+                <a:schemeClr val="tx1"/>
+              </a:solidFill>
+              <a:effectLst/>
+              <a:latin typeface="+mn-lt"/>
+              <a:ea typeface="+mn-ea"/>
+              <a:cs typeface="+mn-cs"/>
+            </a:endParaRPr>
+          </a:p>
+          <a:p>
+            <a:r>
+              <a:rPr lang="en-US" altLang="zh-CN" sz="1200" b="0" i="0" kern="1200" dirty="0" err="1" smtClean="0">
+                <a:solidFill>
+                  <a:schemeClr val="tx1"/>
+                </a:solidFill>
+                <a:effectLst/>
+                <a:latin typeface="+mn-lt"/>
+                <a:ea typeface="+mn-ea"/>
+                <a:cs typeface="+mn-cs"/>
+              </a:rPr>
+              <a:t>Git</a:t>
+            </a:r>
+            <a:r>
+              <a:rPr lang="en-US" altLang="zh-CN" sz="1200" b="0" i="0" kern="1200" dirty="0" smtClean="0">
+                <a:solidFill>
+                  <a:schemeClr val="tx1"/>
+                </a:solidFill>
+                <a:effectLst/>
+                <a:latin typeface="+mn-lt"/>
+                <a:ea typeface="+mn-ea"/>
+                <a:cs typeface="+mn-cs"/>
+              </a:rPr>
+              <a:t> </a:t>
             </a:r>
             <a:r>
               <a:rPr lang="zh-CN" altLang="en-US" sz="1200" b="0" i="0" kern="1200" dirty="0" smtClean="0">
@@ -7902,10 +7972,10 @@
                 <a:ea typeface="+mn-ea"/>
                 <a:cs typeface="+mn-cs"/>
               </a:rPr>
-              <a:t>、</a:t>
-            </a:r>
-            <a:r>
-              <a:rPr lang="en-US" altLang="zh-CN" sz="1200" b="0" i="0" kern="1200" dirty="0" err="1" smtClean="0">
+              <a:t>是如何知道你当前在哪个分支上工作的呢？其实答案也很简单，它保存着一个名为 </a:t>
+            </a:r>
+            <a:r>
+              <a:rPr lang="en-US" altLang="zh-CN" sz="1200" b="0" i="0" kern="1200" dirty="0" smtClean="0">
                 <a:solidFill>
                   <a:schemeClr val="tx1"/>
                 </a:solidFill>
@@ -7914,10 +7984,10 @@
                 <a:ea typeface="+mn-ea"/>
                 <a:cs typeface="+mn-cs"/>
               </a:rPr>
-              <a:t>phpBB</a:t>
-            </a:r>
-            <a:r>
-              <a:rPr lang="en-US" altLang="zh-CN" sz="1200" b="0" i="0" u="none" strike="noStrike" kern="1200" baseline="30000" dirty="0" smtClean="0">
+              <a:t>HEAD </a:t>
+            </a:r>
+            <a:r>
+              <a:rPr lang="zh-CN" altLang="en-US" sz="1200" b="0" i="0" kern="1200" dirty="0" smtClean="0">
                 <a:solidFill>
                   <a:schemeClr val="tx1"/>
                 </a:solidFill>
@@ -7925,402 +7995,10 @@
                 <a:latin typeface="+mn-lt"/>
                 <a:ea typeface="+mn-ea"/>
                 <a:cs typeface="+mn-cs"/>
-                <a:hlinkClick r:id="rId6"/>
-              </a:rPr>
-              <a:t>[4]</a:t>
-            </a:r>
-            <a:r>
-              <a:rPr lang="zh-CN" altLang="en-US" sz="1200" b="0" i="0" kern="1200" dirty="0" smtClean="0">
-                <a:solidFill>
-                  <a:schemeClr val="tx1"/>
-                </a:solidFill>
-                <a:effectLst/>
-                <a:latin typeface="+mn-lt"/>
-                <a:ea typeface="+mn-ea"/>
-                <a:cs typeface="+mn-cs"/>
-              </a:rPr>
-              <a:t>、</a:t>
-            </a:r>
-            <a:r>
-              <a:rPr lang="en-US" altLang="zh-CN" sz="1200" b="0" i="0" kern="1200" dirty="0" err="1" smtClean="0">
-                <a:solidFill>
-                  <a:schemeClr val="tx1"/>
-                </a:solidFill>
-                <a:effectLst/>
-                <a:latin typeface="+mn-lt"/>
-                <a:ea typeface="+mn-ea"/>
-                <a:cs typeface="+mn-cs"/>
-              </a:rPr>
-              <a:t>jQuery</a:t>
-            </a:r>
-            <a:r>
-              <a:rPr lang="en-US" altLang="zh-CN" sz="1200" b="0" i="0" u="none" strike="noStrike" kern="1200" baseline="30000" dirty="0" smtClean="0">
-                <a:solidFill>
-                  <a:schemeClr val="tx1"/>
-                </a:solidFill>
-                <a:effectLst/>
-                <a:latin typeface="+mn-lt"/>
-                <a:ea typeface="+mn-ea"/>
-                <a:cs typeface="+mn-cs"/>
-                <a:hlinkClick r:id="rId7"/>
-              </a:rPr>
-              <a:t>[5]</a:t>
-            </a:r>
-            <a:r>
-              <a:rPr lang="zh-CN" altLang="en-US" sz="1200" b="0" i="0" kern="1200" dirty="0" smtClean="0">
-                <a:solidFill>
-                  <a:schemeClr val="tx1"/>
-                </a:solidFill>
-                <a:effectLst/>
-                <a:latin typeface="+mn-lt"/>
-                <a:ea typeface="+mn-ea"/>
-                <a:cs typeface="+mn-cs"/>
-              </a:rPr>
-              <a:t>、</a:t>
-            </a:r>
-            <a:r>
-              <a:rPr lang="en-US" altLang="zh-CN" sz="1200" b="0" i="0" kern="1200" dirty="0" smtClean="0">
-                <a:solidFill>
-                  <a:schemeClr val="tx1"/>
-                </a:solidFill>
-                <a:effectLst/>
-                <a:latin typeface="+mn-lt"/>
-                <a:ea typeface="+mn-ea"/>
-                <a:cs typeface="+mn-cs"/>
-              </a:rPr>
-              <a:t>Prototype</a:t>
-            </a:r>
-            <a:r>
-              <a:rPr lang="en-US" altLang="zh-CN" sz="1200" b="0" i="0" u="none" strike="noStrike" kern="1200" baseline="30000" dirty="0" smtClean="0">
-                <a:solidFill>
-                  <a:schemeClr val="tx1"/>
-                </a:solidFill>
-                <a:effectLst/>
-                <a:latin typeface="+mn-lt"/>
-                <a:ea typeface="+mn-ea"/>
-                <a:cs typeface="+mn-cs"/>
-                <a:hlinkClick r:id="rId8"/>
-              </a:rPr>
-              <a:t>[6]</a:t>
-            </a:r>
-            <a:r>
-              <a:rPr lang="zh-CN" altLang="en-US" sz="1200" b="0" i="0" kern="1200" dirty="0" smtClean="0">
-                <a:solidFill>
-                  <a:schemeClr val="tx1"/>
-                </a:solidFill>
-                <a:effectLst/>
-                <a:latin typeface="+mn-lt"/>
-                <a:ea typeface="+mn-ea"/>
-                <a:cs typeface="+mn-cs"/>
-              </a:rPr>
-              <a:t>、</a:t>
-            </a:r>
-            <a:r>
-              <a:rPr lang="en-US" altLang="zh-CN" sz="1200" b="0" i="0" kern="1200" dirty="0" smtClean="0">
-                <a:solidFill>
-                  <a:schemeClr val="tx1"/>
-                </a:solidFill>
-                <a:effectLst/>
-                <a:latin typeface="+mn-lt"/>
-                <a:ea typeface="+mn-ea"/>
-                <a:cs typeface="+mn-cs"/>
-              </a:rPr>
-              <a:t>Homebrew</a:t>
-            </a:r>
-            <a:r>
-              <a:rPr lang="en-US" altLang="zh-CN" sz="1200" b="0" i="0" u="none" strike="noStrike" kern="1200" baseline="30000" dirty="0" smtClean="0">
-                <a:solidFill>
-                  <a:schemeClr val="tx1"/>
-                </a:solidFill>
-                <a:effectLst/>
-                <a:latin typeface="+mn-lt"/>
-                <a:ea typeface="+mn-ea"/>
-                <a:cs typeface="+mn-cs"/>
-                <a:hlinkClick r:id="rId9"/>
-              </a:rPr>
-              <a:t>[7]</a:t>
-            </a:r>
-            <a:r>
-              <a:rPr lang="zh-CN" altLang="en-US" sz="1200" b="0" i="0" kern="1200" dirty="0" smtClean="0">
-                <a:solidFill>
-                  <a:schemeClr val="tx1"/>
-                </a:solidFill>
-                <a:effectLst/>
-                <a:latin typeface="+mn-lt"/>
-                <a:ea typeface="+mn-ea"/>
-                <a:cs typeface="+mn-cs"/>
-              </a:rPr>
-              <a:t>等。</a:t>
-            </a:r>
-          </a:p>
-          <a:p>
-            <a:r>
-              <a:rPr lang="en-US" altLang="zh-CN" sz="1200" b="0" i="0" kern="1200" dirty="0" err="1" smtClean="0">
-                <a:solidFill>
-                  <a:schemeClr val="tx1"/>
-                </a:solidFill>
-                <a:effectLst/>
-                <a:latin typeface="+mn-lt"/>
-                <a:ea typeface="+mn-ea"/>
-                <a:cs typeface="+mn-cs"/>
-              </a:rPr>
-              <a:t>GitHub</a:t>
-            </a:r>
-            <a:r>
-              <a:rPr lang="zh-CN" altLang="en-US" sz="1200" b="0" i="0" kern="1200" dirty="0" smtClean="0">
-                <a:solidFill>
-                  <a:schemeClr val="tx1"/>
-                </a:solidFill>
-                <a:effectLst/>
-                <a:latin typeface="+mn-lt"/>
-                <a:ea typeface="+mn-ea"/>
-                <a:cs typeface="+mn-cs"/>
-              </a:rPr>
-              <a:t>于</a:t>
-            </a:r>
-            <a:r>
-              <a:rPr lang="en-US" altLang="zh-CN" sz="1200" b="0" i="0" kern="1200" dirty="0" smtClean="0">
-                <a:solidFill>
-                  <a:schemeClr val="tx1"/>
-                </a:solidFill>
-                <a:effectLst/>
-                <a:latin typeface="+mn-lt"/>
-                <a:ea typeface="+mn-ea"/>
-                <a:cs typeface="+mn-cs"/>
-              </a:rPr>
-              <a:t>2008</a:t>
-            </a:r>
-            <a:r>
-              <a:rPr lang="zh-CN" altLang="en-US" sz="1200" b="0" i="0" kern="1200" dirty="0" smtClean="0">
-                <a:solidFill>
-                  <a:schemeClr val="tx1"/>
-                </a:solidFill>
-                <a:effectLst/>
-                <a:latin typeface="+mn-lt"/>
-                <a:ea typeface="+mn-ea"/>
-                <a:cs typeface="+mn-cs"/>
-              </a:rPr>
-              <a:t>年</a:t>
-            </a:r>
-            <a:r>
-              <a:rPr lang="en-US" altLang="zh-CN" sz="1200" b="0" i="0" kern="1200" dirty="0" smtClean="0">
-                <a:solidFill>
-                  <a:schemeClr val="tx1"/>
-                </a:solidFill>
-                <a:effectLst/>
-                <a:latin typeface="+mn-lt"/>
-                <a:ea typeface="+mn-ea"/>
-                <a:cs typeface="+mn-cs"/>
-              </a:rPr>
-              <a:t>4</a:t>
-            </a:r>
-            <a:r>
-              <a:rPr lang="zh-CN" altLang="en-US" sz="1200" b="0" i="0" kern="1200" dirty="0" smtClean="0">
-                <a:solidFill>
-                  <a:schemeClr val="tx1"/>
-                </a:solidFill>
-                <a:effectLst/>
-                <a:latin typeface="+mn-lt"/>
-                <a:ea typeface="+mn-ea"/>
-                <a:cs typeface="+mn-cs"/>
-              </a:rPr>
-              <a:t>月</a:t>
-            </a:r>
-            <a:r>
-              <a:rPr lang="en-US" altLang="zh-CN" sz="1200" b="0" i="0" kern="1200" dirty="0" smtClean="0">
-                <a:solidFill>
-                  <a:schemeClr val="tx1"/>
-                </a:solidFill>
-                <a:effectLst/>
-                <a:latin typeface="+mn-lt"/>
-                <a:ea typeface="+mn-ea"/>
-                <a:cs typeface="+mn-cs"/>
-              </a:rPr>
-              <a:t>10</a:t>
-            </a:r>
-            <a:r>
-              <a:rPr lang="zh-CN" altLang="en-US" sz="1200" b="0" i="0" kern="1200" dirty="0" smtClean="0">
-                <a:solidFill>
-                  <a:schemeClr val="tx1"/>
-                </a:solidFill>
-                <a:effectLst/>
-                <a:latin typeface="+mn-lt"/>
-                <a:ea typeface="+mn-ea"/>
-                <a:cs typeface="+mn-cs"/>
-              </a:rPr>
-              <a:t>日正式发布</a:t>
-            </a:r>
-            <a:r>
-              <a:rPr lang="en-US" altLang="zh-CN" sz="1200" b="0" i="0" u="none" strike="noStrike" kern="1200" baseline="30000" dirty="0" smtClean="0">
-                <a:solidFill>
-                  <a:schemeClr val="tx1"/>
-                </a:solidFill>
-                <a:effectLst/>
-                <a:latin typeface="+mn-lt"/>
-                <a:ea typeface="+mn-ea"/>
-                <a:cs typeface="+mn-cs"/>
-                <a:hlinkClick r:id="rId10"/>
-              </a:rPr>
-              <a:t>[8]</a:t>
-            </a:r>
-            <a:r>
-              <a:rPr lang="zh-CN" altLang="en-US" sz="1200" b="0" i="0" kern="1200" dirty="0" smtClean="0">
-                <a:solidFill>
-                  <a:schemeClr val="tx1"/>
-                </a:solidFill>
-                <a:effectLst/>
-                <a:latin typeface="+mn-lt"/>
-                <a:ea typeface="+mn-ea"/>
-                <a:cs typeface="+mn-cs"/>
-              </a:rPr>
-              <a:t>，相比始于</a:t>
-            </a:r>
-            <a:r>
-              <a:rPr lang="en-US" altLang="zh-CN" sz="1200" b="0" i="0" kern="1200" dirty="0" smtClean="0">
-                <a:solidFill>
-                  <a:schemeClr val="tx1"/>
-                </a:solidFill>
-                <a:effectLst/>
-                <a:latin typeface="+mn-lt"/>
-                <a:ea typeface="+mn-ea"/>
-                <a:cs typeface="+mn-cs"/>
-              </a:rPr>
-              <a:t>1999</a:t>
-            </a:r>
-            <a:r>
-              <a:rPr lang="zh-CN" altLang="en-US" sz="1200" b="0" i="0" kern="1200" dirty="0" smtClean="0">
-                <a:solidFill>
-                  <a:schemeClr val="tx1"/>
-                </a:solidFill>
-                <a:effectLst/>
-                <a:latin typeface="+mn-lt"/>
-                <a:ea typeface="+mn-ea"/>
-                <a:cs typeface="+mn-cs"/>
-              </a:rPr>
-              <a:t>年的</a:t>
-            </a:r>
-            <a:r>
-              <a:rPr lang="en-US" altLang="zh-CN" sz="1200" b="0" i="0" kern="1200" dirty="0" err="1" smtClean="0">
-                <a:solidFill>
-                  <a:schemeClr val="tx1"/>
-                </a:solidFill>
-                <a:effectLst/>
-                <a:latin typeface="+mn-lt"/>
-                <a:ea typeface="+mn-ea"/>
-                <a:cs typeface="+mn-cs"/>
-              </a:rPr>
-              <a:t>SourceForge</a:t>
-            </a:r>
-            <a:r>
-              <a:rPr lang="en-US" altLang="zh-CN" sz="1200" b="0" i="0" u="none" strike="noStrike" kern="1200" baseline="30000" dirty="0" smtClean="0">
-                <a:solidFill>
-                  <a:schemeClr val="tx1"/>
-                </a:solidFill>
-                <a:effectLst/>
-                <a:latin typeface="+mn-lt"/>
-                <a:ea typeface="+mn-ea"/>
-                <a:cs typeface="+mn-cs"/>
-                <a:hlinkClick r:id="rId11"/>
-              </a:rPr>
-              <a:t>[9]</a:t>
-            </a:r>
-            <a:r>
-              <a:rPr lang="zh-CN" altLang="en-US" sz="1200" b="0" i="0" kern="1200" dirty="0" smtClean="0">
-                <a:solidFill>
-                  <a:schemeClr val="tx1"/>
-                </a:solidFill>
-                <a:effectLst/>
-                <a:latin typeface="+mn-lt"/>
-                <a:ea typeface="+mn-ea"/>
-                <a:cs typeface="+mn-cs"/>
-              </a:rPr>
-              <a:t>和</a:t>
-            </a:r>
-            <a:r>
-              <a:rPr lang="en-US" altLang="zh-CN" sz="1200" b="0" i="0" kern="1200" dirty="0" smtClean="0">
-                <a:solidFill>
-                  <a:schemeClr val="tx1"/>
-                </a:solidFill>
-                <a:effectLst/>
-                <a:latin typeface="+mn-lt"/>
-                <a:ea typeface="+mn-ea"/>
-                <a:cs typeface="+mn-cs"/>
-              </a:rPr>
-              <a:t>2005</a:t>
-            </a:r>
-            <a:r>
-              <a:rPr lang="zh-CN" altLang="en-US" sz="1200" b="0" i="0" kern="1200" dirty="0" smtClean="0">
-                <a:solidFill>
-                  <a:schemeClr val="tx1"/>
-                </a:solidFill>
-                <a:effectLst/>
-                <a:latin typeface="+mn-lt"/>
-                <a:ea typeface="+mn-ea"/>
-                <a:cs typeface="+mn-cs"/>
-              </a:rPr>
-              <a:t>年的</a:t>
-            </a:r>
-            <a:r>
-              <a:rPr lang="en-US" altLang="zh-CN" sz="1200" b="0" i="0" kern="1200" dirty="0" err="1" smtClean="0">
-                <a:solidFill>
-                  <a:schemeClr val="tx1"/>
-                </a:solidFill>
-                <a:effectLst/>
-                <a:latin typeface="+mn-lt"/>
-                <a:ea typeface="+mn-ea"/>
-                <a:cs typeface="+mn-cs"/>
-              </a:rPr>
-              <a:t>GoogleCode</a:t>
-            </a:r>
-            <a:r>
-              <a:rPr lang="en-US" altLang="zh-CN" sz="1200" b="0" i="0" u="none" strike="noStrike" kern="1200" baseline="30000" dirty="0" smtClean="0">
-                <a:solidFill>
-                  <a:schemeClr val="tx1"/>
-                </a:solidFill>
-                <a:effectLst/>
-                <a:latin typeface="+mn-lt"/>
-                <a:ea typeface="+mn-ea"/>
-                <a:cs typeface="+mn-cs"/>
-                <a:hlinkClick r:id="rId12"/>
-              </a:rPr>
-              <a:t>[10]</a:t>
-            </a:r>
-            <a:r>
-              <a:rPr lang="zh-CN" altLang="en-US" sz="1200" b="0" i="0" kern="1200" dirty="0" smtClean="0">
-                <a:solidFill>
-                  <a:schemeClr val="tx1"/>
-                </a:solidFill>
-                <a:effectLst/>
-                <a:latin typeface="+mn-lt"/>
-                <a:ea typeface="+mn-ea"/>
-                <a:cs typeface="+mn-cs"/>
-              </a:rPr>
-              <a:t>，</a:t>
-            </a:r>
-            <a:r>
-              <a:rPr lang="en-US" altLang="zh-CN" sz="1200" b="0" i="0" kern="1200" dirty="0" err="1" smtClean="0">
-                <a:solidFill>
-                  <a:schemeClr val="tx1"/>
-                </a:solidFill>
-                <a:effectLst/>
-                <a:latin typeface="+mn-lt"/>
-                <a:ea typeface="+mn-ea"/>
-                <a:cs typeface="+mn-cs"/>
-              </a:rPr>
-              <a:t>GitHub</a:t>
-            </a:r>
-            <a:r>
-              <a:rPr lang="zh-CN" altLang="en-US" sz="1200" b="0" i="0" kern="1200" dirty="0" smtClean="0">
-                <a:solidFill>
-                  <a:schemeClr val="tx1"/>
-                </a:solidFill>
-                <a:effectLst/>
-                <a:latin typeface="+mn-lt"/>
-                <a:ea typeface="+mn-ea"/>
-                <a:cs typeface="+mn-cs"/>
-              </a:rPr>
-              <a:t>后来者居上。</a:t>
-            </a:r>
+              </a:rPr>
+              <a:t>的特别指针。</a:t>
+            </a:r>
+            <a:endParaRPr lang="zh-CN" altLang="en-US" dirty="0"/>
           </a:p>
         </p:txBody>
       </p:sp>
@@ -8350,7 +8028,7 @@
     </p:spTree>
     <p:extLst>
       <p:ext uri="{BB962C8B-B14F-4D97-AF65-F5344CB8AC3E}">
-        <p14:creationId xmlns:p14="http://schemas.microsoft.com/office/powerpoint/2010/main" val="988002432"/>
+        <p14:creationId xmlns:p14="http://schemas.microsoft.com/office/powerpoint/2010/main" val="4083318415"/>
       </p:ext>
     </p:extLst>
   </p:cSld>
@@ -8414,8 +8092,10 @@
                 <a:ea typeface="+mn-ea"/>
                 <a:cs typeface="+mn-cs"/>
               </a:rPr>
-              <a:t>采用传统的集中式版本控制系统（如</a:t>
-            </a:r>
+              <a:t>现在让我们来看一个简单的分支与合并的例子，实际工作中大体也会用到这样的工作流程：</a:t>
+            </a:r>
+          </a:p>
+          <a:p>
             <a:r>
               <a:rPr lang="en-US" altLang="zh-CN" sz="1200" b="0" i="0" kern="1200" dirty="0" smtClean="0">
                 <a:solidFill>
@@ -8426,7 +8106,7 @@
                 <a:ea typeface="+mn-ea"/>
                 <a:cs typeface="+mn-cs"/>
               </a:rPr>
-              <a:t>SVN</a:t>
+              <a:t>1. </a:t>
             </a:r>
             <a:r>
               <a:rPr lang="zh-CN" altLang="en-US" sz="1200" b="0" i="0" kern="1200" dirty="0" smtClean="0">
@@ -8438,21 +8118,10 @@
                 <a:ea typeface="+mn-ea"/>
                 <a:cs typeface="+mn-cs"/>
               </a:rPr>
-              <a:t>）的开源项目，这两个群体的用户体验都不是太好。如图所示，项目的贡献者（非核心成员）很不“高兴”，因为他们即便有修改源代码的能力和渴望，也不能直接向版本库提交，要想成为提交者需要一个很长的建立信任的过程。然而即便是核心开发团队的成员，体验也不是太好，因为凡是涉及到版本库的操作（检入、检出、查看日志等）都需要在联网的状态下进行，网络带宽对用户体验影响相当大。</a:t>
-            </a:r>
-            <a:endParaRPr lang="en-US" altLang="zh-CN" sz="1200" b="0" i="0" kern="1200" dirty="0" smtClean="0">
-              <a:solidFill>
-                <a:schemeClr val="tx1"/>
-              </a:solidFill>
-              <a:effectLst/>
-              <a:latin typeface="+mn-lt"/>
-              <a:ea typeface="+mn-ea"/>
-              <a:cs typeface="+mn-cs"/>
-            </a:endParaRPr>
-          </a:p>
-          <a:p>
-            <a:r>
-              <a:rPr lang="en-US" altLang="zh-CN" sz="1200" b="0" i="0" kern="1200" dirty="0" err="1" smtClean="0">
+              <a:t>开发某个网站。 </a:t>
+            </a:r>
+            <a:r>
+              <a:rPr lang="en-US" altLang="zh-CN" sz="1200" b="0" i="0" kern="1200" dirty="0" smtClean="0">
                 <a:solidFill>
                   <a:schemeClr val="tx1"/>
                 </a:solidFill>
@@ -8461,7 +8130,7 @@
                 <a:ea typeface="+mn-ea"/>
                 <a:cs typeface="+mn-cs"/>
               </a:rPr>
-              <a:t>Git</a:t>
+              <a:t>2. </a:t>
             </a:r>
             <a:r>
               <a:rPr lang="zh-CN" altLang="en-US" sz="1200" b="0" i="0" kern="1200" dirty="0" smtClean="0">
@@ -8473,10 +8142,10 @@
                 <a:ea typeface="+mn-ea"/>
                 <a:cs typeface="+mn-cs"/>
               </a:rPr>
-              <a:t>等分布式版本控制系统的出现，彻底颠覆了原有代码管理的组织模式。使用</a:t>
-            </a:r>
-            <a:r>
-              <a:rPr lang="en-US" altLang="zh-CN" sz="1200" b="0" i="0" kern="1200" dirty="0" err="1" smtClean="0">
+              <a:t>为实现某个新的需求，创建一个分支。 </a:t>
+            </a:r>
+            <a:r>
+              <a:rPr lang="en-US" altLang="zh-CN" sz="1200" b="0" i="0" kern="1200" dirty="0" smtClean="0">
                 <a:solidFill>
                   <a:schemeClr val="tx1"/>
                 </a:solidFill>
@@ -8485,7 +8154,7 @@
                 <a:ea typeface="+mn-ea"/>
                 <a:cs typeface="+mn-cs"/>
               </a:rPr>
-              <a:t>Git</a:t>
+              <a:t>3. </a:t>
             </a:r>
             <a:r>
               <a:rPr lang="zh-CN" altLang="en-US" sz="1200" b="0" i="0" kern="1200" dirty="0" smtClean="0">
@@ -8497,10 +8166,12 @@
                 <a:ea typeface="+mn-ea"/>
                 <a:cs typeface="+mn-cs"/>
               </a:rPr>
-              <a:t>，不再依赖唯一的、集中式的版本库，而是每个开发者本地都拥有一份完整的版本库。</a:t>
-            </a:r>
-            <a:r>
-              <a:rPr lang="en-US" altLang="zh-CN" sz="1200" b="0" i="0" kern="1200" dirty="0" err="1" smtClean="0">
+              <a:t>在这个分支上开展工作。</a:t>
+            </a:r>
+          </a:p>
+          <a:p>
+            <a:r>
+              <a:rPr lang="zh-CN" altLang="en-US" sz="1200" b="0" i="0" kern="1200" dirty="0" smtClean="0">
                 <a:solidFill>
                   <a:schemeClr val="tx1"/>
                 </a:solidFill>
@@ -8509,7 +8180,21 @@
                 <a:ea typeface="+mn-ea"/>
                 <a:cs typeface="+mn-cs"/>
               </a:rPr>
-              <a:t>Git</a:t>
+              <a:t>假设此时，你突然接到一个电话说有个很严重的问题需要紧急修补，那么可以按照下面的方式处理：</a:t>
+            </a:r>
+          </a:p>
+          <a:p>
+            <a:r>
+              <a:rPr lang="en-US" altLang="zh-CN" sz="1200" b="0" i="0" kern="1200" dirty="0" smtClean="0">
+                <a:solidFill>
+                  <a:schemeClr val="tx1"/>
+                </a:solidFill>
+                <a:effectLst/>
+                <a:latin typeface="+mn-lt"/>
+                <a:ea typeface="+mn-ea"/>
+                <a:cs typeface="+mn-cs"/>
+              </a:rPr>
+              <a:t>1. </a:t>
             </a:r>
             <a:r>
               <a:rPr lang="zh-CN" altLang="en-US" sz="1200" b="0" i="0" kern="1200" dirty="0" smtClean="0">
@@ -8521,19 +8206,20 @@
                 <a:ea typeface="+mn-ea"/>
                 <a:cs typeface="+mn-cs"/>
               </a:rPr>
-              <a:t>并不排斥集中式的使用模式，但更倾向于将集中式版本库称为共享版本库。核心开发团队的成员和贡献者（非核心成员）都可以从共享版本库克隆一份本地版本库，但只有核心团队成员才可以将自己本地版本库的提交推送到共享版本库上。</a:t>
-            </a:r>
-            <a:endParaRPr lang="en-US" altLang="zh-CN" sz="1200" b="0" i="0" kern="1200" dirty="0" smtClean="0">
-              <a:solidFill>
-                <a:schemeClr val="tx1"/>
-              </a:solidFill>
-              <a:effectLst/>
-              <a:latin typeface="+mn-lt"/>
-              <a:ea typeface="+mn-ea"/>
-              <a:cs typeface="+mn-cs"/>
-            </a:endParaRPr>
-          </a:p>
-          <a:p>
+              <a:t>返回到原先已经发布到生产服务器上的分支。 </a:t>
+            </a:r>
+            <a:r>
+              <a:rPr lang="en-US" altLang="zh-CN" sz="1200" b="0" i="0" kern="1200" dirty="0" smtClean="0">
+                <a:solidFill>
+                  <a:schemeClr val="tx1"/>
+                </a:solidFill>
+                <a:effectLst/>
+                <a:latin typeface="+mn-lt"/>
+                <a:ea typeface="+mn-ea"/>
+                <a:cs typeface="+mn-cs"/>
+              </a:rPr>
+              <a:t>2. </a:t>
+            </a:r>
             <a:r>
               <a:rPr lang="zh-CN" altLang="en-US" sz="1200" b="0" i="0" kern="1200" dirty="0" smtClean="0">
                 <a:solidFill>
@@ -8544,10 +8230,10 @@
                 <a:ea typeface="+mn-ea"/>
                 <a:cs typeface="+mn-cs"/>
               </a:rPr>
-              <a:t>使用</a:t>
-            </a:r>
-            <a:r>
-              <a:rPr lang="en-US" altLang="zh-CN" sz="1200" b="0" i="0" kern="1200" dirty="0" err="1" smtClean="0">
+              <a:t>为这次紧急修补建立一个新分支，并在其中修复问题。 </a:t>
+            </a:r>
+            <a:r>
+              <a:rPr lang="en-US" altLang="zh-CN" sz="1200" b="0" i="0" kern="1200" dirty="0" smtClean="0">
                 <a:solidFill>
                   <a:schemeClr val="tx1"/>
                 </a:solidFill>
@@ -8556,7 +8242,7 @@
                 <a:ea typeface="+mn-ea"/>
                 <a:cs typeface="+mn-cs"/>
               </a:rPr>
-              <a:t>Git</a:t>
+              <a:t>3. </a:t>
             </a:r>
             <a:r>
               <a:rPr lang="zh-CN" altLang="en-US" sz="1200" b="0" i="0" kern="1200" dirty="0" smtClean="0">
@@ -8568,7 +8254,7 @@
                 <a:ea typeface="+mn-ea"/>
                 <a:cs typeface="+mn-cs"/>
               </a:rPr>
-              <a:t>做版本控制（如图</a:t>
+              <a:t>通过测试后，回到生产服务器所在的分支，将修补分支合并进来，然后再推送到生产服务器上。 </a:t>
             </a:r>
             <a:r>
               <a:rPr lang="en-US" altLang="zh-CN" sz="1200" b="0" i="0" kern="1200" dirty="0" smtClean="0">
@@ -8580,7 +8266,7 @@
                 <a:ea typeface="+mn-ea"/>
                 <a:cs typeface="+mn-cs"/>
               </a:rPr>
-              <a:t>1-3</a:t>
+              <a:t>4. </a:t>
             </a:r>
             <a:r>
               <a:rPr lang="zh-CN" altLang="en-US" sz="1200" b="0" i="0" kern="1200" dirty="0" smtClean="0">
@@ -8592,159 +8278,10 @@
                 <a:ea typeface="+mn-ea"/>
                 <a:cs typeface="+mn-cs"/>
               </a:rPr>
-              <a:t>所示），核心开发团队非常“高兴”，因为他们和共享版本库之间不必一直保持连接状态，诸如查看日志、提交、创建分支等几乎全部操作都（脱离网络）在本地的版本库中完成。项目贡献者（非核心成员）也不再那么沮丧，因为版本库人人皆可更改（当然是对本地版本库而言）。稍微让贡献者感到困难的就是如何将自己对项目的改进被核心开发团队所了解并接纳。</a:t>
-            </a:r>
-            <a:r>
-              <a:rPr lang="en-US" altLang="zh-CN" sz="1200" b="0" i="0" kern="1200" dirty="0" err="1" smtClean="0">
-                <a:solidFill>
-                  <a:schemeClr val="tx1"/>
-                </a:solidFill>
-                <a:effectLst/>
-                <a:latin typeface="+mn-lt"/>
-                <a:ea typeface="+mn-ea"/>
-                <a:cs typeface="+mn-cs"/>
-              </a:rPr>
-              <a:t>Git</a:t>
-            </a:r>
-            <a:r>
-              <a:rPr lang="zh-CN" altLang="en-US" sz="1200" b="0" i="0" kern="1200" dirty="0" smtClean="0">
-                <a:solidFill>
-                  <a:schemeClr val="tx1"/>
-                </a:solidFill>
-                <a:effectLst/>
-                <a:latin typeface="+mn-lt"/>
-                <a:ea typeface="+mn-ea"/>
-                <a:cs typeface="+mn-cs"/>
-              </a:rPr>
-              <a:t>提供了多种途径，一个方法是先用</a:t>
-            </a:r>
-            <a:r>
-              <a:rPr lang="en-US" altLang="zh-CN" dirty="0" err="1" smtClean="0"/>
-              <a:t>git</a:t>
-            </a:r>
-            <a:r>
-              <a:rPr lang="en-US" altLang="zh-CN" dirty="0" smtClean="0"/>
-              <a:t> format-patch</a:t>
-            </a:r>
-            <a:r>
-              <a:rPr lang="zh-CN" altLang="en-US" sz="1200" b="0" i="0" kern="1200" dirty="0" smtClean="0">
-                <a:solidFill>
-                  <a:schemeClr val="tx1"/>
-                </a:solidFill>
-                <a:effectLst/>
-                <a:latin typeface="+mn-lt"/>
-                <a:ea typeface="+mn-ea"/>
-                <a:cs typeface="+mn-cs"/>
-              </a:rPr>
-              <a:t>命令将本地提交转换为补丁文件或补丁文件序列，再通过邮件发送给核心开发团队。另外一个办法就是搭建一个自己专有的共享版本库，通过邮件创建一个拉拽请求（</a:t>
-            </a:r>
-            <a:r>
-              <a:rPr lang="en-US" altLang="zh-CN" sz="1200" b="0" i="0" kern="1200" dirty="0" smtClean="0">
-                <a:solidFill>
-                  <a:schemeClr val="tx1"/>
-                </a:solidFill>
-                <a:effectLst/>
-                <a:latin typeface="+mn-lt"/>
-                <a:ea typeface="+mn-ea"/>
-                <a:cs typeface="+mn-cs"/>
-              </a:rPr>
-              <a:t>Pull Request</a:t>
-            </a:r>
-            <a:r>
-              <a:rPr lang="zh-CN" altLang="en-US" sz="1200" b="0" i="0" kern="1200" dirty="0" smtClean="0">
-                <a:solidFill>
-                  <a:schemeClr val="tx1"/>
-                </a:solidFill>
-                <a:effectLst/>
-                <a:latin typeface="+mn-lt"/>
-                <a:ea typeface="+mn-ea"/>
-                <a:cs typeface="+mn-cs"/>
-              </a:rPr>
-              <a:t>），让核心团队的开发者到自己的版本库来抓取（</a:t>
-            </a:r>
-            <a:r>
-              <a:rPr lang="en-US" altLang="zh-CN" sz="1200" b="0" i="0" kern="1200" dirty="0" smtClean="0">
-                <a:solidFill>
-                  <a:schemeClr val="tx1"/>
-                </a:solidFill>
-                <a:effectLst/>
-                <a:latin typeface="+mn-lt"/>
-                <a:ea typeface="+mn-ea"/>
-                <a:cs typeface="+mn-cs"/>
-              </a:rPr>
-              <a:t>Pull</a:t>
-            </a:r>
-            <a:r>
-              <a:rPr lang="zh-CN" altLang="en-US" sz="1200" b="0" i="0" kern="1200" dirty="0" smtClean="0">
-                <a:solidFill>
-                  <a:schemeClr val="tx1"/>
-                </a:solidFill>
-                <a:effectLst/>
-                <a:latin typeface="+mn-lt"/>
-                <a:ea typeface="+mn-ea"/>
-                <a:cs typeface="+mn-cs"/>
-              </a:rPr>
-              <a:t>）。</a:t>
-            </a:r>
-            <a:endParaRPr lang="en-US" altLang="zh-CN" sz="1200" b="0" i="0" kern="1200" dirty="0" smtClean="0">
-              <a:solidFill>
-                <a:schemeClr val="tx1"/>
-              </a:solidFill>
-              <a:effectLst/>
-              <a:latin typeface="+mn-lt"/>
-              <a:ea typeface="+mn-ea"/>
-              <a:cs typeface="+mn-cs"/>
-            </a:endParaRPr>
-          </a:p>
-          <a:p>
-            <a:r>
-              <a:rPr lang="en-US" altLang="zh-CN" sz="1200" b="0" i="0" kern="1200" dirty="0" err="1" smtClean="0">
-                <a:solidFill>
-                  <a:schemeClr val="tx1"/>
-                </a:solidFill>
-                <a:effectLst/>
-                <a:latin typeface="+mn-lt"/>
-                <a:ea typeface="+mn-ea"/>
-                <a:cs typeface="+mn-cs"/>
-              </a:rPr>
-              <a:t>GitHub</a:t>
-            </a:r>
-            <a:r>
-              <a:rPr lang="zh-CN" altLang="en-US" sz="1200" b="0" i="0" kern="1200" dirty="0" smtClean="0">
-                <a:solidFill>
-                  <a:schemeClr val="tx1"/>
-                </a:solidFill>
-                <a:effectLst/>
-                <a:latin typeface="+mn-lt"/>
-                <a:ea typeface="+mn-ea"/>
-                <a:cs typeface="+mn-cs"/>
-              </a:rPr>
-              <a:t>的出现进一步推动了</a:t>
-            </a:r>
-            <a:r>
-              <a:rPr lang="en-US" altLang="zh-CN" sz="1200" b="0" i="0" kern="1200" dirty="0" err="1" smtClean="0">
-                <a:solidFill>
-                  <a:schemeClr val="tx1"/>
-                </a:solidFill>
-                <a:effectLst/>
-                <a:latin typeface="+mn-lt"/>
-                <a:ea typeface="+mn-ea"/>
-                <a:cs typeface="+mn-cs"/>
-              </a:rPr>
-              <a:t>Git</a:t>
-            </a:r>
-            <a:r>
-              <a:rPr lang="zh-CN" altLang="en-US" sz="1200" b="0" i="0" kern="1200" dirty="0" smtClean="0">
-                <a:solidFill>
-                  <a:schemeClr val="tx1"/>
-                </a:solidFill>
-                <a:effectLst/>
-                <a:latin typeface="+mn-lt"/>
-                <a:ea typeface="+mn-ea"/>
-                <a:cs typeface="+mn-cs"/>
-              </a:rPr>
-              <a:t>的普及，简化了版本控制的管理和操作流程，为开发者提供了更好的交流平台。</a:t>
-            </a:r>
+              <a:t>切换到之前实现新需求的分支，继续工作。</a:t>
+            </a:r>
+          </a:p>
+          <a:p>
             <a:endParaRPr lang="zh-CN" altLang="en-US" dirty="0"/>
           </a:p>
         </p:txBody>
@@ -8767,6 +8304,1054 @@
             <a:fld id="{AD50BD58-7766-4D29-BB41-D4998DCBDFAE}" type="slidenum">
               <a:rPr lang="zh-CN" altLang="en-US" smtClean="0"/>
               <a:t>9</a:t>
+            </a:fld>
+            <a:endParaRPr lang="zh-CN" altLang="en-US"/>
+          </a:p>
+        </p:txBody>
+      </p:sp>
+    </p:spTree>
+    <p:extLst>
+      <p:ext uri="{BB962C8B-B14F-4D97-AF65-F5344CB8AC3E}">
+        <p14:creationId xmlns:p14="http://schemas.microsoft.com/office/powerpoint/2010/main" val="3914651300"/>
+      </p:ext>
+    </p:extLst>
+  </p:cSld>
+  <p:clrMapOvr>
+    <a:masterClrMapping/>
+  </p:clrMapOvr>
+</p:notes>
+</file>
+
+<file path=ppt/notesSlides/notesSlide8.xml><?xml version="1.0" encoding="utf-8"?>
+<p:notes xmlns:a="http://schemas.openxmlformats.org/drawingml/2006/main" xmlns:r="http://schemas.openxmlformats.org/officeDocument/2006/relationships" xmlns:p="http://schemas.openxmlformats.org/presentationml/2006/main">
+  <p:cSld>
+    <p:spTree>
+      <p:nvGrpSpPr>
+        <p:cNvPr id="1" name=""/>
+        <p:cNvGrpSpPr/>
+        <p:nvPr/>
+      </p:nvGrpSpPr>
+      <p:grpSpPr>
+        <a:xfrm>
+          <a:off x="0" y="0"/>
+          <a:ext cx="0" cy="0"/>
+          <a:chOff x="0" y="0"/>
+          <a:chExt cx="0" cy="0"/>
+        </a:xfrm>
+      </p:grpSpPr>
+      <p:sp>
+        <p:nvSpPr>
+          <p:cNvPr id="2" name="幻灯片图像占位符 1"/>
+          <p:cNvSpPr>
+            <a:spLocks noGrp="1" noRot="1" noChangeAspect="1"/>
+          </p:cNvSpPr>
+          <p:nvPr>
+            <p:ph type="sldImg"/>
+          </p:nvPr>
+        </p:nvSpPr>
+        <p:spPr/>
+      </p:sp>
+      <p:sp>
+        <p:nvSpPr>
+          <p:cNvPr id="3" name="备注占位符 2"/>
+          <p:cNvSpPr>
+            <a:spLocks noGrp="1"/>
+          </p:cNvSpPr>
+          <p:nvPr>
+            <p:ph type="body" idx="1"/>
+          </p:nvPr>
+        </p:nvSpPr>
+        <p:spPr/>
+        <p:txBody>
+          <a:bodyPr/>
+          <a:lstStyle/>
+          <a:p>
+            <a:r>
+              <a:rPr lang="en-US" altLang="zh-CN" sz="1200" b="0" i="0" kern="1200" dirty="0" err="1" smtClean="0">
+                <a:solidFill>
+                  <a:schemeClr val="tx1"/>
+                </a:solidFill>
+                <a:effectLst/>
+                <a:latin typeface="+mn-lt"/>
+                <a:ea typeface="+mn-ea"/>
+                <a:cs typeface="+mn-cs"/>
+              </a:rPr>
+              <a:t>GitHub</a:t>
+            </a:r>
+            <a:r>
+              <a:rPr lang="zh-CN" altLang="en-US" sz="1200" b="0" i="0" kern="1200" dirty="0" smtClean="0">
+                <a:solidFill>
+                  <a:schemeClr val="tx1"/>
+                </a:solidFill>
+                <a:effectLst/>
+                <a:latin typeface="+mn-lt"/>
+                <a:ea typeface="+mn-ea"/>
+                <a:cs typeface="+mn-cs"/>
+              </a:rPr>
+              <a:t>的注册用户已经超过百万</a:t>
+            </a:r>
+            <a:r>
+              <a:rPr lang="en-US" altLang="zh-CN" sz="1200" b="0" i="0" u="none" strike="noStrike" kern="1200" baseline="30000" dirty="0" smtClean="0">
+                <a:solidFill>
+                  <a:schemeClr val="tx1"/>
+                </a:solidFill>
+                <a:effectLst/>
+                <a:latin typeface="+mn-lt"/>
+                <a:ea typeface="+mn-ea"/>
+                <a:cs typeface="+mn-cs"/>
+                <a:hlinkClick r:id="rId3"/>
+              </a:rPr>
+              <a:t>[1]</a:t>
+            </a:r>
+            <a:r>
+              <a:rPr lang="zh-CN" altLang="en-US" sz="1200" b="0" i="0" kern="1200" dirty="0" smtClean="0">
+                <a:solidFill>
+                  <a:schemeClr val="tx1"/>
+                </a:solidFill>
+                <a:effectLst/>
+                <a:latin typeface="+mn-lt"/>
+                <a:ea typeface="+mn-ea"/>
+                <a:cs typeface="+mn-cs"/>
+              </a:rPr>
+              <a:t>，托管的版本库数量已超三百万，其中不乏知名的开源项目，如：</a:t>
+            </a:r>
+            <a:r>
+              <a:rPr lang="en-US" altLang="zh-CN" sz="1200" b="0" i="0" kern="1200" dirty="0" smtClean="0">
+                <a:solidFill>
+                  <a:schemeClr val="tx1"/>
+                </a:solidFill>
+                <a:effectLst/>
+                <a:latin typeface="+mn-lt"/>
+                <a:ea typeface="+mn-ea"/>
+                <a:cs typeface="+mn-cs"/>
+              </a:rPr>
+              <a:t>Ruby on Rails</a:t>
+            </a:r>
+            <a:r>
+              <a:rPr lang="en-US" altLang="zh-CN" sz="1200" b="0" i="0" u="none" strike="noStrike" kern="1200" baseline="30000" dirty="0" smtClean="0">
+                <a:solidFill>
+                  <a:schemeClr val="tx1"/>
+                </a:solidFill>
+                <a:effectLst/>
+                <a:latin typeface="+mn-lt"/>
+                <a:ea typeface="+mn-ea"/>
+                <a:cs typeface="+mn-cs"/>
+                <a:hlinkClick r:id="rId4"/>
+              </a:rPr>
+              <a:t>[2]</a:t>
+            </a:r>
+            <a:r>
+              <a:rPr lang="zh-CN" altLang="en-US" sz="1200" b="0" i="0" kern="1200" dirty="0" smtClean="0">
+                <a:solidFill>
+                  <a:schemeClr val="tx1"/>
+                </a:solidFill>
+                <a:effectLst/>
+                <a:latin typeface="+mn-lt"/>
+                <a:ea typeface="+mn-ea"/>
+                <a:cs typeface="+mn-cs"/>
+              </a:rPr>
+              <a:t>、</a:t>
+            </a:r>
+            <a:r>
+              <a:rPr lang="en-US" altLang="zh-CN" sz="1200" b="0" i="0" kern="1200" dirty="0" smtClean="0">
+                <a:solidFill>
+                  <a:schemeClr val="tx1"/>
+                </a:solidFill>
+                <a:effectLst/>
+                <a:latin typeface="+mn-lt"/>
+                <a:ea typeface="+mn-ea"/>
+                <a:cs typeface="+mn-cs"/>
+              </a:rPr>
+              <a:t>Hibernate</a:t>
+            </a:r>
+            <a:r>
+              <a:rPr lang="en-US" altLang="zh-CN" sz="1200" b="0" i="0" u="none" strike="noStrike" kern="1200" baseline="30000" dirty="0" smtClean="0">
+                <a:solidFill>
+                  <a:schemeClr val="tx1"/>
+                </a:solidFill>
+                <a:effectLst/>
+                <a:latin typeface="+mn-lt"/>
+                <a:ea typeface="+mn-ea"/>
+                <a:cs typeface="+mn-cs"/>
+                <a:hlinkClick r:id="rId5"/>
+              </a:rPr>
+              <a:t>[3]</a:t>
+            </a:r>
+            <a:r>
+              <a:rPr lang="zh-CN" altLang="en-US" sz="1200" b="0" i="0" kern="1200" dirty="0" smtClean="0">
+                <a:solidFill>
+                  <a:schemeClr val="tx1"/>
+                </a:solidFill>
+                <a:effectLst/>
+                <a:latin typeface="+mn-lt"/>
+                <a:ea typeface="+mn-ea"/>
+                <a:cs typeface="+mn-cs"/>
+              </a:rPr>
+              <a:t>、</a:t>
+            </a:r>
+            <a:r>
+              <a:rPr lang="en-US" altLang="zh-CN" sz="1200" b="0" i="0" kern="1200" dirty="0" err="1" smtClean="0">
+                <a:solidFill>
+                  <a:schemeClr val="tx1"/>
+                </a:solidFill>
+                <a:effectLst/>
+                <a:latin typeface="+mn-lt"/>
+                <a:ea typeface="+mn-ea"/>
+                <a:cs typeface="+mn-cs"/>
+              </a:rPr>
+              <a:t>phpBB</a:t>
+            </a:r>
+            <a:r>
+              <a:rPr lang="en-US" altLang="zh-CN" sz="1200" b="0" i="0" u="none" strike="noStrike" kern="1200" baseline="30000" dirty="0" smtClean="0">
+                <a:solidFill>
+                  <a:schemeClr val="tx1"/>
+                </a:solidFill>
+                <a:effectLst/>
+                <a:latin typeface="+mn-lt"/>
+                <a:ea typeface="+mn-ea"/>
+                <a:cs typeface="+mn-cs"/>
+                <a:hlinkClick r:id="rId6"/>
+              </a:rPr>
+              <a:t>[4]</a:t>
+            </a:r>
+            <a:r>
+              <a:rPr lang="zh-CN" altLang="en-US" sz="1200" b="0" i="0" kern="1200" dirty="0" smtClean="0">
+                <a:solidFill>
+                  <a:schemeClr val="tx1"/>
+                </a:solidFill>
+                <a:effectLst/>
+                <a:latin typeface="+mn-lt"/>
+                <a:ea typeface="+mn-ea"/>
+                <a:cs typeface="+mn-cs"/>
+              </a:rPr>
+              <a:t>、</a:t>
+            </a:r>
+            <a:r>
+              <a:rPr lang="en-US" altLang="zh-CN" sz="1200" b="0" i="0" kern="1200" dirty="0" err="1" smtClean="0">
+                <a:solidFill>
+                  <a:schemeClr val="tx1"/>
+                </a:solidFill>
+                <a:effectLst/>
+                <a:latin typeface="+mn-lt"/>
+                <a:ea typeface="+mn-ea"/>
+                <a:cs typeface="+mn-cs"/>
+              </a:rPr>
+              <a:t>jQuery</a:t>
+            </a:r>
+            <a:r>
+              <a:rPr lang="en-US" altLang="zh-CN" sz="1200" b="0" i="0" u="none" strike="noStrike" kern="1200" baseline="30000" dirty="0" smtClean="0">
+                <a:solidFill>
+                  <a:schemeClr val="tx1"/>
+                </a:solidFill>
+                <a:effectLst/>
+                <a:latin typeface="+mn-lt"/>
+                <a:ea typeface="+mn-ea"/>
+                <a:cs typeface="+mn-cs"/>
+                <a:hlinkClick r:id="rId7"/>
+              </a:rPr>
+              <a:t>[5]</a:t>
+            </a:r>
+            <a:r>
+              <a:rPr lang="zh-CN" altLang="en-US" sz="1200" b="0" i="0" kern="1200" dirty="0" smtClean="0">
+                <a:solidFill>
+                  <a:schemeClr val="tx1"/>
+                </a:solidFill>
+                <a:effectLst/>
+                <a:latin typeface="+mn-lt"/>
+                <a:ea typeface="+mn-ea"/>
+                <a:cs typeface="+mn-cs"/>
+              </a:rPr>
+              <a:t>、</a:t>
+            </a:r>
+            <a:r>
+              <a:rPr lang="en-US" altLang="zh-CN" sz="1200" b="0" i="0" kern="1200" dirty="0" smtClean="0">
+                <a:solidFill>
+                  <a:schemeClr val="tx1"/>
+                </a:solidFill>
+                <a:effectLst/>
+                <a:latin typeface="+mn-lt"/>
+                <a:ea typeface="+mn-ea"/>
+                <a:cs typeface="+mn-cs"/>
+              </a:rPr>
+              <a:t>Prototype</a:t>
+            </a:r>
+            <a:r>
+              <a:rPr lang="en-US" altLang="zh-CN" sz="1200" b="0" i="0" u="none" strike="noStrike" kern="1200" baseline="30000" dirty="0" smtClean="0">
+                <a:solidFill>
+                  <a:schemeClr val="tx1"/>
+                </a:solidFill>
+                <a:effectLst/>
+                <a:latin typeface="+mn-lt"/>
+                <a:ea typeface="+mn-ea"/>
+                <a:cs typeface="+mn-cs"/>
+                <a:hlinkClick r:id="rId8"/>
+              </a:rPr>
+              <a:t>[6]</a:t>
+            </a:r>
+            <a:r>
+              <a:rPr lang="zh-CN" altLang="en-US" sz="1200" b="0" i="0" kern="1200" dirty="0" smtClean="0">
+                <a:solidFill>
+                  <a:schemeClr val="tx1"/>
+                </a:solidFill>
+                <a:effectLst/>
+                <a:latin typeface="+mn-lt"/>
+                <a:ea typeface="+mn-ea"/>
+                <a:cs typeface="+mn-cs"/>
+              </a:rPr>
+              <a:t>、</a:t>
+            </a:r>
+            <a:r>
+              <a:rPr lang="en-US" altLang="zh-CN" sz="1200" b="0" i="0" kern="1200" dirty="0" smtClean="0">
+                <a:solidFill>
+                  <a:schemeClr val="tx1"/>
+                </a:solidFill>
+                <a:effectLst/>
+                <a:latin typeface="+mn-lt"/>
+                <a:ea typeface="+mn-ea"/>
+                <a:cs typeface="+mn-cs"/>
+              </a:rPr>
+              <a:t>Homebrew</a:t>
+            </a:r>
+            <a:r>
+              <a:rPr lang="en-US" altLang="zh-CN" sz="1200" b="0" i="0" u="none" strike="noStrike" kern="1200" baseline="30000" dirty="0" smtClean="0">
+                <a:solidFill>
+                  <a:schemeClr val="tx1"/>
+                </a:solidFill>
+                <a:effectLst/>
+                <a:latin typeface="+mn-lt"/>
+                <a:ea typeface="+mn-ea"/>
+                <a:cs typeface="+mn-cs"/>
+                <a:hlinkClick r:id="rId9"/>
+              </a:rPr>
+              <a:t>[7]</a:t>
+            </a:r>
+            <a:r>
+              <a:rPr lang="zh-CN" altLang="en-US" sz="1200" b="0" i="0" kern="1200" dirty="0" smtClean="0">
+                <a:solidFill>
+                  <a:schemeClr val="tx1"/>
+                </a:solidFill>
+                <a:effectLst/>
+                <a:latin typeface="+mn-lt"/>
+                <a:ea typeface="+mn-ea"/>
+                <a:cs typeface="+mn-cs"/>
+              </a:rPr>
+              <a:t>等。</a:t>
+            </a:r>
+          </a:p>
+          <a:p>
+            <a:r>
+              <a:rPr lang="en-US" altLang="zh-CN" sz="1200" b="0" i="0" kern="1200" dirty="0" err="1" smtClean="0">
+                <a:solidFill>
+                  <a:schemeClr val="tx1"/>
+                </a:solidFill>
+                <a:effectLst/>
+                <a:latin typeface="+mn-lt"/>
+                <a:ea typeface="+mn-ea"/>
+                <a:cs typeface="+mn-cs"/>
+              </a:rPr>
+              <a:t>GitHub</a:t>
+            </a:r>
+            <a:r>
+              <a:rPr lang="zh-CN" altLang="en-US" sz="1200" b="0" i="0" kern="1200" dirty="0" smtClean="0">
+                <a:solidFill>
+                  <a:schemeClr val="tx1"/>
+                </a:solidFill>
+                <a:effectLst/>
+                <a:latin typeface="+mn-lt"/>
+                <a:ea typeface="+mn-ea"/>
+                <a:cs typeface="+mn-cs"/>
+              </a:rPr>
+              <a:t>于</a:t>
+            </a:r>
+            <a:r>
+              <a:rPr lang="en-US" altLang="zh-CN" sz="1200" b="0" i="0" kern="1200" dirty="0" smtClean="0">
+                <a:solidFill>
+                  <a:schemeClr val="tx1"/>
+                </a:solidFill>
+                <a:effectLst/>
+                <a:latin typeface="+mn-lt"/>
+                <a:ea typeface="+mn-ea"/>
+                <a:cs typeface="+mn-cs"/>
+              </a:rPr>
+              <a:t>2008</a:t>
+            </a:r>
+            <a:r>
+              <a:rPr lang="zh-CN" altLang="en-US" sz="1200" b="0" i="0" kern="1200" dirty="0" smtClean="0">
+                <a:solidFill>
+                  <a:schemeClr val="tx1"/>
+                </a:solidFill>
+                <a:effectLst/>
+                <a:latin typeface="+mn-lt"/>
+                <a:ea typeface="+mn-ea"/>
+                <a:cs typeface="+mn-cs"/>
+              </a:rPr>
+              <a:t>年</a:t>
+            </a:r>
+            <a:r>
+              <a:rPr lang="en-US" altLang="zh-CN" sz="1200" b="0" i="0" kern="1200" dirty="0" smtClean="0">
+                <a:solidFill>
+                  <a:schemeClr val="tx1"/>
+                </a:solidFill>
+                <a:effectLst/>
+                <a:latin typeface="+mn-lt"/>
+                <a:ea typeface="+mn-ea"/>
+                <a:cs typeface="+mn-cs"/>
+              </a:rPr>
+              <a:t>4</a:t>
+            </a:r>
+            <a:r>
+              <a:rPr lang="zh-CN" altLang="en-US" sz="1200" b="0" i="0" kern="1200" dirty="0" smtClean="0">
+                <a:solidFill>
+                  <a:schemeClr val="tx1"/>
+                </a:solidFill>
+                <a:effectLst/>
+                <a:latin typeface="+mn-lt"/>
+                <a:ea typeface="+mn-ea"/>
+                <a:cs typeface="+mn-cs"/>
+              </a:rPr>
+              <a:t>月</a:t>
+            </a:r>
+            <a:r>
+              <a:rPr lang="en-US" altLang="zh-CN" sz="1200" b="0" i="0" kern="1200" dirty="0" smtClean="0">
+                <a:solidFill>
+                  <a:schemeClr val="tx1"/>
+                </a:solidFill>
+                <a:effectLst/>
+                <a:latin typeface="+mn-lt"/>
+                <a:ea typeface="+mn-ea"/>
+                <a:cs typeface="+mn-cs"/>
+              </a:rPr>
+              <a:t>10</a:t>
+            </a:r>
+            <a:r>
+              <a:rPr lang="zh-CN" altLang="en-US" sz="1200" b="0" i="0" kern="1200" dirty="0" smtClean="0">
+                <a:solidFill>
+                  <a:schemeClr val="tx1"/>
+                </a:solidFill>
+                <a:effectLst/>
+                <a:latin typeface="+mn-lt"/>
+                <a:ea typeface="+mn-ea"/>
+                <a:cs typeface="+mn-cs"/>
+              </a:rPr>
+              <a:t>日正式发布</a:t>
+            </a:r>
+            <a:r>
+              <a:rPr lang="en-US" altLang="zh-CN" sz="1200" b="0" i="0" u="none" strike="noStrike" kern="1200" baseline="30000" dirty="0" smtClean="0">
+                <a:solidFill>
+                  <a:schemeClr val="tx1"/>
+                </a:solidFill>
+                <a:effectLst/>
+                <a:latin typeface="+mn-lt"/>
+                <a:ea typeface="+mn-ea"/>
+                <a:cs typeface="+mn-cs"/>
+                <a:hlinkClick r:id="rId10"/>
+              </a:rPr>
+              <a:t>[8]</a:t>
+            </a:r>
+            <a:r>
+              <a:rPr lang="zh-CN" altLang="en-US" sz="1200" b="0" i="0" kern="1200" dirty="0" smtClean="0">
+                <a:solidFill>
+                  <a:schemeClr val="tx1"/>
+                </a:solidFill>
+                <a:effectLst/>
+                <a:latin typeface="+mn-lt"/>
+                <a:ea typeface="+mn-ea"/>
+                <a:cs typeface="+mn-cs"/>
+              </a:rPr>
+              <a:t>，相比始于</a:t>
+            </a:r>
+            <a:r>
+              <a:rPr lang="en-US" altLang="zh-CN" sz="1200" b="0" i="0" kern="1200" dirty="0" smtClean="0">
+                <a:solidFill>
+                  <a:schemeClr val="tx1"/>
+                </a:solidFill>
+                <a:effectLst/>
+                <a:latin typeface="+mn-lt"/>
+                <a:ea typeface="+mn-ea"/>
+                <a:cs typeface="+mn-cs"/>
+              </a:rPr>
+              <a:t>1999</a:t>
+            </a:r>
+            <a:r>
+              <a:rPr lang="zh-CN" altLang="en-US" sz="1200" b="0" i="0" kern="1200" dirty="0" smtClean="0">
+                <a:solidFill>
+                  <a:schemeClr val="tx1"/>
+                </a:solidFill>
+                <a:effectLst/>
+                <a:latin typeface="+mn-lt"/>
+                <a:ea typeface="+mn-ea"/>
+                <a:cs typeface="+mn-cs"/>
+              </a:rPr>
+              <a:t>年的</a:t>
+            </a:r>
+            <a:r>
+              <a:rPr lang="en-US" altLang="zh-CN" sz="1200" b="0" i="0" kern="1200" dirty="0" err="1" smtClean="0">
+                <a:solidFill>
+                  <a:schemeClr val="tx1"/>
+                </a:solidFill>
+                <a:effectLst/>
+                <a:latin typeface="+mn-lt"/>
+                <a:ea typeface="+mn-ea"/>
+                <a:cs typeface="+mn-cs"/>
+              </a:rPr>
+              <a:t>SourceForge</a:t>
+            </a:r>
+            <a:r>
+              <a:rPr lang="en-US" altLang="zh-CN" sz="1200" b="0" i="0" u="none" strike="noStrike" kern="1200" baseline="30000" dirty="0" smtClean="0">
+                <a:solidFill>
+                  <a:schemeClr val="tx1"/>
+                </a:solidFill>
+                <a:effectLst/>
+                <a:latin typeface="+mn-lt"/>
+                <a:ea typeface="+mn-ea"/>
+                <a:cs typeface="+mn-cs"/>
+                <a:hlinkClick r:id="rId11"/>
+              </a:rPr>
+              <a:t>[9]</a:t>
+            </a:r>
+            <a:r>
+              <a:rPr lang="zh-CN" altLang="en-US" sz="1200" b="0" i="0" kern="1200" dirty="0" smtClean="0">
+                <a:solidFill>
+                  <a:schemeClr val="tx1"/>
+                </a:solidFill>
+                <a:effectLst/>
+                <a:latin typeface="+mn-lt"/>
+                <a:ea typeface="+mn-ea"/>
+                <a:cs typeface="+mn-cs"/>
+              </a:rPr>
+              <a:t>和</a:t>
+            </a:r>
+            <a:r>
+              <a:rPr lang="en-US" altLang="zh-CN" sz="1200" b="0" i="0" kern="1200" dirty="0" smtClean="0">
+                <a:solidFill>
+                  <a:schemeClr val="tx1"/>
+                </a:solidFill>
+                <a:effectLst/>
+                <a:latin typeface="+mn-lt"/>
+                <a:ea typeface="+mn-ea"/>
+                <a:cs typeface="+mn-cs"/>
+              </a:rPr>
+              <a:t>2005</a:t>
+            </a:r>
+            <a:r>
+              <a:rPr lang="zh-CN" altLang="en-US" sz="1200" b="0" i="0" kern="1200" dirty="0" smtClean="0">
+                <a:solidFill>
+                  <a:schemeClr val="tx1"/>
+                </a:solidFill>
+                <a:effectLst/>
+                <a:latin typeface="+mn-lt"/>
+                <a:ea typeface="+mn-ea"/>
+                <a:cs typeface="+mn-cs"/>
+              </a:rPr>
+              <a:t>年的</a:t>
+            </a:r>
+            <a:r>
+              <a:rPr lang="en-US" altLang="zh-CN" sz="1200" b="0" i="0" kern="1200" dirty="0" err="1" smtClean="0">
+                <a:solidFill>
+                  <a:schemeClr val="tx1"/>
+                </a:solidFill>
+                <a:effectLst/>
+                <a:latin typeface="+mn-lt"/>
+                <a:ea typeface="+mn-ea"/>
+                <a:cs typeface="+mn-cs"/>
+              </a:rPr>
+              <a:t>GoogleCode</a:t>
+            </a:r>
+            <a:r>
+              <a:rPr lang="en-US" altLang="zh-CN" sz="1200" b="0" i="0" u="none" strike="noStrike" kern="1200" baseline="30000" dirty="0" smtClean="0">
+                <a:solidFill>
+                  <a:schemeClr val="tx1"/>
+                </a:solidFill>
+                <a:effectLst/>
+                <a:latin typeface="+mn-lt"/>
+                <a:ea typeface="+mn-ea"/>
+                <a:cs typeface="+mn-cs"/>
+                <a:hlinkClick r:id="rId12"/>
+              </a:rPr>
+              <a:t>[10]</a:t>
+            </a:r>
+            <a:r>
+              <a:rPr lang="zh-CN" altLang="en-US" sz="1200" b="0" i="0" kern="1200" dirty="0" smtClean="0">
+                <a:solidFill>
+                  <a:schemeClr val="tx1"/>
+                </a:solidFill>
+                <a:effectLst/>
+                <a:latin typeface="+mn-lt"/>
+                <a:ea typeface="+mn-ea"/>
+                <a:cs typeface="+mn-cs"/>
+              </a:rPr>
+              <a:t>，</a:t>
+            </a:r>
+            <a:r>
+              <a:rPr lang="en-US" altLang="zh-CN" sz="1200" b="0" i="0" kern="1200" dirty="0" err="1" smtClean="0">
+                <a:solidFill>
+                  <a:schemeClr val="tx1"/>
+                </a:solidFill>
+                <a:effectLst/>
+                <a:latin typeface="+mn-lt"/>
+                <a:ea typeface="+mn-ea"/>
+                <a:cs typeface="+mn-cs"/>
+              </a:rPr>
+              <a:t>GitHub</a:t>
+            </a:r>
+            <a:r>
+              <a:rPr lang="zh-CN" altLang="en-US" sz="1200" b="0" i="0" kern="1200" dirty="0" smtClean="0">
+                <a:solidFill>
+                  <a:schemeClr val="tx1"/>
+                </a:solidFill>
+                <a:effectLst/>
+                <a:latin typeface="+mn-lt"/>
+                <a:ea typeface="+mn-ea"/>
+                <a:cs typeface="+mn-cs"/>
+              </a:rPr>
+              <a:t>后来者居上。</a:t>
+            </a:r>
+          </a:p>
+        </p:txBody>
+      </p:sp>
+      <p:sp>
+        <p:nvSpPr>
+          <p:cNvPr id="4" name="灯片编号占位符 3"/>
+          <p:cNvSpPr>
+            <a:spLocks noGrp="1"/>
+          </p:cNvSpPr>
+          <p:nvPr>
+            <p:ph type="sldNum" sz="quarter" idx="10"/>
+          </p:nvPr>
+        </p:nvSpPr>
+        <p:spPr/>
+        <p:txBody>
+          <a:bodyPr/>
+          <a:lstStyle/>
+          <a:p>
+            <a:fld id="{AD50BD58-7766-4D29-BB41-D4998DCBDFAE}" type="slidenum">
+              <a:rPr lang="zh-CN" altLang="en-US" smtClean="0"/>
+              <a:t>10</a:t>
+            </a:fld>
+            <a:endParaRPr lang="zh-CN" altLang="en-US"/>
+          </a:p>
+        </p:txBody>
+      </p:sp>
+    </p:spTree>
+    <p:extLst>
+      <p:ext uri="{BB962C8B-B14F-4D97-AF65-F5344CB8AC3E}">
+        <p14:creationId xmlns:p14="http://schemas.microsoft.com/office/powerpoint/2010/main" val="988002432"/>
+      </p:ext>
+    </p:extLst>
+  </p:cSld>
+  <p:clrMapOvr>
+    <a:masterClrMapping/>
+  </p:clrMapOvr>
+</p:notes>
+</file>
+
+<file path=ppt/notesSlides/notesSlide9.xml><?xml version="1.0" encoding="utf-8"?>
+<p:notes xmlns:a="http://schemas.openxmlformats.org/drawingml/2006/main" xmlns:r="http://schemas.openxmlformats.org/officeDocument/2006/relationships" xmlns:p="http://schemas.openxmlformats.org/presentationml/2006/main">
+  <p:cSld>
+    <p:spTree>
+      <p:nvGrpSpPr>
+        <p:cNvPr id="1" name=""/>
+        <p:cNvGrpSpPr/>
+        <p:nvPr/>
+      </p:nvGrpSpPr>
+      <p:grpSpPr>
+        <a:xfrm>
+          <a:off x="0" y="0"/>
+          <a:ext cx="0" cy="0"/>
+          <a:chOff x="0" y="0"/>
+          <a:chExt cx="0" cy="0"/>
+        </a:xfrm>
+      </p:grpSpPr>
+      <p:sp>
+        <p:nvSpPr>
+          <p:cNvPr id="2" name="幻灯片图像占位符 1"/>
+          <p:cNvSpPr>
+            <a:spLocks noGrp="1" noRot="1" noChangeAspect="1"/>
+          </p:cNvSpPr>
+          <p:nvPr>
+            <p:ph type="sldImg"/>
+          </p:nvPr>
+        </p:nvSpPr>
+        <p:spPr/>
+      </p:sp>
+      <p:sp>
+        <p:nvSpPr>
+          <p:cNvPr id="3" name="备注占位符 2"/>
+          <p:cNvSpPr>
+            <a:spLocks noGrp="1"/>
+          </p:cNvSpPr>
+          <p:nvPr>
+            <p:ph type="body" idx="1"/>
+          </p:nvPr>
+        </p:nvSpPr>
+        <p:spPr/>
+        <p:txBody>
+          <a:bodyPr/>
+          <a:lstStyle/>
+          <a:p>
+            <a:r>
+              <a:rPr lang="zh-CN" altLang="en-US" sz="1200" b="0" i="0" kern="1200" dirty="0" smtClean="0">
+                <a:solidFill>
+                  <a:schemeClr val="tx1"/>
+                </a:solidFill>
+                <a:effectLst/>
+                <a:latin typeface="+mn-lt"/>
+                <a:ea typeface="+mn-ea"/>
+                <a:cs typeface="+mn-cs"/>
+              </a:rPr>
+              <a:t>采用传统的集中式版本控制系统（如</a:t>
+            </a:r>
+            <a:r>
+              <a:rPr lang="en-US" altLang="zh-CN" sz="1200" b="0" i="0" kern="1200" dirty="0" smtClean="0">
+                <a:solidFill>
+                  <a:schemeClr val="tx1"/>
+                </a:solidFill>
+                <a:effectLst/>
+                <a:latin typeface="+mn-lt"/>
+                <a:ea typeface="+mn-ea"/>
+                <a:cs typeface="+mn-cs"/>
+              </a:rPr>
+              <a:t>SVN</a:t>
+            </a:r>
+            <a:r>
+              <a:rPr lang="zh-CN" altLang="en-US" sz="1200" b="0" i="0" kern="1200" dirty="0" smtClean="0">
+                <a:solidFill>
+                  <a:schemeClr val="tx1"/>
+                </a:solidFill>
+                <a:effectLst/>
+                <a:latin typeface="+mn-lt"/>
+                <a:ea typeface="+mn-ea"/>
+                <a:cs typeface="+mn-cs"/>
+              </a:rPr>
+              <a:t>）的开源项目，这两个群体的用户体验都不是太好。如图所示，项目的贡献者（非核心成员）很不“高兴”，因为他们即便有修改源代码的能力和渴望，也不能直接向版本库提交，要想成为提交者需要一个很长的建立信任的过程。然而即便是核心开发团队的成员，体验也不是太好，因为凡是涉及到版本库的操作（检入、检出、查看日志等）都需要在联网的状态下进行，网络带宽对用户体验影响相当大。</a:t>
+            </a:r>
+            <a:endParaRPr lang="en-US" altLang="zh-CN" sz="1200" b="0" i="0" kern="1200" dirty="0" smtClean="0">
+              <a:solidFill>
+                <a:schemeClr val="tx1"/>
+              </a:solidFill>
+              <a:effectLst/>
+              <a:latin typeface="+mn-lt"/>
+              <a:ea typeface="+mn-ea"/>
+              <a:cs typeface="+mn-cs"/>
+            </a:endParaRPr>
+          </a:p>
+          <a:p>
+            <a:r>
+              <a:rPr lang="en-US" altLang="zh-CN" sz="1200" b="0" i="0" kern="1200" dirty="0" err="1" smtClean="0">
+                <a:solidFill>
+                  <a:schemeClr val="tx1"/>
+                </a:solidFill>
+                <a:effectLst/>
+                <a:latin typeface="+mn-lt"/>
+                <a:ea typeface="+mn-ea"/>
+                <a:cs typeface="+mn-cs"/>
+              </a:rPr>
+              <a:t>Git</a:t>
+            </a:r>
+            <a:r>
+              <a:rPr lang="zh-CN" altLang="en-US" sz="1200" b="0" i="0" kern="1200" dirty="0" smtClean="0">
+                <a:solidFill>
+                  <a:schemeClr val="tx1"/>
+                </a:solidFill>
+                <a:effectLst/>
+                <a:latin typeface="+mn-lt"/>
+                <a:ea typeface="+mn-ea"/>
+                <a:cs typeface="+mn-cs"/>
+              </a:rPr>
+              <a:t>等分布式版本控制系统的出现，彻底颠覆了原有代码管理的组织模式。使用</a:t>
+            </a:r>
+            <a:r>
+              <a:rPr lang="en-US" altLang="zh-CN" sz="1200" b="0" i="0" kern="1200" dirty="0" err="1" smtClean="0">
+                <a:solidFill>
+                  <a:schemeClr val="tx1"/>
+                </a:solidFill>
+                <a:effectLst/>
+                <a:latin typeface="+mn-lt"/>
+                <a:ea typeface="+mn-ea"/>
+                <a:cs typeface="+mn-cs"/>
+              </a:rPr>
+              <a:t>Git</a:t>
+            </a:r>
+            <a:r>
+              <a:rPr lang="zh-CN" altLang="en-US" sz="1200" b="0" i="0" kern="1200" dirty="0" smtClean="0">
+                <a:solidFill>
+                  <a:schemeClr val="tx1"/>
+                </a:solidFill>
+                <a:effectLst/>
+                <a:latin typeface="+mn-lt"/>
+                <a:ea typeface="+mn-ea"/>
+                <a:cs typeface="+mn-cs"/>
+              </a:rPr>
+              <a:t>，不再依赖唯一的、集中式的版本库，而是每个开发者本地都拥有一份完整的版本库。</a:t>
+            </a:r>
+            <a:r>
+              <a:rPr lang="en-US" altLang="zh-CN" sz="1200" b="0" i="0" kern="1200" dirty="0" err="1" smtClean="0">
+                <a:solidFill>
+                  <a:schemeClr val="tx1"/>
+                </a:solidFill>
+                <a:effectLst/>
+                <a:latin typeface="+mn-lt"/>
+                <a:ea typeface="+mn-ea"/>
+                <a:cs typeface="+mn-cs"/>
+              </a:rPr>
+              <a:t>Git</a:t>
+            </a:r>
+            <a:r>
+              <a:rPr lang="zh-CN" altLang="en-US" sz="1200" b="0" i="0" kern="1200" dirty="0" smtClean="0">
+                <a:solidFill>
+                  <a:schemeClr val="tx1"/>
+                </a:solidFill>
+                <a:effectLst/>
+                <a:latin typeface="+mn-lt"/>
+                <a:ea typeface="+mn-ea"/>
+                <a:cs typeface="+mn-cs"/>
+              </a:rPr>
+              <a:t>并不排斥集中式的使用模式，但更倾向于将集中式版本库称为共享版本库。核心开发团队的成员和贡献者（非核心成员）都可以从共享版本库克隆一份本地版本库，但只有核心团队成员才可以将自己本地版本库的提交推送到共享版本库上。</a:t>
+            </a:r>
+            <a:endParaRPr lang="en-US" altLang="zh-CN" sz="1200" b="0" i="0" kern="1200" dirty="0" smtClean="0">
+              <a:solidFill>
+                <a:schemeClr val="tx1"/>
+              </a:solidFill>
+              <a:effectLst/>
+              <a:latin typeface="+mn-lt"/>
+              <a:ea typeface="+mn-ea"/>
+              <a:cs typeface="+mn-cs"/>
+            </a:endParaRPr>
+          </a:p>
+          <a:p>
+            <a:r>
+              <a:rPr lang="zh-CN" altLang="en-US" sz="1200" b="0" i="0" kern="1200" dirty="0" smtClean="0">
+                <a:solidFill>
+                  <a:schemeClr val="tx1"/>
+                </a:solidFill>
+                <a:effectLst/>
+                <a:latin typeface="+mn-lt"/>
+                <a:ea typeface="+mn-ea"/>
+                <a:cs typeface="+mn-cs"/>
+              </a:rPr>
+              <a:t>使用</a:t>
+            </a:r>
+            <a:r>
+              <a:rPr lang="en-US" altLang="zh-CN" sz="1200" b="0" i="0" kern="1200" dirty="0" err="1" smtClean="0">
+                <a:solidFill>
+                  <a:schemeClr val="tx1"/>
+                </a:solidFill>
+                <a:effectLst/>
+                <a:latin typeface="+mn-lt"/>
+                <a:ea typeface="+mn-ea"/>
+                <a:cs typeface="+mn-cs"/>
+              </a:rPr>
+              <a:t>Git</a:t>
+            </a:r>
+            <a:r>
+              <a:rPr lang="zh-CN" altLang="en-US" sz="1200" b="0" i="0" kern="1200" dirty="0" smtClean="0">
+                <a:solidFill>
+                  <a:schemeClr val="tx1"/>
+                </a:solidFill>
+                <a:effectLst/>
+                <a:latin typeface="+mn-lt"/>
+                <a:ea typeface="+mn-ea"/>
+                <a:cs typeface="+mn-cs"/>
+              </a:rPr>
+              <a:t>做版本控制（如图</a:t>
+            </a:r>
+            <a:r>
+              <a:rPr lang="en-US" altLang="zh-CN" sz="1200" b="0" i="0" kern="1200" dirty="0" smtClean="0">
+                <a:solidFill>
+                  <a:schemeClr val="tx1"/>
+                </a:solidFill>
+                <a:effectLst/>
+                <a:latin typeface="+mn-lt"/>
+                <a:ea typeface="+mn-ea"/>
+                <a:cs typeface="+mn-cs"/>
+              </a:rPr>
+              <a:t>1-3</a:t>
+            </a:r>
+            <a:r>
+              <a:rPr lang="zh-CN" altLang="en-US" sz="1200" b="0" i="0" kern="1200" dirty="0" smtClean="0">
+                <a:solidFill>
+                  <a:schemeClr val="tx1"/>
+                </a:solidFill>
+                <a:effectLst/>
+                <a:latin typeface="+mn-lt"/>
+                <a:ea typeface="+mn-ea"/>
+                <a:cs typeface="+mn-cs"/>
+              </a:rPr>
+              <a:t>所示），核心开发团队非常“高兴”，因为他们和共享版本库之间不必一直保持连接状态，诸如查看日志、提交、创建分支等几乎全部操作都（脱离网络）在本地的版本库中完成。项目贡献者（非核心成员）也不再那么沮丧，因为版本库人人皆可更改（当然是对本地版本库而言）。稍微让贡献者感到困难的就是如何将自己对项目的改进被核心开发团队所了解并接纳。</a:t>
+            </a:r>
+            <a:r>
+              <a:rPr lang="en-US" altLang="zh-CN" sz="1200" b="0" i="0" kern="1200" dirty="0" err="1" smtClean="0">
+                <a:solidFill>
+                  <a:schemeClr val="tx1"/>
+                </a:solidFill>
+                <a:effectLst/>
+                <a:latin typeface="+mn-lt"/>
+                <a:ea typeface="+mn-ea"/>
+                <a:cs typeface="+mn-cs"/>
+              </a:rPr>
+              <a:t>Git</a:t>
+            </a:r>
+            <a:r>
+              <a:rPr lang="zh-CN" altLang="en-US" sz="1200" b="0" i="0" kern="1200" dirty="0" smtClean="0">
+                <a:solidFill>
+                  <a:schemeClr val="tx1"/>
+                </a:solidFill>
+                <a:effectLst/>
+                <a:latin typeface="+mn-lt"/>
+                <a:ea typeface="+mn-ea"/>
+                <a:cs typeface="+mn-cs"/>
+              </a:rPr>
+              <a:t>提供了多种途径，一个方法是先用</a:t>
+            </a:r>
+            <a:r>
+              <a:rPr lang="en-US" altLang="zh-CN" dirty="0" err="1" smtClean="0"/>
+              <a:t>git</a:t>
+            </a:r>
+            <a:r>
+              <a:rPr lang="en-US" altLang="zh-CN" dirty="0" smtClean="0"/>
+              <a:t> format-patch</a:t>
+            </a:r>
+            <a:r>
+              <a:rPr lang="zh-CN" altLang="en-US" sz="1200" b="0" i="0" kern="1200" dirty="0" smtClean="0">
+                <a:solidFill>
+                  <a:schemeClr val="tx1"/>
+                </a:solidFill>
+                <a:effectLst/>
+                <a:latin typeface="+mn-lt"/>
+                <a:ea typeface="+mn-ea"/>
+                <a:cs typeface="+mn-cs"/>
+              </a:rPr>
+              <a:t>命令将本地提交转换为补丁文件或补丁文件序列，再通过邮件发送给核心开发团队。另外一个办法就是搭建一个自己专有的共享版本库，通过邮件创建一个拉拽请求（</a:t>
+            </a:r>
+            <a:r>
+              <a:rPr lang="en-US" altLang="zh-CN" sz="1200" b="0" i="0" kern="1200" dirty="0" smtClean="0">
+                <a:solidFill>
+                  <a:schemeClr val="tx1"/>
+                </a:solidFill>
+                <a:effectLst/>
+                <a:latin typeface="+mn-lt"/>
+                <a:ea typeface="+mn-ea"/>
+                <a:cs typeface="+mn-cs"/>
+              </a:rPr>
+              <a:t>Pull Request</a:t>
+            </a:r>
+            <a:r>
+              <a:rPr lang="zh-CN" altLang="en-US" sz="1200" b="0" i="0" kern="1200" dirty="0" smtClean="0">
+                <a:solidFill>
+                  <a:schemeClr val="tx1"/>
+                </a:solidFill>
+                <a:effectLst/>
+                <a:latin typeface="+mn-lt"/>
+                <a:ea typeface="+mn-ea"/>
+                <a:cs typeface="+mn-cs"/>
+              </a:rPr>
+              <a:t>），让核心团队的开发者到自己的版本库来抓取（</a:t>
+            </a:r>
+            <a:r>
+              <a:rPr lang="en-US" altLang="zh-CN" sz="1200" b="0" i="0" kern="1200" dirty="0" smtClean="0">
+                <a:solidFill>
+                  <a:schemeClr val="tx1"/>
+                </a:solidFill>
+                <a:effectLst/>
+                <a:latin typeface="+mn-lt"/>
+                <a:ea typeface="+mn-ea"/>
+                <a:cs typeface="+mn-cs"/>
+              </a:rPr>
+              <a:t>Pull</a:t>
+            </a:r>
+            <a:r>
+              <a:rPr lang="zh-CN" altLang="en-US" sz="1200" b="0" i="0" kern="1200" dirty="0" smtClean="0">
+                <a:solidFill>
+                  <a:schemeClr val="tx1"/>
+                </a:solidFill>
+                <a:effectLst/>
+                <a:latin typeface="+mn-lt"/>
+                <a:ea typeface="+mn-ea"/>
+                <a:cs typeface="+mn-cs"/>
+              </a:rPr>
+              <a:t>）。</a:t>
+            </a:r>
+            <a:endParaRPr lang="en-US" altLang="zh-CN" sz="1200" b="0" i="0" kern="1200" dirty="0" smtClean="0">
+              <a:solidFill>
+                <a:schemeClr val="tx1"/>
+              </a:solidFill>
+              <a:effectLst/>
+              <a:latin typeface="+mn-lt"/>
+              <a:ea typeface="+mn-ea"/>
+              <a:cs typeface="+mn-cs"/>
+            </a:endParaRPr>
+          </a:p>
+          <a:p>
+            <a:r>
+              <a:rPr lang="en-US" altLang="zh-CN" sz="1200" b="0" i="0" kern="1200" dirty="0" err="1" smtClean="0">
+                <a:solidFill>
+                  <a:schemeClr val="tx1"/>
+                </a:solidFill>
+                <a:effectLst/>
+                <a:latin typeface="+mn-lt"/>
+                <a:ea typeface="+mn-ea"/>
+                <a:cs typeface="+mn-cs"/>
+              </a:rPr>
+              <a:t>GitHub</a:t>
+            </a:r>
+            <a:r>
+              <a:rPr lang="zh-CN" altLang="en-US" sz="1200" b="0" i="0" kern="1200" dirty="0" smtClean="0">
+                <a:solidFill>
+                  <a:schemeClr val="tx1"/>
+                </a:solidFill>
+                <a:effectLst/>
+                <a:latin typeface="+mn-lt"/>
+                <a:ea typeface="+mn-ea"/>
+                <a:cs typeface="+mn-cs"/>
+              </a:rPr>
+              <a:t>的出现进一步推动了</a:t>
+            </a:r>
+            <a:r>
+              <a:rPr lang="en-US" altLang="zh-CN" sz="1200" b="0" i="0" kern="1200" dirty="0" err="1" smtClean="0">
+                <a:solidFill>
+                  <a:schemeClr val="tx1"/>
+                </a:solidFill>
+                <a:effectLst/>
+                <a:latin typeface="+mn-lt"/>
+                <a:ea typeface="+mn-ea"/>
+                <a:cs typeface="+mn-cs"/>
+              </a:rPr>
+              <a:t>Git</a:t>
+            </a:r>
+            <a:r>
+              <a:rPr lang="zh-CN" altLang="en-US" sz="1200" b="0" i="0" kern="1200" dirty="0" smtClean="0">
+                <a:solidFill>
+                  <a:schemeClr val="tx1"/>
+                </a:solidFill>
+                <a:effectLst/>
+                <a:latin typeface="+mn-lt"/>
+                <a:ea typeface="+mn-ea"/>
+                <a:cs typeface="+mn-cs"/>
+              </a:rPr>
+              <a:t>的普及，简化了版本控制的管理和操作流程，为开发者提供了更好的交流平台。</a:t>
+            </a:r>
+            <a:endParaRPr lang="zh-CN" altLang="en-US" dirty="0"/>
+          </a:p>
+        </p:txBody>
+      </p:sp>
+      <p:sp>
+        <p:nvSpPr>
+          <p:cNvPr id="4" name="灯片编号占位符 3"/>
+          <p:cNvSpPr>
+            <a:spLocks noGrp="1"/>
+          </p:cNvSpPr>
+          <p:nvPr>
+            <p:ph type="sldNum" sz="quarter" idx="10"/>
+          </p:nvPr>
+        </p:nvSpPr>
+        <p:spPr/>
+        <p:txBody>
+          <a:bodyPr/>
+          <a:lstStyle/>
+          <a:p>
+            <a:fld id="{AD50BD58-7766-4D29-BB41-D4998DCBDFAE}" type="slidenum">
+              <a:rPr lang="zh-CN" altLang="en-US" smtClean="0"/>
+              <a:t>11</a:t>
             </a:fld>
             <a:endParaRPr lang="zh-CN" altLang="en-US"/>
           </a:p>
@@ -11742,11 +12327,7 @@
             </a:r>
             <a:r>
               <a:rPr lang="en-US" altLang="zh-CN" dirty="0" smtClean="0"/>
-              <a:t> </a:t>
-            </a:r>
-            <a:r>
-              <a:rPr lang="en-US" altLang="zh-CN" dirty="0" smtClean="0"/>
-              <a:t>Primer</a:t>
+              <a:t> Primer</a:t>
             </a:r>
             <a:endParaRPr lang="zh-CN" altLang="en-US" dirty="0"/>
           </a:p>
@@ -11795,6 +12376,532 @@
 </file>
 
 <file path=ppt/slides/slide10.xml><?xml version="1.0" encoding="utf-8"?>
+<p:sld xmlns:a="http://schemas.openxmlformats.org/drawingml/2006/main" xmlns:r="http://schemas.openxmlformats.org/officeDocument/2006/relationships" xmlns:p="http://schemas.openxmlformats.org/presentationml/2006/main">
+  <p:cSld>
+    <p:spTree>
+      <p:nvGrpSpPr>
+        <p:cNvPr id="1" name=""/>
+        <p:cNvGrpSpPr/>
+        <p:nvPr/>
+      </p:nvGrpSpPr>
+      <p:grpSpPr>
+        <a:xfrm>
+          <a:off x="0" y="0"/>
+          <a:ext cx="0" cy="0"/>
+          <a:chOff x="0" y="0"/>
+          <a:chExt cx="0" cy="0"/>
+        </a:xfrm>
+      </p:grpSpPr>
+      <p:sp>
+        <p:nvSpPr>
+          <p:cNvPr id="2" name="标题 1"/>
+          <p:cNvSpPr>
+            <a:spLocks noGrp="1"/>
+          </p:cNvSpPr>
+          <p:nvPr>
+            <p:ph type="title"/>
+          </p:nvPr>
+        </p:nvSpPr>
+        <p:spPr/>
+        <p:txBody>
+          <a:bodyPr/>
+          <a:lstStyle/>
+          <a:p>
+            <a:r>
+              <a:rPr lang="en-US" altLang="zh-CN" dirty="0" err="1" smtClean="0"/>
+              <a:t>GitHub</a:t>
+            </a:r>
+            <a:r>
+              <a:rPr lang="en-US" altLang="zh-CN" dirty="0" smtClean="0"/>
+              <a:t> </a:t>
+            </a:r>
+            <a:r>
+              <a:rPr lang="zh-CN" altLang="en-US" dirty="0" smtClean="0"/>
+              <a:t>基础</a:t>
+            </a:r>
+            <a:endParaRPr lang="zh-CN" altLang="en-US" dirty="0"/>
+          </a:p>
+        </p:txBody>
+      </p:sp>
+      <p:sp>
+        <p:nvSpPr>
+          <p:cNvPr id="3" name="内容占位符 2"/>
+          <p:cNvSpPr>
+            <a:spLocks noGrp="1"/>
+          </p:cNvSpPr>
+          <p:nvPr>
+            <p:ph idx="1"/>
+          </p:nvPr>
+        </p:nvSpPr>
+        <p:spPr/>
+        <p:txBody>
+          <a:bodyPr/>
+          <a:lstStyle/>
+          <a:p>
+            <a:pPr marL="0" indent="0">
+              <a:buNone/>
+            </a:pPr>
+            <a:r>
+              <a:rPr lang="zh-CN" altLang="en-US" dirty="0" smtClean="0"/>
+              <a:t>什么是</a:t>
+            </a:r>
+            <a:r>
+              <a:rPr lang="en-US" altLang="zh-CN" dirty="0" err="1" smtClean="0"/>
+              <a:t>GitHub</a:t>
+            </a:r>
+            <a:r>
+              <a:rPr lang="en-US" altLang="zh-CN" dirty="0" smtClean="0"/>
+              <a:t>?</a:t>
+            </a:r>
+          </a:p>
+          <a:p>
+            <a:pPr marL="0" indent="0">
+              <a:buNone/>
+            </a:pPr>
+            <a:r>
+              <a:rPr lang="en-US" altLang="zh-CN" sz="2400" dirty="0" err="1"/>
+              <a:t>GitHub</a:t>
+            </a:r>
+            <a:r>
+              <a:rPr lang="zh-CN" altLang="en-US" sz="2400" dirty="0"/>
+              <a:t>（网址 </a:t>
+            </a:r>
+            <a:r>
+              <a:rPr lang="en-US" altLang="zh-CN" sz="2400" dirty="0">
+                <a:hlinkClick r:id="rId3"/>
+              </a:rPr>
+              <a:t>https://github.com/</a:t>
+            </a:r>
+            <a:r>
+              <a:rPr lang="zh-CN" altLang="en-US" sz="2400" dirty="0"/>
+              <a:t>）是一个面向开源及私有软件项目的托管平台，因为只支持</a:t>
+            </a:r>
+            <a:r>
+              <a:rPr lang="en-US" altLang="zh-CN" sz="2400" dirty="0" err="1"/>
+              <a:t>Git</a:t>
+            </a:r>
+            <a:r>
+              <a:rPr lang="zh-CN" altLang="en-US" sz="2400" dirty="0"/>
+              <a:t>作为唯一的版本库格式进行托管，故名</a:t>
+            </a:r>
+            <a:r>
+              <a:rPr lang="en-US" altLang="zh-CN" sz="2400" dirty="0" err="1"/>
+              <a:t>GitHub</a:t>
+            </a:r>
+            <a:r>
+              <a:rPr lang="zh-CN" altLang="en-US" sz="2400" dirty="0"/>
+              <a:t>。</a:t>
+            </a:r>
+          </a:p>
+        </p:txBody>
+      </p:sp>
+      <p:pic>
+        <p:nvPicPr>
+          <p:cNvPr id="4" name="图片 3"/>
+          <p:cNvPicPr>
+            <a:picLocks noChangeAspect="1"/>
+          </p:cNvPicPr>
+          <p:nvPr/>
+        </p:nvPicPr>
+        <p:blipFill>
+          <a:blip r:embed="rId4">
+            <a:extLst>
+              <a:ext uri="{28A0092B-C50C-407E-A947-70E740481C1C}">
+                <a14:useLocalDpi xmlns:a14="http://schemas.microsoft.com/office/drawing/2010/main" val="0"/>
+              </a:ext>
+            </a:extLst>
+          </a:blip>
+          <a:stretch>
+            <a:fillRect/>
+          </a:stretch>
+        </p:blipFill>
+        <p:spPr>
+          <a:xfrm>
+            <a:off x="922965" y="2132856"/>
+            <a:ext cx="7619048" cy="4266667"/>
+          </a:xfrm>
+          <a:prstGeom prst="rect">
+            <a:avLst/>
+          </a:prstGeom>
+        </p:spPr>
+      </p:pic>
+    </p:spTree>
+    <p:extLst>
+      <p:ext uri="{BB962C8B-B14F-4D97-AF65-F5344CB8AC3E}">
+        <p14:creationId xmlns:p14="http://schemas.microsoft.com/office/powerpoint/2010/main" val="2658713978"/>
+      </p:ext>
+    </p:extLst>
+  </p:cSld>
+  <p:clrMapOvr>
+    <a:masterClrMapping/>
+  </p:clrMapOvr>
+  <mc:AlternateContent xmlns:mc="http://schemas.openxmlformats.org/markup-compatibility/2006" xmlns:p14="http://schemas.microsoft.com/office/powerpoint/2010/main">
+    <mc:Choice Requires="p14">
+      <p:transition p14:dur="0"/>
+    </mc:Choice>
+    <mc:Fallback xmlns="">
+      <p:transition/>
+    </mc:Fallback>
+  </mc:AlternateContent>
+  <p:timing>
+    <p:tnLst>
+      <p:par>
+        <p:cTn id="1" dur="indefinite" restart="never" nodeType="tmRoot">
+          <p:childTnLst>
+            <p:seq concurrent="1" nextAc="seek">
+              <p:cTn id="2" dur="indefinite" nodeType="mainSeq">
+                <p:childTnLst>
+                  <p:par>
+                    <p:cTn id="3" fill="hold">
+                      <p:stCondLst>
+                        <p:cond delay="indefinite"/>
+                      </p:stCondLst>
+                      <p:childTnLst>
+                        <p:par>
+                          <p:cTn id="4" fill="hold">
+                            <p:stCondLst>
+                              <p:cond delay="0"/>
+                            </p:stCondLst>
+                            <p:childTnLst>
+                              <p:par>
+                                <p:cTn id="5" presetID="42" presetClass="entr" presetSubtype="0" fill="hold" nodeType="clickEffect">
+                                  <p:stCondLst>
+                                    <p:cond delay="0"/>
+                                  </p:stCondLst>
+                                  <p:childTnLst>
+                                    <p:set>
+                                      <p:cBhvr>
+                                        <p:cTn id="6" dur="1" fill="hold">
+                                          <p:stCondLst>
+                                            <p:cond delay="0"/>
+                                          </p:stCondLst>
+                                        </p:cTn>
+                                        <p:tgtEl>
+                                          <p:spTgt spid="3">
+                                            <p:txEl>
+                                              <p:pRg st="1" end="1"/>
+                                            </p:txEl>
+                                          </p:spTgt>
+                                        </p:tgtEl>
+                                        <p:attrNameLst>
+                                          <p:attrName>style.visibility</p:attrName>
+                                        </p:attrNameLst>
+                                      </p:cBhvr>
+                                      <p:to>
+                                        <p:strVal val="visible"/>
+                                      </p:to>
+                                    </p:set>
+                                    <p:animEffect transition="in" filter="fade">
+                                      <p:cBhvr>
+                                        <p:cTn id="7" dur="1000"/>
+                                        <p:tgtEl>
+                                          <p:spTgt spid="3">
+                                            <p:txEl>
+                                              <p:pRg st="1" end="1"/>
+                                            </p:txEl>
+                                          </p:spTgt>
+                                        </p:tgtEl>
+                                      </p:cBhvr>
+                                    </p:animEffect>
+                                    <p:anim calcmode="lin" valueType="num">
+                                      <p:cBhvr>
+                                        <p:cTn id="8" dur="1000" fill="hold"/>
+                                        <p:tgtEl>
+                                          <p:spTgt spid="3">
+                                            <p:txEl>
+                                              <p:pRg st="1" end="1"/>
+                                            </p:txEl>
+                                          </p:spTgt>
+                                        </p:tgtEl>
+                                        <p:attrNameLst>
+                                          <p:attrName>ppt_x</p:attrName>
+                                        </p:attrNameLst>
+                                      </p:cBhvr>
+                                      <p:tavLst>
+                                        <p:tav tm="0">
+                                          <p:val>
+                                            <p:strVal val="#ppt_x"/>
+                                          </p:val>
+                                        </p:tav>
+                                        <p:tav tm="100000">
+                                          <p:val>
+                                            <p:strVal val="#ppt_x"/>
+                                          </p:val>
+                                        </p:tav>
+                                      </p:tavLst>
+                                    </p:anim>
+                                    <p:anim calcmode="lin" valueType="num">
+                                      <p:cBhvr>
+                                        <p:cTn id="9" dur="1000" fill="hold"/>
+                                        <p:tgtEl>
+                                          <p:spTgt spid="3">
+                                            <p:txEl>
+                                              <p:pRg st="1" end="1"/>
+                                            </p:txEl>
+                                          </p:spTgt>
+                                        </p:tgtEl>
+                                        <p:attrNameLst>
+                                          <p:attrName>ppt_y</p:attrName>
+                                        </p:attrNameLst>
+                                      </p:cBhvr>
+                                      <p:tavLst>
+                                        <p:tav tm="0">
+                                          <p:val>
+                                            <p:strVal val="#ppt_y+.1"/>
+                                          </p:val>
+                                        </p:tav>
+                                        <p:tav tm="100000">
+                                          <p:val>
+                                            <p:strVal val="#ppt_y"/>
+                                          </p:val>
+                                        </p:tav>
+                                      </p:tavLst>
+                                    </p:anim>
+                                  </p:childTnLst>
+                                </p:cTn>
+                              </p:par>
+                            </p:childTnLst>
+                          </p:cTn>
+                        </p:par>
+                      </p:childTnLst>
+                    </p:cTn>
+                  </p:par>
+                  <p:par>
+                    <p:cTn id="10" fill="hold">
+                      <p:stCondLst>
+                        <p:cond delay="indefinite"/>
+                      </p:stCondLst>
+                      <p:childTnLst>
+                        <p:par>
+                          <p:cTn id="11" fill="hold">
+                            <p:stCondLst>
+                              <p:cond delay="0"/>
+                            </p:stCondLst>
+                            <p:childTnLst>
+                              <p:par>
+                                <p:cTn id="12" presetID="16" presetClass="entr" presetSubtype="21" fill="hold" nodeType="clickEffect">
+                                  <p:stCondLst>
+                                    <p:cond delay="0"/>
+                                  </p:stCondLst>
+                                  <p:childTnLst>
+                                    <p:set>
+                                      <p:cBhvr>
+                                        <p:cTn id="13" dur="1" fill="hold">
+                                          <p:stCondLst>
+                                            <p:cond delay="0"/>
+                                          </p:stCondLst>
+                                        </p:cTn>
+                                        <p:tgtEl>
+                                          <p:spTgt spid="4"/>
+                                        </p:tgtEl>
+                                        <p:attrNameLst>
+                                          <p:attrName>style.visibility</p:attrName>
+                                        </p:attrNameLst>
+                                      </p:cBhvr>
+                                      <p:to>
+                                        <p:strVal val="visible"/>
+                                      </p:to>
+                                    </p:set>
+                                    <p:animEffect transition="in" filter="barn(inVertical)">
+                                      <p:cBhvr>
+                                        <p:cTn id="14" dur="500"/>
+                                        <p:tgtEl>
+                                          <p:spTgt spid="4"/>
+                                        </p:tgtEl>
+                                      </p:cBhvr>
+                                    </p:animEffect>
+                                  </p:childTnLst>
+                                </p:cTn>
+                              </p:par>
+                            </p:childTnLst>
+                          </p:cTn>
+                        </p:par>
+                      </p:childTnLst>
+                    </p:cTn>
+                  </p:par>
+                </p:childTnLst>
+              </p:cTn>
+              <p:prevCondLst>
+                <p:cond evt="onPrev" delay="0">
+                  <p:tgtEl>
+                    <p:sldTgt/>
+                  </p:tgtEl>
+                </p:cond>
+              </p:prevCondLst>
+              <p:nextCondLst>
+                <p:cond evt="onNext" delay="0">
+                  <p:tgtEl>
+                    <p:sldTgt/>
+                  </p:tgtEl>
+                </p:cond>
+              </p:nextCondLst>
+            </p:seq>
+          </p:childTnLst>
+        </p:cTn>
+      </p:par>
+    </p:tnLst>
+  </p:timing>
+</p:sld>
+</file>
+
+<file path=ppt/slides/slide11.xml><?xml version="1.0" encoding="utf-8"?>
+<p:sld xmlns:a="http://schemas.openxmlformats.org/drawingml/2006/main" xmlns:r="http://schemas.openxmlformats.org/officeDocument/2006/relationships" xmlns:p="http://schemas.openxmlformats.org/presentationml/2006/main">
+  <p:cSld>
+    <p:spTree>
+      <p:nvGrpSpPr>
+        <p:cNvPr id="1" name=""/>
+        <p:cNvGrpSpPr/>
+        <p:nvPr/>
+      </p:nvGrpSpPr>
+      <p:grpSpPr>
+        <a:xfrm>
+          <a:off x="0" y="0"/>
+          <a:ext cx="0" cy="0"/>
+          <a:chOff x="0" y="0"/>
+          <a:chExt cx="0" cy="0"/>
+        </a:xfrm>
+      </p:grpSpPr>
+      <p:sp>
+        <p:nvSpPr>
+          <p:cNvPr id="2" name="标题 1"/>
+          <p:cNvSpPr>
+            <a:spLocks noGrp="1"/>
+          </p:cNvSpPr>
+          <p:nvPr>
+            <p:ph type="title"/>
+          </p:nvPr>
+        </p:nvSpPr>
+        <p:spPr/>
+        <p:txBody>
+          <a:bodyPr/>
+          <a:lstStyle/>
+          <a:p>
+            <a:r>
+              <a:rPr lang="en-US" altLang="zh-CN" dirty="0" err="1"/>
+              <a:t>GitHub</a:t>
+            </a:r>
+            <a:r>
+              <a:rPr lang="en-US" altLang="zh-CN" dirty="0"/>
+              <a:t> </a:t>
+            </a:r>
+            <a:r>
+              <a:rPr lang="zh-CN" altLang="en-US" dirty="0"/>
+              <a:t>基础</a:t>
+            </a:r>
+          </a:p>
+        </p:txBody>
+      </p:sp>
+      <p:pic>
+        <p:nvPicPr>
+          <p:cNvPr id="8" name="图片 7"/>
+          <p:cNvPicPr>
+            <a:picLocks noChangeAspect="1"/>
+          </p:cNvPicPr>
+          <p:nvPr/>
+        </p:nvPicPr>
+        <p:blipFill>
+          <a:blip r:embed="rId3" cstate="print">
+            <a:extLst>
+              <a:ext uri="{28A0092B-C50C-407E-A947-70E740481C1C}">
+                <a14:useLocalDpi xmlns:a14="http://schemas.microsoft.com/office/drawing/2010/main" val="0"/>
+              </a:ext>
+            </a:extLst>
+          </a:blip>
+          <a:stretch>
+            <a:fillRect/>
+          </a:stretch>
+        </p:blipFill>
+        <p:spPr>
+          <a:xfrm>
+            <a:off x="251520" y="2717507"/>
+            <a:ext cx="2880320" cy="1675387"/>
+          </a:xfrm>
+          <a:prstGeom prst="rect">
+            <a:avLst/>
+          </a:prstGeom>
+        </p:spPr>
+      </p:pic>
+      <p:pic>
+        <p:nvPicPr>
+          <p:cNvPr id="9" name="图片 8"/>
+          <p:cNvPicPr>
+            <a:picLocks noChangeAspect="1"/>
+          </p:cNvPicPr>
+          <p:nvPr/>
+        </p:nvPicPr>
+        <p:blipFill>
+          <a:blip r:embed="rId4" cstate="print">
+            <a:extLst>
+              <a:ext uri="{28A0092B-C50C-407E-A947-70E740481C1C}">
+                <a14:useLocalDpi xmlns:a14="http://schemas.microsoft.com/office/drawing/2010/main" val="0"/>
+              </a:ext>
+            </a:extLst>
+          </a:blip>
+          <a:stretch>
+            <a:fillRect/>
+          </a:stretch>
+        </p:blipFill>
+        <p:spPr>
+          <a:xfrm>
+            <a:off x="3131840" y="2694097"/>
+            <a:ext cx="2784913" cy="1698797"/>
+          </a:xfrm>
+          <a:prstGeom prst="rect">
+            <a:avLst/>
+          </a:prstGeom>
+        </p:spPr>
+      </p:pic>
+      <p:pic>
+        <p:nvPicPr>
+          <p:cNvPr id="10" name="图片 9"/>
+          <p:cNvPicPr>
+            <a:picLocks noChangeAspect="1"/>
+          </p:cNvPicPr>
+          <p:nvPr/>
+        </p:nvPicPr>
+        <p:blipFill>
+          <a:blip r:embed="rId5" cstate="print">
+            <a:extLst>
+              <a:ext uri="{28A0092B-C50C-407E-A947-70E740481C1C}">
+                <a14:useLocalDpi xmlns:a14="http://schemas.microsoft.com/office/drawing/2010/main" val="0"/>
+              </a:ext>
+            </a:extLst>
+          </a:blip>
+          <a:stretch>
+            <a:fillRect/>
+          </a:stretch>
+        </p:blipFill>
+        <p:spPr>
+          <a:xfrm>
+            <a:off x="6115774" y="2737572"/>
+            <a:ext cx="2805630" cy="1655322"/>
+          </a:xfrm>
+          <a:prstGeom prst="rect">
+            <a:avLst/>
+          </a:prstGeom>
+        </p:spPr>
+      </p:pic>
+    </p:spTree>
+    <p:extLst>
+      <p:ext uri="{BB962C8B-B14F-4D97-AF65-F5344CB8AC3E}">
+        <p14:creationId xmlns:p14="http://schemas.microsoft.com/office/powerpoint/2010/main" val="3988157790"/>
+      </p:ext>
+    </p:extLst>
+  </p:cSld>
+  <p:clrMapOvr>
+    <a:masterClrMapping/>
+  </p:clrMapOvr>
+  <p:timing>
+    <p:tnLst>
+      <p:par>
+        <p:cTn id="1" dur="indefinite" restart="never" nodeType="tmRoot"/>
+      </p:par>
+    </p:tnLst>
+  </p:timing>
+</p:sld>
+</file>
+
+<file path=ppt/slides/slide12.xml><?xml version="1.0" encoding="utf-8"?>
 <p:sld xmlns:a="http://schemas.openxmlformats.org/drawingml/2006/main" xmlns:r="http://schemas.openxmlformats.org/officeDocument/2006/relationships" xmlns:p="http://schemas.openxmlformats.org/presentationml/2006/main">
   <p:cSld>
     <p:spTree>
@@ -11973,7 +13080,7 @@
 </p:sld>
 </file>
 
-<file path=ppt/slides/slide11.xml><?xml version="1.0" encoding="utf-8"?>
+<file path=ppt/slides/slide13.xml><?xml version="1.0" encoding="utf-8"?>
 <p:sld xmlns:a="http://schemas.openxmlformats.org/drawingml/2006/main" xmlns:r="http://schemas.openxmlformats.org/officeDocument/2006/relationships" xmlns:p="http://schemas.openxmlformats.org/presentationml/2006/main">
   <p:cSld>
     <p:spTree>
@@ -13936,96 +15043,53 @@
           <a:lstStyle/>
           <a:p>
             <a:r>
-              <a:rPr lang="en-US" altLang="zh-CN" dirty="0" err="1" smtClean="0"/>
-              <a:t>GitHub</a:t>
-            </a:r>
-            <a:r>
-              <a:rPr lang="en-US" altLang="zh-CN" dirty="0" smtClean="0"/>
+              <a:rPr lang="en-US" altLang="zh-CN" dirty="0" err="1"/>
+              <a:t>Git</a:t>
+            </a:r>
+            <a:r>
+              <a:rPr lang="en-US" altLang="zh-CN" dirty="0"/>
               <a:t> </a:t>
             </a:r>
             <a:r>
-              <a:rPr lang="zh-CN" altLang="en-US" dirty="0" smtClean="0"/>
+              <a:rPr lang="zh-CN" altLang="en-US" dirty="0"/>
               <a:t>基础</a:t>
-            </a:r>
-            <a:endParaRPr lang="zh-CN" altLang="en-US" dirty="0"/>
-          </a:p>
-        </p:txBody>
-      </p:sp>
-      <p:sp>
-        <p:nvSpPr>
-          <p:cNvPr id="3" name="内容占位符 2"/>
-          <p:cNvSpPr>
-            <a:spLocks noGrp="1"/>
-          </p:cNvSpPr>
-          <p:nvPr>
-            <p:ph idx="1"/>
-          </p:nvPr>
-        </p:nvSpPr>
-        <p:spPr/>
-        <p:txBody>
-          <a:bodyPr/>
-          <a:lstStyle/>
-          <a:p>
-            <a:pPr marL="0" indent="0">
-              <a:buNone/>
-            </a:pPr>
-            <a:r>
-              <a:rPr lang="zh-CN" altLang="en-US" dirty="0" smtClean="0"/>
-              <a:t>什么是</a:t>
-            </a:r>
-            <a:r>
-              <a:rPr lang="en-US" altLang="zh-CN" dirty="0" err="1" smtClean="0"/>
-              <a:t>GitHub</a:t>
-            </a:r>
-            <a:r>
-              <a:rPr lang="en-US" altLang="zh-CN" dirty="0" smtClean="0"/>
-              <a:t>?</a:t>
-            </a:r>
-          </a:p>
-          <a:p>
-            <a:pPr marL="0" indent="0">
-              <a:buNone/>
-            </a:pPr>
-            <a:r>
-              <a:rPr lang="en-US" altLang="zh-CN" sz="2400" dirty="0" err="1"/>
-              <a:t>GitHub</a:t>
-            </a:r>
-            <a:r>
-              <a:rPr lang="zh-CN" altLang="en-US" sz="2400" dirty="0"/>
-              <a:t>（网址 </a:t>
-            </a:r>
-            <a:r>
-              <a:rPr lang="en-US" altLang="zh-CN" sz="2400" dirty="0">
-                <a:hlinkClick r:id="rId3"/>
-              </a:rPr>
-              <a:t>https://github.com/</a:t>
-            </a:r>
-            <a:r>
-              <a:rPr lang="zh-CN" altLang="en-US" sz="2400" dirty="0"/>
-              <a:t>）是一个面向开源及私有软件项目的托管平台，因为只支持</a:t>
-            </a:r>
-            <a:r>
-              <a:rPr lang="en-US" altLang="zh-CN" sz="2400" dirty="0" err="1"/>
-              <a:t>Git</a:t>
-            </a:r>
-            <a:r>
-              <a:rPr lang="zh-CN" altLang="en-US" sz="2400" dirty="0"/>
-              <a:t>作为唯一的版本库格式进行托管，故名</a:t>
-            </a:r>
-            <a:r>
-              <a:rPr lang="en-US" altLang="zh-CN" sz="2400" dirty="0" err="1"/>
-              <a:t>GitHub</a:t>
-            </a:r>
-            <a:r>
-              <a:rPr lang="zh-CN" altLang="en-US" sz="2400" dirty="0"/>
-              <a:t>。</a:t>
             </a:r>
           </a:p>
         </p:txBody>
       </p:sp>
       <p:pic>
         <p:nvPicPr>
-          <p:cNvPr id="4" name="图片 3"/>
+          <p:cNvPr id="5" name="图片 4"/>
+          <p:cNvPicPr>
+            <a:picLocks noChangeAspect="1"/>
+          </p:cNvPicPr>
+          <p:nvPr/>
+        </p:nvPicPr>
+        <p:blipFill>
+          <a:blip r:embed="rId3">
+            <a:extLst>
+              <a:ext uri="{28A0092B-C50C-407E-A947-70E740481C1C}">
+                <a14:useLocalDpi xmlns:a14="http://schemas.microsoft.com/office/drawing/2010/main" val="0"/>
+              </a:ext>
+            </a:extLst>
+          </a:blip>
+          <a:stretch>
+            <a:fillRect/>
+          </a:stretch>
+        </p:blipFill>
+        <p:spPr>
+          <a:xfrm>
+            <a:off x="0" y="1916832"/>
+            <a:ext cx="3047748" cy="1529970"/>
+          </a:xfrm>
+          <a:prstGeom prst="rect">
+            <a:avLst/>
+          </a:prstGeom>
+        </p:spPr>
+      </p:pic>
+      <p:pic>
+        <p:nvPicPr>
+          <p:cNvPr id="6" name="图片 5"/>
           <p:cNvPicPr>
             <a:picLocks noChangeAspect="1"/>
           </p:cNvPicPr>
@@ -14045,29 +15109,227 @@
         </p:blipFill>
         <p:spPr>
           <a:xfrm>
-            <a:off x="922965" y="2132856"/>
-            <a:ext cx="7619048" cy="4266667"/>
+            <a:off x="3215752" y="2002169"/>
+            <a:ext cx="2712496" cy="1359296"/>
           </a:xfrm>
           <a:prstGeom prst="rect">
             <a:avLst/>
           </a:prstGeom>
         </p:spPr>
       </p:pic>
+      <p:pic>
+        <p:nvPicPr>
+          <p:cNvPr id="7" name="图片 6"/>
+          <p:cNvPicPr>
+            <a:picLocks noChangeAspect="1"/>
+          </p:cNvPicPr>
+          <p:nvPr/>
+        </p:nvPicPr>
+        <p:blipFill>
+          <a:blip r:embed="rId5">
+            <a:extLst>
+              <a:ext uri="{28A0092B-C50C-407E-A947-70E740481C1C}">
+                <a14:useLocalDpi xmlns:a14="http://schemas.microsoft.com/office/drawing/2010/main" val="0"/>
+              </a:ext>
+            </a:extLst>
+          </a:blip>
+          <a:stretch>
+            <a:fillRect/>
+          </a:stretch>
+        </p:blipFill>
+        <p:spPr>
+          <a:xfrm>
+            <a:off x="6160977" y="1495815"/>
+            <a:ext cx="2712496" cy="1889604"/>
+          </a:xfrm>
+          <a:prstGeom prst="rect">
+            <a:avLst/>
+          </a:prstGeom>
+        </p:spPr>
+      </p:pic>
+      <p:pic>
+        <p:nvPicPr>
+          <p:cNvPr id="8" name="图片 7"/>
+          <p:cNvPicPr>
+            <a:picLocks noChangeAspect="1"/>
+          </p:cNvPicPr>
+          <p:nvPr/>
+        </p:nvPicPr>
+        <p:blipFill>
+          <a:blip r:embed="rId6">
+            <a:extLst>
+              <a:ext uri="{28A0092B-C50C-407E-A947-70E740481C1C}">
+                <a14:useLocalDpi xmlns:a14="http://schemas.microsoft.com/office/drawing/2010/main" val="0"/>
+              </a:ext>
+            </a:extLst>
+          </a:blip>
+          <a:stretch>
+            <a:fillRect/>
+          </a:stretch>
+        </p:blipFill>
+        <p:spPr>
+          <a:xfrm>
+            <a:off x="6484038" y="4653136"/>
+            <a:ext cx="2389435" cy="1889604"/>
+          </a:xfrm>
+          <a:prstGeom prst="rect">
+            <a:avLst/>
+          </a:prstGeom>
+        </p:spPr>
+      </p:pic>
+      <p:pic>
+        <p:nvPicPr>
+          <p:cNvPr id="9" name="图片 8"/>
+          <p:cNvPicPr>
+            <a:picLocks noChangeAspect="1"/>
+          </p:cNvPicPr>
+          <p:nvPr/>
+        </p:nvPicPr>
+        <p:blipFill>
+          <a:blip r:embed="rId7">
+            <a:extLst>
+              <a:ext uri="{28A0092B-C50C-407E-A947-70E740481C1C}">
+                <a14:useLocalDpi xmlns:a14="http://schemas.microsoft.com/office/drawing/2010/main" val="0"/>
+              </a:ext>
+            </a:extLst>
+          </a:blip>
+          <a:stretch>
+            <a:fillRect/>
+          </a:stretch>
+        </p:blipFill>
+        <p:spPr>
+          <a:xfrm>
+            <a:off x="3198984" y="4703929"/>
+            <a:ext cx="3047748" cy="1749407"/>
+          </a:xfrm>
+          <a:prstGeom prst="rect">
+            <a:avLst/>
+          </a:prstGeom>
+        </p:spPr>
+      </p:pic>
+      <p:pic>
+        <p:nvPicPr>
+          <p:cNvPr id="10" name="图片 9"/>
+          <p:cNvPicPr>
+            <a:picLocks noChangeAspect="1"/>
+          </p:cNvPicPr>
+          <p:nvPr/>
+        </p:nvPicPr>
+        <p:blipFill>
+          <a:blip r:embed="rId8">
+            <a:extLst>
+              <a:ext uri="{28A0092B-C50C-407E-A947-70E740481C1C}">
+                <a14:useLocalDpi xmlns:a14="http://schemas.microsoft.com/office/drawing/2010/main" val="0"/>
+              </a:ext>
+            </a:extLst>
+          </a:blip>
+          <a:stretch>
+            <a:fillRect/>
+          </a:stretch>
+        </p:blipFill>
+        <p:spPr>
+          <a:xfrm>
+            <a:off x="17466" y="4210428"/>
+            <a:ext cx="3047748" cy="1749407"/>
+          </a:xfrm>
+          <a:prstGeom prst="rect">
+            <a:avLst/>
+          </a:prstGeom>
+        </p:spPr>
+      </p:pic>
+      <p:sp>
+        <p:nvSpPr>
+          <p:cNvPr id="14" name="右弧形箭头 13"/>
+          <p:cNvSpPr/>
+          <p:nvPr/>
+        </p:nvSpPr>
+        <p:spPr>
+          <a:xfrm>
+            <a:off x="6804248" y="3446802"/>
+            <a:ext cx="1296144" cy="1062318"/>
+          </a:xfrm>
+          <a:prstGeom prst="curvedLeftArrow">
+            <a:avLst/>
+          </a:prstGeom>
+        </p:spPr>
+        <p:style>
+          <a:lnRef idx="2">
+            <a:schemeClr val="accent1">
+              <a:shade val="50000"/>
+            </a:schemeClr>
+          </a:lnRef>
+          <a:fillRef idx="1">
+            <a:schemeClr val="accent1"/>
+          </a:fillRef>
+          <a:effectRef idx="0">
+            <a:schemeClr val="accent1"/>
+          </a:effectRef>
+          <a:fontRef idx="minor">
+            <a:schemeClr val="lt1"/>
+          </a:fontRef>
+        </p:style>
+        <p:txBody>
+          <a:bodyPr rtlCol="0" anchor="ctr"/>
+          <a:lstStyle/>
+          <a:p>
+            <a:pPr algn="ctr"/>
+            <a:endParaRPr lang="zh-CN" altLang="en-US">
+              <a:solidFill>
+                <a:schemeClr val="tx1"/>
+              </a:solidFill>
+            </a:endParaRPr>
+          </a:p>
+        </p:txBody>
+      </p:sp>
+      <p:sp>
+        <p:nvSpPr>
+          <p:cNvPr id="15" name="TextBox 14"/>
+          <p:cNvSpPr txBox="1"/>
+          <p:nvPr/>
+        </p:nvSpPr>
+        <p:spPr>
+          <a:xfrm>
+            <a:off x="504595" y="1311993"/>
+            <a:ext cx="1656184" cy="584775"/>
+          </a:xfrm>
+          <a:prstGeom prst="rect">
+            <a:avLst/>
+          </a:prstGeom>
+          <a:noFill/>
+        </p:spPr>
+        <p:txBody>
+          <a:bodyPr wrap="square" rtlCol="0">
+            <a:spAutoFit/>
+          </a:bodyPr>
+          <a:lstStyle/>
+          <a:p>
+            <a:r>
+              <a:rPr lang="en-US" altLang="zh-CN" sz="3200" dirty="0" err="1" smtClean="0"/>
+              <a:t>Git</a:t>
+            </a:r>
+            <a:r>
+              <a:rPr lang="zh-CN" altLang="en-US" sz="3200" dirty="0" smtClean="0"/>
+              <a:t>分支</a:t>
+            </a:r>
+            <a:endParaRPr lang="zh-CN" altLang="en-US" sz="3200" dirty="0"/>
+          </a:p>
+        </p:txBody>
+      </p:sp>
     </p:spTree>
     <p:extLst>
       <p:ext uri="{BB962C8B-B14F-4D97-AF65-F5344CB8AC3E}">
-        <p14:creationId xmlns:p14="http://schemas.microsoft.com/office/powerpoint/2010/main" val="2658713978"/>
+        <p14:creationId xmlns:p14="http://schemas.microsoft.com/office/powerpoint/2010/main" val="3753750527"/>
       </p:ext>
     </p:extLst>
   </p:cSld>
   <p:clrMapOvr>
     <a:masterClrMapping/>
   </p:clrMapOvr>
-  <mc:AlternateContent xmlns:mc="http://schemas.openxmlformats.org/markup-compatibility/2006" xmlns:p14="http://schemas.microsoft.com/office/powerpoint/2010/main">
-    <mc:Choice Requires="p14">
+  <mc:AlternateContent xmlns:mc="http://schemas.openxmlformats.org/markup-compatibility/2006">
+    <mc:Choice xmlns:p14="http://schemas.microsoft.com/office/powerpoint/2010/main" Requires="p14">
       <p:transition p14:dur="0"/>
     </mc:Choice>
-    <mc:Fallback xmlns="">
+    <mc:Fallback>
       <p:transition/>
     </mc:Fallback>
   </mc:AlternateContent>
@@ -14092,7 +15354,7 @@
                             </p:stCondLst>
                             <p:childTnLst>
                               <p:par>
-                                <p:cTn id="5" presetID="42" presetClass="entr" presetSubtype="0" fill="hold" nodeType="clickEffect">
+                                <p:cTn id="5" presetID="10" presetClass="entr" presetSubtype="0" fill="hold" nodeType="clickEffect">
                                   <p:stCondLst>
                                     <p:cond delay="0"/>
                                   </p:stCondLst>
@@ -14105,11 +15367,7 @@
                                           </p:stCondLst>
                                         </p:cTn>
                                         <p:tgtEl>
-                                          <p:spTgt spid="3">
-                                            <p:txEl>
-                                              <p:pRg st="1" end="1"/>
-                                            </p:txEl>
-                                          </p:spTgt>
+                                          <p:spTgt spid="5"/>
                                         </p:tgtEl>
                                         <p:attrNameLst>
                                           <p:attrName>style.visibility</p:attrName>
@@ -14121,70 +15379,12 @@
                                     </p:set>
                                     <p:animEffect transition="in" filter="fade">
                                       <p:cBhvr>
-                                        <p:cTn id="7" dur="1000"/>
+                                        <p:cTn id="7" dur="500"/>
                                         <p:tgtEl>
-                                          <p:spTgt spid="3">
-                                            <p:txEl>
-                                              <p:pRg st="1" end="1"/>
-                                            </p:txEl>
-                                          </p:spTgt>
+                                          <p:spTgt spid="5"/>
                                         </p:tgtEl>
                                       </p:cBhvr>
                                     </p:animEffect>
-                                    <p:anim calcmode="lin" valueType="num">
-                                      <p:cBhvr>
-                                        <p:cTn id="8" dur="1000" fill="hold"/>
-                                        <p:tgtEl>
-                                          <p:spTgt spid="3">
-                                            <p:txEl>
-                                              <p:pRg st="1" end="1"/>
-                                            </p:txEl>
-                                          </p:spTgt>
-                                        </p:tgtEl>
-                                        <p:attrNameLst>
-                                          <p:attrName>ppt_x</p:attrName>
-                                        </p:attrNameLst>
-                                      </p:cBhvr>
-                                      <p:tavLst>
-                                        <p:tav tm="0">
-                                          <p:val>
-                                            <p:strVal val="#ppt_x"/>
-                                          </p:val>
-                                        </p:tav>
-                                        <p:tav tm="100000">
-                                          <p:val>
-                                            <p:strVal val="#ppt_x"/>
-                                          </p:val>
-                                        </p:tav>
-                                      </p:tavLst>
-                                    </p:anim>
-                                    <p:anim calcmode="lin" valueType="num">
-                                      <p:cBhvr>
-                                        <p:cTn id="9" dur="1000" fill="hold"/>
-                                        <p:tgtEl>
-                                          <p:spTgt spid="3">
-                                            <p:txEl>
-                                              <p:pRg st="1" end="1"/>
-                                            </p:txEl>
-                                          </p:spTgt>
-                                        </p:tgtEl>
-                                        <p:attrNameLst>
-                                          <p:attrName>ppt_y</p:attrName>
-                                        </p:attrNameLst>
-                                      </p:cBhvr>
-                                      <p:tavLst>
-                                        <p:tav tm="0">
-                                          <p:val>
-                                            <p:strVal val="#ppt_y+.1"/>
-                                          </p:val>
-                                        </p:tav>
-                                        <p:tav tm="100000">
-                                          <p:val>
-                                            <p:strVal val="#ppt_y"/>
-                                          </p:val>
-                                        </p:tav>
-                                      </p:tavLst>
-                                    </p:anim>
                                   </p:childTnLst>
                                 </p:cTn>
                               </p:par>
@@ -14195,32 +15395,32 @@
                     </p:cTn>
                   </p:par>
                   <p:par>
-                    <p:cTn id="10" fill="hold">
+                    <p:cTn id="8" fill="hold">
                       <p:stCondLst>
                         <p:cond delay="indefinite"/>
                       </p:stCondLst>
                       <p:childTnLst>
                         <p:par>
-                          <p:cTn id="11" fill="hold">
+                          <p:cTn id="9" fill="hold">
                             <p:stCondLst>
                               <p:cond delay="0"/>
                             </p:stCondLst>
                             <p:childTnLst>
                               <p:par>
-                                <p:cTn id="12" presetID="16" presetClass="entr" presetSubtype="21" fill="hold" nodeType="clickEffect">
+                                <p:cTn id="10" presetID="10" presetClass="entr" presetSubtype="0" fill="hold" nodeType="clickEffect">
                                   <p:stCondLst>
                                     <p:cond delay="0"/>
                                   </p:stCondLst>
                                   <p:childTnLst>
                                     <p:set>
                                       <p:cBhvr>
-                                        <p:cTn id="13" dur="1" fill="hold">
+                                        <p:cTn id="11" dur="1" fill="hold">
                                           <p:stCondLst>
                                             <p:cond delay="0"/>
                                           </p:stCondLst>
                                         </p:cTn>
                                         <p:tgtEl>
-                                          <p:spTgt spid="4"/>
+                                          <p:spTgt spid="6"/>
                                         </p:tgtEl>
                                         <p:attrNameLst>
                                           <p:attrName>style.visibility</p:attrName>
@@ -14230,11 +15430,276 @@
                                         <p:strVal val="visible"/>
                                       </p:to>
                                     </p:set>
-                                    <p:animEffect transition="in" filter="barn(inVertical)">
+                                    <p:animEffect transition="in" filter="fade">
                                       <p:cBhvr>
-                                        <p:cTn id="14" dur="500"/>
+                                        <p:cTn id="12" dur="500"/>
                                         <p:tgtEl>
-                                          <p:spTgt spid="4"/>
+                                          <p:spTgt spid="6"/>
+                                        </p:tgtEl>
+                                      </p:cBhvr>
+                                    </p:animEffect>
+                                  </p:childTnLst>
+                                </p:cTn>
+                              </p:par>
+                            </p:childTnLst>
+                          </p:cTn>
+                        </p:par>
+                      </p:childTnLst>
+                    </p:cTn>
+                  </p:par>
+                  <p:par>
+                    <p:cTn id="13" fill="hold">
+                      <p:stCondLst>
+                        <p:cond delay="indefinite"/>
+                      </p:stCondLst>
+                      <p:childTnLst>
+                        <p:par>
+                          <p:cTn id="14" fill="hold">
+                            <p:stCondLst>
+                              <p:cond delay="0"/>
+                            </p:stCondLst>
+                            <p:childTnLst>
+                              <p:par>
+                                <p:cTn id="15" presetID="10" presetClass="entr" presetSubtype="0" fill="hold" nodeType="clickEffect">
+                                  <p:stCondLst>
+                                    <p:cond delay="0"/>
+                                  </p:stCondLst>
+                                  <p:childTnLst>
+                                    <p:set>
+                                      <p:cBhvr>
+                                        <p:cTn id="16" dur="1" fill="hold">
+                                          <p:stCondLst>
+                                            <p:cond delay="0"/>
+                                          </p:stCondLst>
+                                        </p:cTn>
+                                        <p:tgtEl>
+                                          <p:spTgt spid="7"/>
+                                        </p:tgtEl>
+                                        <p:attrNameLst>
+                                          <p:attrName>style.visibility</p:attrName>
+                                        </p:attrNameLst>
+                                      </p:cBhvr>
+                                      <p:to>
+                                        <p:strVal val="visible"/>
+                                      </p:to>
+                                    </p:set>
+                                    <p:animEffect transition="in" filter="fade">
+                                      <p:cBhvr>
+                                        <p:cTn id="17" dur="500"/>
+                                        <p:tgtEl>
+                                          <p:spTgt spid="7"/>
+                                        </p:tgtEl>
+                                      </p:cBhvr>
+                                    </p:animEffect>
+                                  </p:childTnLst>
+                                </p:cTn>
+                              </p:par>
+                            </p:childTnLst>
+                          </p:cTn>
+                        </p:par>
+                      </p:childTnLst>
+                    </p:cTn>
+                  </p:par>
+                  <p:par>
+                    <p:cTn id="18" fill="hold">
+                      <p:stCondLst>
+                        <p:cond delay="indefinite"/>
+                      </p:stCondLst>
+                      <p:childTnLst>
+                        <p:par>
+                          <p:cTn id="19" fill="hold">
+                            <p:stCondLst>
+                              <p:cond delay="0"/>
+                            </p:stCondLst>
+                            <p:childTnLst>
+                              <p:par>
+                                <p:cTn id="20" presetID="10" presetClass="entr" presetSubtype="0" fill="hold" grpId="0" nodeType="clickEffect">
+                                  <p:stCondLst>
+                                    <p:cond delay="0"/>
+                                  </p:stCondLst>
+                                  <p:childTnLst>
+                                    <p:set>
+                                      <p:cBhvr>
+                                        <p:cTn id="21" dur="1" fill="hold">
+                                          <p:stCondLst>
+                                            <p:cond delay="0"/>
+                                          </p:stCondLst>
+                                        </p:cTn>
+                                        <p:tgtEl>
+                                          <p:spTgt spid="14"/>
+                                        </p:tgtEl>
+                                        <p:attrNameLst>
+                                          <p:attrName>style.visibility</p:attrName>
+                                        </p:attrNameLst>
+                                      </p:cBhvr>
+                                      <p:to>
+                                        <p:strVal val="visible"/>
+                                      </p:to>
+                                    </p:set>
+                                    <p:animEffect transition="in" filter="fade">
+                                      <p:cBhvr>
+                                        <p:cTn id="22" dur="500"/>
+                                        <p:tgtEl>
+                                          <p:spTgt spid="14"/>
+                                        </p:tgtEl>
+                                      </p:cBhvr>
+                                    </p:animEffect>
+                                  </p:childTnLst>
+                                </p:cTn>
+                              </p:par>
+                            </p:childTnLst>
+                          </p:cTn>
+                        </p:par>
+                      </p:childTnLst>
+                    </p:cTn>
+                  </p:par>
+                  <p:par>
+                    <p:cTn id="23" fill="hold">
+                      <p:stCondLst>
+                        <p:cond delay="indefinite"/>
+                      </p:stCondLst>
+                      <p:childTnLst>
+                        <p:par>
+                          <p:cTn id="24" fill="hold">
+                            <p:stCondLst>
+                              <p:cond delay="0"/>
+                            </p:stCondLst>
+                            <p:childTnLst>
+                              <p:par>
+                                <p:cTn id="25" presetID="10" presetClass="entr" presetSubtype="0" fill="hold" nodeType="clickEffect">
+                                  <p:stCondLst>
+                                    <p:cond delay="0"/>
+                                  </p:stCondLst>
+                                  <p:childTnLst>
+                                    <p:set>
+                                      <p:cBhvr>
+                                        <p:cTn id="26" dur="1" fill="hold">
+                                          <p:stCondLst>
+                                            <p:cond delay="0"/>
+                                          </p:stCondLst>
+                                        </p:cTn>
+                                        <p:tgtEl>
+                                          <p:spTgt spid="8"/>
+                                        </p:tgtEl>
+                                        <p:attrNameLst>
+                                          <p:attrName>style.visibility</p:attrName>
+                                        </p:attrNameLst>
+                                      </p:cBhvr>
+                                      <p:to>
+                                        <p:strVal val="visible"/>
+                                      </p:to>
+                                    </p:set>
+                                    <p:animEffect transition="in" filter="fade">
+                                      <p:cBhvr>
+                                        <p:cTn id="27" dur="500"/>
+                                        <p:tgtEl>
+                                          <p:spTgt spid="8"/>
+                                        </p:tgtEl>
+                                      </p:cBhvr>
+                                    </p:animEffect>
+                                  </p:childTnLst>
+                                </p:cTn>
+                              </p:par>
+                            </p:childTnLst>
+                          </p:cTn>
+                        </p:par>
+                      </p:childTnLst>
+                    </p:cTn>
+                  </p:par>
+                  <p:par>
+                    <p:cTn id="28" fill="hold">
+                      <p:stCondLst>
+                        <p:cond delay="indefinite"/>
+                      </p:stCondLst>
+                      <p:childTnLst>
+                        <p:par>
+                          <p:cTn id="29" fill="hold">
+                            <p:stCondLst>
+                              <p:cond delay="0"/>
+                            </p:stCondLst>
+                            <p:childTnLst>
+                              <p:par>
+                                <p:cTn id="30" presetID="10" presetClass="entr" presetSubtype="0" fill="hold" nodeType="clickEffect">
+                                  <p:stCondLst>
+                                    <p:cond delay="0"/>
+                                  </p:stCondLst>
+                                  <p:childTnLst>
+                                    <p:set>
+                                      <p:cBhvr>
+                                        <p:cTn id="31" dur="1" fill="hold">
+                                          <p:stCondLst>
+                                            <p:cond delay="0"/>
+                                          </p:stCondLst>
+                                        </p:cTn>
+                                        <p:tgtEl>
+                                          <p:spTgt spid="9"/>
+                                        </p:tgtEl>
+                                        <p:attrNameLst>
+                                          <p:attrName>style.visibility</p:attrName>
+                                        </p:attrNameLst>
+                                      </p:cBhvr>
+                                      <p:to>
+                                        <p:strVal val="visible"/>
+                                      </p:to>
+                                    </p:set>
+                                    <p:animEffect transition="in" filter="fade">
+                                      <p:cBhvr>
+                                        <p:cTn id="32" dur="500"/>
+                                        <p:tgtEl>
+                                          <p:spTgt spid="9"/>
+                                        </p:tgtEl>
+                                      </p:cBhvr>
+                                    </p:animEffect>
+                                  </p:childTnLst>
+                                </p:cTn>
+                              </p:par>
+                            </p:childTnLst>
+                          </p:cTn>
+                        </p:par>
+                      </p:childTnLst>
+                    </p:cTn>
+                  </p:par>
+                  <p:par>
+                    <p:cTn id="33" fill="hold">
+                      <p:stCondLst>
+                        <p:cond delay="indefinite"/>
+                      </p:stCondLst>
+                      <p:childTnLst>
+                        <p:par>
+                          <p:cTn id="34" fill="hold">
+                            <p:stCondLst>
+                              <p:cond delay="0"/>
+                            </p:stCondLst>
+                            <p:childTnLst>
+                              <p:par>
+                                <p:cTn id="35" presetID="10" presetClass="entr" presetSubtype="0" fill="hold" nodeType="clickEffect">
+                                  <p:stCondLst>
+                                    <p:cond delay="0"/>
+                                  </p:stCondLst>
+                                  <p:childTnLst>
+                                    <p:set>
+                                      <p:cBhvr>
+                                        <p:cTn id="36" dur="1" fill="hold">
+                                          <p:stCondLst>
+                                            <p:cond delay="0"/>
+                                          </p:stCondLst>
+                                        </p:cTn>
+                                        <p:tgtEl>
+                                          <p:spTgt spid="10"/>
+                                        </p:tgtEl>
+                                        <p:attrNameLst>
+                                          <p:attrName>style.visibility</p:attrName>
+                                        </p:attrNameLst>
+                                      </p:cBhvr>
+                                      <p:to>
+                                        <p:strVal val="visible"/>
+                                      </p:to>
+                                    </p:set>
+                                    <p:animEffect transition="in" filter="fade">
+                                      <p:cBhvr>
+                                        <p:cTn id="37" dur="500"/>
+                                        <p:tgtEl>
+                                          <p:spTgt spid="10"/>
                                         </p:tgtEl>
                                       </p:cBhvr>
                                     </p:animEffect>
@@ -14268,6 +15733,9 @@
         </p:cTn>
       </p:par>
     </p:tnLst>
+    <p:bldLst>
+      <p:bldP spid="14" grpId="0" animBg="1"/>
+    </p:bldLst>
   </p:timing>
 </p:sld>
 </file>
@@ -14306,7 +15774,7 @@
           <a:p>
             <a:r>
               <a:rPr lang="en-US" altLang="zh-CN" dirty="0" err="1"/>
-              <a:t>GitHub</a:t>
+              <a:t>Git</a:t>
             </a:r>
             <a:r>
               <a:rPr lang="en-US" altLang="zh-CN" dirty="0"/>
@@ -14319,100 +15787,150 @@
           </a:p>
         </p:txBody>
       </p:sp>
-      <p:pic>
-        <p:nvPicPr>
-          <p:cNvPr id="8" name="图片 7"/>
-          <p:cNvPicPr>
-            <a:picLocks noChangeAspect="1"/>
-          </p:cNvPicPr>
-          <p:nvPr/>
-        </p:nvPicPr>
-        <p:blipFill>
-          <a:blip r:embed="rId3" cstate="print">
-            <a:extLst>
-              <a:ext uri="{28A0092B-C50C-407E-A947-70E740481C1C}">
-                <a14:useLocalDpi xmlns:a14="http://schemas.microsoft.com/office/drawing/2010/main" val="0"/>
-              </a:ext>
-            </a:extLst>
-          </a:blip>
-          <a:stretch>
-            <a:fillRect/>
-          </a:stretch>
-        </p:blipFill>
-        <p:spPr>
-          <a:xfrm>
-            <a:off x="251520" y="2717507"/>
-            <a:ext cx="2880320" cy="1675387"/>
-          </a:xfrm>
-          <a:prstGeom prst="rect">
-            <a:avLst/>
-          </a:prstGeom>
-        </p:spPr>
-      </p:pic>
-      <p:pic>
-        <p:nvPicPr>
-          <p:cNvPr id="9" name="图片 8"/>
-          <p:cNvPicPr>
-            <a:picLocks noChangeAspect="1"/>
-          </p:cNvPicPr>
-          <p:nvPr/>
-        </p:nvPicPr>
-        <p:blipFill>
-          <a:blip r:embed="rId4" cstate="print">
-            <a:extLst>
-              <a:ext uri="{28A0092B-C50C-407E-A947-70E740481C1C}">
-                <a14:useLocalDpi xmlns:a14="http://schemas.microsoft.com/office/drawing/2010/main" val="0"/>
-              </a:ext>
-            </a:extLst>
-          </a:blip>
-          <a:stretch>
-            <a:fillRect/>
-          </a:stretch>
-        </p:blipFill>
-        <p:spPr>
-          <a:xfrm>
-            <a:off x="3131840" y="2694097"/>
-            <a:ext cx="2784913" cy="1698797"/>
-          </a:xfrm>
-          <a:prstGeom prst="rect">
-            <a:avLst/>
-          </a:prstGeom>
-        </p:spPr>
-      </p:pic>
-      <p:pic>
-        <p:nvPicPr>
-          <p:cNvPr id="10" name="图片 9"/>
-          <p:cNvPicPr>
-            <a:picLocks noChangeAspect="1"/>
-          </p:cNvPicPr>
-          <p:nvPr/>
-        </p:nvPicPr>
-        <p:blipFill>
-          <a:blip r:embed="rId5" cstate="print">
-            <a:extLst>
-              <a:ext uri="{28A0092B-C50C-407E-A947-70E740481C1C}">
-                <a14:useLocalDpi xmlns:a14="http://schemas.microsoft.com/office/drawing/2010/main" val="0"/>
-              </a:ext>
-            </a:extLst>
-          </a:blip>
-          <a:stretch>
-            <a:fillRect/>
-          </a:stretch>
-        </p:blipFill>
-        <p:spPr>
-          <a:xfrm>
-            <a:off x="6115774" y="2737572"/>
-            <a:ext cx="2805630" cy="1655322"/>
-          </a:xfrm>
-          <a:prstGeom prst="rect">
-            <a:avLst/>
-          </a:prstGeom>
-        </p:spPr>
-      </p:pic>
+      <p:sp>
+        <p:nvSpPr>
+          <p:cNvPr id="3" name="内容占位符 2"/>
+          <p:cNvSpPr>
+            <a:spLocks noGrp="1"/>
+          </p:cNvSpPr>
+          <p:nvPr>
+            <p:ph idx="1"/>
+          </p:nvPr>
+        </p:nvSpPr>
+        <p:spPr/>
+        <p:txBody>
+          <a:bodyPr>
+            <a:normAutofit/>
+          </a:bodyPr>
+          <a:lstStyle/>
+          <a:p>
+            <a:pPr marL="0" indent="0">
+              <a:buNone/>
+            </a:pPr>
+            <a:r>
+              <a:rPr lang="zh-CN" altLang="en-US" sz="2000" dirty="0" smtClean="0"/>
+              <a:t>实际</a:t>
+            </a:r>
+            <a:r>
+              <a:rPr lang="zh-CN" altLang="en-US" sz="2000" dirty="0"/>
+              <a:t>工作中大体也会用到这样的工作流程：</a:t>
+            </a:r>
+          </a:p>
+          <a:p>
+            <a:pPr marL="457200" indent="-457200">
+              <a:buAutoNum type="arabicPeriod"/>
+            </a:pPr>
+            <a:r>
+              <a:rPr lang="zh-CN" altLang="en-US" sz="2000" dirty="0" smtClean="0"/>
+              <a:t>开发</a:t>
+            </a:r>
+            <a:r>
+              <a:rPr lang="zh-CN" altLang="en-US" sz="2000" dirty="0"/>
+              <a:t>某个网站。 </a:t>
+            </a:r>
+            <a:r>
+              <a:rPr lang="en-US" altLang="zh-CN" sz="2000" dirty="0"/>
+              <a:t>2. </a:t>
+            </a:r>
+            <a:r>
+              <a:rPr lang="zh-CN" altLang="en-US" sz="2000" dirty="0"/>
+              <a:t>为实现某个新的需求，创建一个分支。 </a:t>
+            </a:r>
+            <a:r>
+              <a:rPr lang="en-US" altLang="zh-CN" sz="2000" dirty="0"/>
+              <a:t>3. </a:t>
+            </a:r>
+            <a:r>
+              <a:rPr lang="zh-CN" altLang="en-US" sz="2000" dirty="0"/>
+              <a:t>在这个分支上开展工作</a:t>
+            </a:r>
+            <a:r>
+              <a:rPr lang="zh-CN" altLang="en-US" sz="2000" dirty="0" smtClean="0"/>
+              <a:t>。</a:t>
+            </a:r>
+            <a:endParaRPr lang="en-US" altLang="zh-CN" sz="2000" dirty="0" smtClean="0"/>
+          </a:p>
+          <a:p>
+            <a:pPr marL="0" indent="0">
+              <a:buNone/>
+            </a:pPr>
+            <a:endParaRPr lang="zh-CN" altLang="en-US" sz="2000" dirty="0"/>
+          </a:p>
+          <a:p>
+            <a:pPr marL="0" indent="0">
+              <a:buNone/>
+            </a:pPr>
+            <a:r>
+              <a:rPr lang="zh-CN" altLang="en-US" sz="2000" dirty="0"/>
+              <a:t>假设此时，你突然接到一个电话说有个很严重的问题需要紧急修补，那么可以按照下面的方式处理：</a:t>
+            </a:r>
+          </a:p>
+          <a:p>
+            <a:pPr marL="457200" indent="-457200">
+              <a:buAutoNum type="arabicPeriod"/>
+            </a:pPr>
+            <a:r>
+              <a:rPr lang="zh-CN" altLang="en-US" sz="2000" dirty="0" smtClean="0"/>
+              <a:t>返回</a:t>
+            </a:r>
+            <a:r>
+              <a:rPr lang="zh-CN" altLang="en-US" sz="2000" dirty="0"/>
+              <a:t>到原先已经发布到生产服务器上的分支。 </a:t>
+            </a:r>
+            <a:endParaRPr lang="en-US" altLang="zh-CN" sz="2000" dirty="0" smtClean="0"/>
+          </a:p>
+          <a:p>
+            <a:pPr marL="457200" indent="-457200">
+              <a:buAutoNum type="arabicPeriod"/>
+            </a:pPr>
+            <a:r>
+              <a:rPr lang="en-US" altLang="zh-CN" sz="2000" dirty="0" smtClean="0"/>
+              <a:t> </a:t>
+            </a:r>
+            <a:r>
+              <a:rPr lang="zh-CN" altLang="en-US" sz="2000" dirty="0"/>
+              <a:t>为这次紧急修补建立一个新分支，并在其中修复问题。 </a:t>
+            </a:r>
+            <a:endParaRPr lang="en-US" altLang="zh-CN" sz="2000" dirty="0" smtClean="0"/>
+          </a:p>
+          <a:p>
+            <a:pPr marL="457200" indent="-457200">
+              <a:buAutoNum type="arabicPeriod"/>
+            </a:pPr>
+            <a:r>
+              <a:rPr lang="zh-CN" altLang="en-US" sz="2000" dirty="0" smtClean="0"/>
+              <a:t>通过</a:t>
+            </a:r>
+            <a:r>
+              <a:rPr lang="zh-CN" altLang="en-US" sz="2000" dirty="0"/>
+              <a:t>测试后，回到生产服务器所在的分支，将修补分支合并进来，然后再推送到生产服务器上。 </a:t>
+            </a:r>
+            <a:endParaRPr lang="en-US" altLang="zh-CN" sz="2000" dirty="0" smtClean="0"/>
+          </a:p>
+          <a:p>
+            <a:pPr marL="457200" indent="-457200">
+              <a:buAutoNum type="arabicPeriod"/>
+            </a:pPr>
+            <a:r>
+              <a:rPr lang="zh-CN" altLang="en-US" sz="2000" smtClean="0"/>
+              <a:t>切换到</a:t>
+            </a:r>
+            <a:r>
+              <a:rPr lang="zh-CN" altLang="en-US" sz="2000" dirty="0"/>
+              <a:t>之前实现新需求的分支，继续工作</a:t>
+            </a:r>
+            <a:r>
+              <a:rPr lang="zh-CN" altLang="en-US" sz="2000" dirty="0" smtClean="0"/>
+              <a:t>。</a:t>
+            </a:r>
+            <a:endParaRPr lang="zh-CN" altLang="en-US" sz="2000" dirty="0"/>
+          </a:p>
+        </p:txBody>
+      </p:sp>
     </p:spTree>
     <p:extLst>
       <p:ext uri="{BB962C8B-B14F-4D97-AF65-F5344CB8AC3E}">
-        <p14:creationId xmlns:p14="http://schemas.microsoft.com/office/powerpoint/2010/main" val="3988157790"/>
+        <p14:creationId xmlns:p14="http://schemas.microsoft.com/office/powerpoint/2010/main" val="3490021577"/>
       </p:ext>
     </p:extLst>
   </p:cSld>

--- a/Git_Primer.pptx
+++ b/Git_Primer.pptx
@@ -5,7 +5,7 @@
     <p:sldMasterId id="2147483648" r:id="rId1"/>
   </p:sldMasterIdLst>
   <p:notesMasterIdLst>
-    <p:notesMasterId r:id="rId15"/>
+    <p:notesMasterId r:id="rId16"/>
   </p:notesMasterIdLst>
   <p:sldIdLst>
     <p:sldId id="256" r:id="rId2"/>
@@ -17,10 +17,11 @@
     <p:sldId id="273" r:id="rId8"/>
     <p:sldId id="275" r:id="rId9"/>
     <p:sldId id="276" r:id="rId10"/>
-    <p:sldId id="269" r:id="rId11"/>
-    <p:sldId id="274" r:id="rId12"/>
-    <p:sldId id="264" r:id="rId13"/>
-    <p:sldId id="272" r:id="rId14"/>
+    <p:sldId id="277" r:id="rId11"/>
+    <p:sldId id="269" r:id="rId12"/>
+    <p:sldId id="274" r:id="rId13"/>
+    <p:sldId id="264" r:id="rId14"/>
+    <p:sldId id="272" r:id="rId15"/>
   </p:sldIdLst>
   <p:sldSz cx="9144000" cy="6858000" type="screen4x3"/>
   <p:notesSz cx="6858000" cy="9144000"/>
@@ -6376,6 +6377,431 @@
 </p:notes>
 </file>
 
+<file path=ppt/notesSlides/notesSlide10.xml><?xml version="1.0" encoding="utf-8"?>
+<p:notes xmlns:a="http://schemas.openxmlformats.org/drawingml/2006/main" xmlns:r="http://schemas.openxmlformats.org/officeDocument/2006/relationships" xmlns:p="http://schemas.openxmlformats.org/presentationml/2006/main">
+  <p:cSld>
+    <p:spTree>
+      <p:nvGrpSpPr>
+        <p:cNvPr id="1" name=""/>
+        <p:cNvGrpSpPr/>
+        <p:nvPr/>
+      </p:nvGrpSpPr>
+      <p:grpSpPr>
+        <a:xfrm>
+          <a:off x="0" y="0"/>
+          <a:ext cx="0" cy="0"/>
+          <a:chOff x="0" y="0"/>
+          <a:chExt cx="0" cy="0"/>
+        </a:xfrm>
+      </p:grpSpPr>
+      <p:sp>
+        <p:nvSpPr>
+          <p:cNvPr id="2" name="幻灯片图像占位符 1"/>
+          <p:cNvSpPr>
+            <a:spLocks noGrp="1" noRot="1" noChangeAspect="1"/>
+          </p:cNvSpPr>
+          <p:nvPr>
+            <p:ph type="sldImg"/>
+          </p:nvPr>
+        </p:nvSpPr>
+        <p:spPr/>
+      </p:sp>
+      <p:sp>
+        <p:nvSpPr>
+          <p:cNvPr id="3" name="备注占位符 2"/>
+          <p:cNvSpPr>
+            <a:spLocks noGrp="1"/>
+          </p:cNvSpPr>
+          <p:nvPr>
+            <p:ph type="body" idx="1"/>
+          </p:nvPr>
+        </p:nvSpPr>
+        <p:spPr/>
+        <p:txBody>
+          <a:bodyPr/>
+          <a:lstStyle/>
+          <a:p>
+            <a:r>
+              <a:rPr lang="zh-CN" altLang="en-US" sz="1200" b="0" i="0" kern="1200" dirty="0" smtClean="0">
+                <a:solidFill>
+                  <a:schemeClr val="tx1"/>
+                </a:solidFill>
+                <a:effectLst/>
+                <a:latin typeface="+mn-lt"/>
+                <a:ea typeface="+mn-ea"/>
+                <a:cs typeface="+mn-cs"/>
+              </a:rPr>
+              <a:t>采用传统的集中式版本控制系统（如</a:t>
+            </a:r>
+            <a:r>
+              <a:rPr lang="en-US" altLang="zh-CN" sz="1200" b="0" i="0" kern="1200" dirty="0" smtClean="0">
+                <a:solidFill>
+                  <a:schemeClr val="tx1"/>
+                </a:solidFill>
+                <a:effectLst/>
+                <a:latin typeface="+mn-lt"/>
+                <a:ea typeface="+mn-ea"/>
+                <a:cs typeface="+mn-cs"/>
+              </a:rPr>
+              <a:t>SVN</a:t>
+            </a:r>
+            <a:r>
+              <a:rPr lang="zh-CN" altLang="en-US" sz="1200" b="0" i="0" kern="1200" dirty="0" smtClean="0">
+                <a:solidFill>
+                  <a:schemeClr val="tx1"/>
+                </a:solidFill>
+                <a:effectLst/>
+                <a:latin typeface="+mn-lt"/>
+                <a:ea typeface="+mn-ea"/>
+                <a:cs typeface="+mn-cs"/>
+              </a:rPr>
+              <a:t>）的开源项目，这两个群体的用户体验都不是太好。如图所示，项目的贡献者（非核心成员）很不“高兴”，因为他们即便有修改源代码的能力和渴望，也不能直接向版本库提交，要想成为提交者需要一个很长的建立信任的过程。然而即便是核心开发团队的成员，体验也不是太好，因为凡是涉及到版本库的操作（检入、检出、查看日志等）都需要在联网的状态下进行，网络带宽对用户体验影响相当大。</a:t>
+            </a:r>
+            <a:endParaRPr lang="en-US" altLang="zh-CN" sz="1200" b="0" i="0" kern="1200" dirty="0" smtClean="0">
+              <a:solidFill>
+                <a:schemeClr val="tx1"/>
+              </a:solidFill>
+              <a:effectLst/>
+              <a:latin typeface="+mn-lt"/>
+              <a:ea typeface="+mn-ea"/>
+              <a:cs typeface="+mn-cs"/>
+            </a:endParaRPr>
+          </a:p>
+          <a:p>
+            <a:r>
+              <a:rPr lang="en-US" altLang="zh-CN" sz="1200" b="0" i="0" kern="1200" dirty="0" err="1" smtClean="0">
+                <a:solidFill>
+                  <a:schemeClr val="tx1"/>
+                </a:solidFill>
+                <a:effectLst/>
+                <a:latin typeface="+mn-lt"/>
+                <a:ea typeface="+mn-ea"/>
+                <a:cs typeface="+mn-cs"/>
+              </a:rPr>
+              <a:t>Git</a:t>
+            </a:r>
+            <a:r>
+              <a:rPr lang="zh-CN" altLang="en-US" sz="1200" b="0" i="0" kern="1200" dirty="0" smtClean="0">
+                <a:solidFill>
+                  <a:schemeClr val="tx1"/>
+                </a:solidFill>
+                <a:effectLst/>
+                <a:latin typeface="+mn-lt"/>
+                <a:ea typeface="+mn-ea"/>
+                <a:cs typeface="+mn-cs"/>
+              </a:rPr>
+              <a:t>等分布式版本控制系统的出现，彻底颠覆了原有代码管理的组织模式。使用</a:t>
+            </a:r>
+            <a:r>
+              <a:rPr lang="en-US" altLang="zh-CN" sz="1200" b="0" i="0" kern="1200" dirty="0" err="1" smtClean="0">
+                <a:solidFill>
+                  <a:schemeClr val="tx1"/>
+                </a:solidFill>
+                <a:effectLst/>
+                <a:latin typeface="+mn-lt"/>
+                <a:ea typeface="+mn-ea"/>
+                <a:cs typeface="+mn-cs"/>
+              </a:rPr>
+              <a:t>Git</a:t>
+            </a:r>
+            <a:r>
+              <a:rPr lang="zh-CN" altLang="en-US" sz="1200" b="0" i="0" kern="1200" dirty="0" smtClean="0">
+                <a:solidFill>
+                  <a:schemeClr val="tx1"/>
+                </a:solidFill>
+                <a:effectLst/>
+                <a:latin typeface="+mn-lt"/>
+                <a:ea typeface="+mn-ea"/>
+                <a:cs typeface="+mn-cs"/>
+              </a:rPr>
+              <a:t>，不再依赖唯一的、集中式的版本库，而是每个开发者本地都拥有一份完整的版本库。</a:t>
+            </a:r>
+            <a:r>
+              <a:rPr lang="en-US" altLang="zh-CN" sz="1200" b="0" i="0" kern="1200" dirty="0" err="1" smtClean="0">
+                <a:solidFill>
+                  <a:schemeClr val="tx1"/>
+                </a:solidFill>
+                <a:effectLst/>
+                <a:latin typeface="+mn-lt"/>
+                <a:ea typeface="+mn-ea"/>
+                <a:cs typeface="+mn-cs"/>
+              </a:rPr>
+              <a:t>Git</a:t>
+            </a:r>
+            <a:r>
+              <a:rPr lang="zh-CN" altLang="en-US" sz="1200" b="0" i="0" kern="1200" dirty="0" smtClean="0">
+                <a:solidFill>
+                  <a:schemeClr val="tx1"/>
+                </a:solidFill>
+                <a:effectLst/>
+                <a:latin typeface="+mn-lt"/>
+                <a:ea typeface="+mn-ea"/>
+                <a:cs typeface="+mn-cs"/>
+              </a:rPr>
+              <a:t>并不排斥集中式的使用模式，但更倾向于将集中式版本库称为共享版本库。核心开发团队的成员和贡献者（非核心成员）都可以从共享版本库克隆一份本地版本库，但只有核心团队成员才可以将自己本地版本库的提交推送到共享版本库上。</a:t>
+            </a:r>
+            <a:endParaRPr lang="en-US" altLang="zh-CN" sz="1200" b="0" i="0" kern="1200" dirty="0" smtClean="0">
+              <a:solidFill>
+                <a:schemeClr val="tx1"/>
+              </a:solidFill>
+              <a:effectLst/>
+              <a:latin typeface="+mn-lt"/>
+              <a:ea typeface="+mn-ea"/>
+              <a:cs typeface="+mn-cs"/>
+            </a:endParaRPr>
+          </a:p>
+          <a:p>
+            <a:r>
+              <a:rPr lang="zh-CN" altLang="en-US" sz="1200" b="0" i="0" kern="1200" dirty="0" smtClean="0">
+                <a:solidFill>
+                  <a:schemeClr val="tx1"/>
+                </a:solidFill>
+                <a:effectLst/>
+                <a:latin typeface="+mn-lt"/>
+                <a:ea typeface="+mn-ea"/>
+                <a:cs typeface="+mn-cs"/>
+              </a:rPr>
+              <a:t>使用</a:t>
+            </a:r>
+            <a:r>
+              <a:rPr lang="en-US" altLang="zh-CN" sz="1200" b="0" i="0" kern="1200" dirty="0" err="1" smtClean="0">
+                <a:solidFill>
+                  <a:schemeClr val="tx1"/>
+                </a:solidFill>
+                <a:effectLst/>
+                <a:latin typeface="+mn-lt"/>
+                <a:ea typeface="+mn-ea"/>
+                <a:cs typeface="+mn-cs"/>
+              </a:rPr>
+              <a:t>Git</a:t>
+            </a:r>
+            <a:r>
+              <a:rPr lang="zh-CN" altLang="en-US" sz="1200" b="0" i="0" kern="1200" dirty="0" smtClean="0">
+                <a:solidFill>
+                  <a:schemeClr val="tx1"/>
+                </a:solidFill>
+                <a:effectLst/>
+                <a:latin typeface="+mn-lt"/>
+                <a:ea typeface="+mn-ea"/>
+                <a:cs typeface="+mn-cs"/>
+              </a:rPr>
+              <a:t>做版本控制（如图</a:t>
+            </a:r>
+            <a:r>
+              <a:rPr lang="en-US" altLang="zh-CN" sz="1200" b="0" i="0" kern="1200" dirty="0" smtClean="0">
+                <a:solidFill>
+                  <a:schemeClr val="tx1"/>
+                </a:solidFill>
+                <a:effectLst/>
+                <a:latin typeface="+mn-lt"/>
+                <a:ea typeface="+mn-ea"/>
+                <a:cs typeface="+mn-cs"/>
+              </a:rPr>
+              <a:t>1-3</a:t>
+            </a:r>
+            <a:r>
+              <a:rPr lang="zh-CN" altLang="en-US" sz="1200" b="0" i="0" kern="1200" dirty="0" smtClean="0">
+                <a:solidFill>
+                  <a:schemeClr val="tx1"/>
+                </a:solidFill>
+                <a:effectLst/>
+                <a:latin typeface="+mn-lt"/>
+                <a:ea typeface="+mn-ea"/>
+                <a:cs typeface="+mn-cs"/>
+              </a:rPr>
+              <a:t>所示），核心开发团队非常“高兴”，因为他们和共享版本库之间不必一直保持连接状态，诸如查看日志、提交、创建分支等几乎全部操作都（脱离网络）在本地的版本库中完成。项目贡献者（非核心成员）也不再那么沮丧，因为版本库人人皆可更改（当然是对本地版本库而言）。稍微让贡献者感到困难的就是如何将自己对项目的改进被核心开发团队所了解并接纳。</a:t>
+            </a:r>
+            <a:r>
+              <a:rPr lang="en-US" altLang="zh-CN" sz="1200" b="0" i="0" kern="1200" dirty="0" err="1" smtClean="0">
+                <a:solidFill>
+                  <a:schemeClr val="tx1"/>
+                </a:solidFill>
+                <a:effectLst/>
+                <a:latin typeface="+mn-lt"/>
+                <a:ea typeface="+mn-ea"/>
+                <a:cs typeface="+mn-cs"/>
+              </a:rPr>
+              <a:t>Git</a:t>
+            </a:r>
+            <a:r>
+              <a:rPr lang="zh-CN" altLang="en-US" sz="1200" b="0" i="0" kern="1200" dirty="0" smtClean="0">
+                <a:solidFill>
+                  <a:schemeClr val="tx1"/>
+                </a:solidFill>
+                <a:effectLst/>
+                <a:latin typeface="+mn-lt"/>
+                <a:ea typeface="+mn-ea"/>
+                <a:cs typeface="+mn-cs"/>
+              </a:rPr>
+              <a:t>提供了多种途径，一个方法是先用</a:t>
+            </a:r>
+            <a:r>
+              <a:rPr lang="en-US" altLang="zh-CN" dirty="0" err="1" smtClean="0"/>
+              <a:t>git</a:t>
+            </a:r>
+            <a:r>
+              <a:rPr lang="en-US" altLang="zh-CN" dirty="0" smtClean="0"/>
+              <a:t> format-patch</a:t>
+            </a:r>
+            <a:r>
+              <a:rPr lang="zh-CN" altLang="en-US" sz="1200" b="0" i="0" kern="1200" dirty="0" smtClean="0">
+                <a:solidFill>
+                  <a:schemeClr val="tx1"/>
+                </a:solidFill>
+                <a:effectLst/>
+                <a:latin typeface="+mn-lt"/>
+                <a:ea typeface="+mn-ea"/>
+                <a:cs typeface="+mn-cs"/>
+              </a:rPr>
+              <a:t>命令将本地提交转换为补丁文件或补丁文件序列，再通过邮件发送给核心开发团队。另外一个办法就是搭建一个自己专有的共享版本库，通过邮件创建一个拉拽请求（</a:t>
+            </a:r>
+            <a:r>
+              <a:rPr lang="en-US" altLang="zh-CN" sz="1200" b="0" i="0" kern="1200" dirty="0" smtClean="0">
+                <a:solidFill>
+                  <a:schemeClr val="tx1"/>
+                </a:solidFill>
+                <a:effectLst/>
+                <a:latin typeface="+mn-lt"/>
+                <a:ea typeface="+mn-ea"/>
+                <a:cs typeface="+mn-cs"/>
+              </a:rPr>
+              <a:t>Pull Request</a:t>
+            </a:r>
+            <a:r>
+              <a:rPr lang="zh-CN" altLang="en-US" sz="1200" b="0" i="0" kern="1200" dirty="0" smtClean="0">
+                <a:solidFill>
+                  <a:schemeClr val="tx1"/>
+                </a:solidFill>
+                <a:effectLst/>
+                <a:latin typeface="+mn-lt"/>
+                <a:ea typeface="+mn-ea"/>
+                <a:cs typeface="+mn-cs"/>
+              </a:rPr>
+              <a:t>），让核心团队的开发者到自己的版本库来抓取（</a:t>
+            </a:r>
+            <a:r>
+              <a:rPr lang="en-US" altLang="zh-CN" sz="1200" b="0" i="0" kern="1200" dirty="0" smtClean="0">
+                <a:solidFill>
+                  <a:schemeClr val="tx1"/>
+                </a:solidFill>
+                <a:effectLst/>
+                <a:latin typeface="+mn-lt"/>
+                <a:ea typeface="+mn-ea"/>
+                <a:cs typeface="+mn-cs"/>
+              </a:rPr>
+              <a:t>Pull</a:t>
+            </a:r>
+            <a:r>
+              <a:rPr lang="zh-CN" altLang="en-US" sz="1200" b="0" i="0" kern="1200" dirty="0" smtClean="0">
+                <a:solidFill>
+                  <a:schemeClr val="tx1"/>
+                </a:solidFill>
+                <a:effectLst/>
+                <a:latin typeface="+mn-lt"/>
+                <a:ea typeface="+mn-ea"/>
+                <a:cs typeface="+mn-cs"/>
+              </a:rPr>
+              <a:t>）。</a:t>
+            </a:r>
+            <a:endParaRPr lang="en-US" altLang="zh-CN" sz="1200" b="0" i="0" kern="1200" dirty="0" smtClean="0">
+              <a:solidFill>
+                <a:schemeClr val="tx1"/>
+              </a:solidFill>
+              <a:effectLst/>
+              <a:latin typeface="+mn-lt"/>
+              <a:ea typeface="+mn-ea"/>
+              <a:cs typeface="+mn-cs"/>
+            </a:endParaRPr>
+          </a:p>
+          <a:p>
+            <a:r>
+              <a:rPr lang="en-US" altLang="zh-CN" sz="1200" b="0" i="0" kern="1200" dirty="0" err="1" smtClean="0">
+                <a:solidFill>
+                  <a:schemeClr val="tx1"/>
+                </a:solidFill>
+                <a:effectLst/>
+                <a:latin typeface="+mn-lt"/>
+                <a:ea typeface="+mn-ea"/>
+                <a:cs typeface="+mn-cs"/>
+              </a:rPr>
+              <a:t>GitHub</a:t>
+            </a:r>
+            <a:r>
+              <a:rPr lang="zh-CN" altLang="en-US" sz="1200" b="0" i="0" kern="1200" dirty="0" smtClean="0">
+                <a:solidFill>
+                  <a:schemeClr val="tx1"/>
+                </a:solidFill>
+                <a:effectLst/>
+                <a:latin typeface="+mn-lt"/>
+                <a:ea typeface="+mn-ea"/>
+                <a:cs typeface="+mn-cs"/>
+              </a:rPr>
+              <a:t>的出现进一步推动了</a:t>
+            </a:r>
+            <a:r>
+              <a:rPr lang="en-US" altLang="zh-CN" sz="1200" b="0" i="0" kern="1200" dirty="0" err="1" smtClean="0">
+                <a:solidFill>
+                  <a:schemeClr val="tx1"/>
+                </a:solidFill>
+                <a:effectLst/>
+                <a:latin typeface="+mn-lt"/>
+                <a:ea typeface="+mn-ea"/>
+                <a:cs typeface="+mn-cs"/>
+              </a:rPr>
+              <a:t>Git</a:t>
+            </a:r>
+            <a:r>
+              <a:rPr lang="zh-CN" altLang="en-US" sz="1200" b="0" i="0" kern="1200" dirty="0" smtClean="0">
+                <a:solidFill>
+                  <a:schemeClr val="tx1"/>
+                </a:solidFill>
+                <a:effectLst/>
+                <a:latin typeface="+mn-lt"/>
+                <a:ea typeface="+mn-ea"/>
+                <a:cs typeface="+mn-cs"/>
+              </a:rPr>
+              <a:t>的普及，简化了版本控制的管理和操作流程，为开发者提供了更好的交流平台。</a:t>
+            </a:r>
+            <a:endParaRPr lang="zh-CN" altLang="en-US" dirty="0"/>
+          </a:p>
+        </p:txBody>
+      </p:sp>
+      <p:sp>
+        <p:nvSpPr>
+          <p:cNvPr id="4" name="灯片编号占位符 3"/>
+          <p:cNvSpPr>
+            <a:spLocks noGrp="1"/>
+          </p:cNvSpPr>
+          <p:nvPr>
+            <p:ph type="sldNum" sz="quarter" idx="10"/>
+          </p:nvPr>
+        </p:nvSpPr>
+        <p:spPr/>
+        <p:txBody>
+          <a:bodyPr/>
+          <a:lstStyle/>
+          <a:p>
+            <a:fld id="{AD50BD58-7766-4D29-BB41-D4998DCBDFAE}" type="slidenum">
+              <a:rPr lang="zh-CN" altLang="en-US" smtClean="0"/>
+              <a:t>12</a:t>
+            </a:fld>
+            <a:endParaRPr lang="zh-CN" altLang="en-US"/>
+          </a:p>
+        </p:txBody>
+      </p:sp>
+    </p:spTree>
+    <p:extLst>
+      <p:ext uri="{BB962C8B-B14F-4D97-AF65-F5344CB8AC3E}">
+        <p14:creationId xmlns:p14="http://schemas.microsoft.com/office/powerpoint/2010/main" val="2464100453"/>
+      </p:ext>
+    </p:extLst>
+  </p:cSld>
+  <p:clrMapOvr>
+    <a:masterClrMapping/>
+  </p:clrMapOvr>
+</p:notes>
+</file>
+
 <file path=ppt/notesSlides/notesSlide2.xml><?xml version="1.0" encoding="utf-8"?>
 <p:notes xmlns:a="http://schemas.openxmlformats.org/drawingml/2006/main" xmlns:r="http://schemas.openxmlformats.org/officeDocument/2006/relationships" xmlns:p="http://schemas.openxmlformats.org/presentationml/2006/main">
   <p:cSld>
@@ -8367,545 +8793,28 @@
           <a:lstStyle/>
           <a:p>
             <a:r>
-              <a:rPr lang="en-US" altLang="zh-CN" sz="1200" b="0" i="0" kern="1200" dirty="0" err="1" smtClean="0">
-                <a:solidFill>
-                  <a:schemeClr val="tx1"/>
-                </a:solidFill>
-                <a:effectLst/>
-                <a:latin typeface="+mn-lt"/>
-                <a:ea typeface="+mn-ea"/>
-                <a:cs typeface="+mn-cs"/>
-              </a:rPr>
-              <a:t>GitHub</a:t>
-            </a:r>
-            <a:r>
-              <a:rPr lang="zh-CN" altLang="en-US" sz="1200" b="0" i="0" kern="1200" dirty="0" smtClean="0">
-                <a:solidFill>
-                  <a:schemeClr val="tx1"/>
-                </a:solidFill>
-                <a:effectLst/>
-                <a:latin typeface="+mn-lt"/>
-                <a:ea typeface="+mn-ea"/>
-                <a:cs typeface="+mn-cs"/>
-              </a:rPr>
-              <a:t>的注册用户已经超过百万</a:t>
-            </a:r>
-            <a:r>
-              <a:rPr lang="en-US" altLang="zh-CN" sz="1200" b="0" i="0" u="none" strike="noStrike" kern="1200" baseline="30000" dirty="0" smtClean="0">
-                <a:solidFill>
-                  <a:schemeClr val="tx1"/>
-                </a:solidFill>
-                <a:effectLst/>
-                <a:latin typeface="+mn-lt"/>
-                <a:ea typeface="+mn-ea"/>
-                <a:cs typeface="+mn-cs"/>
-                <a:hlinkClick r:id="rId3"/>
-              </a:rPr>
-              <a:t>[1]</a:t>
-            </a:r>
-            <a:r>
-              <a:rPr lang="zh-CN" altLang="en-US" sz="1200" b="0" i="0" kern="1200" dirty="0" smtClean="0">
-                <a:solidFill>
-                  <a:schemeClr val="tx1"/>
-                </a:solidFill>
-                <a:effectLst/>
-                <a:latin typeface="+mn-lt"/>
-                <a:ea typeface="+mn-ea"/>
-                <a:cs typeface="+mn-cs"/>
-              </a:rPr>
-              <a:t>，托管的版本库数量已超三百万，其中不乏知名的开源项目，如：</a:t>
-            </a:r>
-            <a:r>
-              <a:rPr lang="en-US" altLang="zh-CN" sz="1200" b="0" i="0" kern="1200" dirty="0" smtClean="0">
-                <a:solidFill>
-                  <a:schemeClr val="tx1"/>
-                </a:solidFill>
-                <a:effectLst/>
-                <a:latin typeface="+mn-lt"/>
-                <a:ea typeface="+mn-ea"/>
-                <a:cs typeface="+mn-cs"/>
-              </a:rPr>
-              <a:t>Ruby on Rails</a:t>
-            </a:r>
-            <a:r>
-              <a:rPr lang="en-US" altLang="zh-CN" sz="1200" b="0" i="0" u="none" strike="noStrike" kern="1200" baseline="30000" dirty="0" smtClean="0">
-                <a:solidFill>
-                  <a:schemeClr val="tx1"/>
-                </a:solidFill>
-                <a:effectLst/>
-                <a:latin typeface="+mn-lt"/>
-                <a:ea typeface="+mn-ea"/>
-                <a:cs typeface="+mn-cs"/>
-                <a:hlinkClick r:id="rId4"/>
-              </a:rPr>
-              <a:t>[2]</a:t>
-            </a:r>
-            <a:r>
-              <a:rPr lang="zh-CN" altLang="en-US" sz="1200" b="0" i="0" kern="1200" dirty="0" smtClean="0">
-                <a:solidFill>
-                  <a:schemeClr val="tx1"/>
-                </a:solidFill>
-                <a:effectLst/>
-                <a:latin typeface="+mn-lt"/>
-                <a:ea typeface="+mn-ea"/>
-                <a:cs typeface="+mn-cs"/>
-              </a:rPr>
-              <a:t>、</a:t>
-            </a:r>
-            <a:r>
-              <a:rPr lang="en-US" altLang="zh-CN" sz="1200" b="0" i="0" kern="1200" dirty="0" smtClean="0">
-                <a:solidFill>
-                  <a:schemeClr val="tx1"/>
-                </a:solidFill>
-                <a:effectLst/>
-                <a:latin typeface="+mn-lt"/>
-                <a:ea typeface="+mn-ea"/>
-                <a:cs typeface="+mn-cs"/>
-              </a:rPr>
-              <a:t>Hibernate</a:t>
-            </a:r>
-            <a:r>
-              <a:rPr lang="en-US" altLang="zh-CN" sz="1200" b="0" i="0" u="none" strike="noStrike" kern="1200" baseline="30000" dirty="0" smtClean="0">
-                <a:solidFill>
-                  <a:schemeClr val="tx1"/>
-                </a:solidFill>
-                <a:effectLst/>
-                <a:latin typeface="+mn-lt"/>
-                <a:ea typeface="+mn-ea"/>
-                <a:cs typeface="+mn-cs"/>
-                <a:hlinkClick r:id="rId5"/>
-              </a:rPr>
-              <a:t>[3]</a:t>
-            </a:r>
-            <a:r>
-              <a:rPr lang="zh-CN" altLang="en-US" sz="1200" b="0" i="0" kern="1200" dirty="0" smtClean="0">
-                <a:solidFill>
-                  <a:schemeClr val="tx1"/>
-                </a:solidFill>
-                <a:effectLst/>
-                <a:latin typeface="+mn-lt"/>
-                <a:ea typeface="+mn-ea"/>
-                <a:cs typeface="+mn-cs"/>
-              </a:rPr>
-              <a:t>、</a:t>
-            </a:r>
-            <a:r>
-              <a:rPr lang="en-US" altLang="zh-CN" sz="1200" b="0" i="0" kern="1200" dirty="0" err="1" smtClean="0">
-                <a:solidFill>
-                  <a:schemeClr val="tx1"/>
-                </a:solidFill>
-                <a:effectLst/>
-                <a:latin typeface="+mn-lt"/>
-                <a:ea typeface="+mn-ea"/>
-                <a:cs typeface="+mn-cs"/>
-              </a:rPr>
-              <a:t>phpBB</a:t>
-            </a:r>
-            <a:r>
-              <a:rPr lang="en-US" altLang="zh-CN" sz="1200" b="0" i="0" u="none" strike="noStrike" kern="1200" baseline="30000" dirty="0" smtClean="0">
-                <a:solidFill>
-                  <a:schemeClr val="tx1"/>
-                </a:solidFill>
-                <a:effectLst/>
-                <a:latin typeface="+mn-lt"/>
-                <a:ea typeface="+mn-ea"/>
-                <a:cs typeface="+mn-cs"/>
-                <a:hlinkClick r:id="rId6"/>
-              </a:rPr>
-              <a:t>[4]</a:t>
-            </a:r>
-            <a:r>
-              <a:rPr lang="zh-CN" altLang="en-US" sz="1200" b="0" i="0" kern="1200" dirty="0" smtClean="0">
-                <a:solidFill>
-                  <a:schemeClr val="tx1"/>
-                </a:solidFill>
-                <a:effectLst/>
-                <a:latin typeface="+mn-lt"/>
-                <a:ea typeface="+mn-ea"/>
-                <a:cs typeface="+mn-cs"/>
-              </a:rPr>
-              <a:t>、</a:t>
-            </a:r>
-            <a:r>
-              <a:rPr lang="en-US" altLang="zh-CN" sz="1200" b="0" i="0" kern="1200" dirty="0" err="1" smtClean="0">
-                <a:solidFill>
-                  <a:schemeClr val="tx1"/>
-                </a:solidFill>
-                <a:effectLst/>
-                <a:latin typeface="+mn-lt"/>
-                <a:ea typeface="+mn-ea"/>
-                <a:cs typeface="+mn-cs"/>
-              </a:rPr>
-              <a:t>jQuery</a:t>
-            </a:r>
-            <a:r>
-              <a:rPr lang="en-US" altLang="zh-CN" sz="1200" b="0" i="0" u="none" strike="noStrike" kern="1200" baseline="30000" dirty="0" smtClean="0">
-                <a:solidFill>
-                  <a:schemeClr val="tx1"/>
-                </a:solidFill>
-                <a:effectLst/>
-                <a:latin typeface="+mn-lt"/>
-                <a:ea typeface="+mn-ea"/>
-                <a:cs typeface="+mn-cs"/>
-                <a:hlinkClick r:id="rId7"/>
-              </a:rPr>
-              <a:t>[5]</a:t>
-            </a:r>
-            <a:r>
-              <a:rPr lang="zh-CN" altLang="en-US" sz="1200" b="0" i="0" kern="1200" dirty="0" smtClean="0">
-                <a:solidFill>
-                  <a:schemeClr val="tx1"/>
-                </a:solidFill>
-                <a:effectLst/>
-                <a:latin typeface="+mn-lt"/>
-                <a:ea typeface="+mn-ea"/>
-                <a:cs typeface="+mn-cs"/>
-              </a:rPr>
-              <a:t>、</a:t>
-            </a:r>
-            <a:r>
-              <a:rPr lang="en-US" altLang="zh-CN" sz="1200" b="0" i="0" kern="1200" dirty="0" smtClean="0">
-                <a:solidFill>
-                  <a:schemeClr val="tx1"/>
-                </a:solidFill>
-                <a:effectLst/>
-                <a:latin typeface="+mn-lt"/>
-                <a:ea typeface="+mn-ea"/>
-                <a:cs typeface="+mn-cs"/>
-              </a:rPr>
-              <a:t>Prototype</a:t>
-            </a:r>
-            <a:r>
-              <a:rPr lang="en-US" altLang="zh-CN" sz="1200" b="0" i="0" u="none" strike="noStrike" kern="1200" baseline="30000" dirty="0" smtClean="0">
-                <a:solidFill>
-                  <a:schemeClr val="tx1"/>
-                </a:solidFill>
-                <a:effectLst/>
-                <a:latin typeface="+mn-lt"/>
-                <a:ea typeface="+mn-ea"/>
-                <a:cs typeface="+mn-cs"/>
-                <a:hlinkClick r:id="rId8"/>
-              </a:rPr>
-              <a:t>[6]</a:t>
-            </a:r>
-            <a:r>
-              <a:rPr lang="zh-CN" altLang="en-US" sz="1200" b="0" i="0" kern="1200" dirty="0" smtClean="0">
-                <a:solidFill>
-                  <a:schemeClr val="tx1"/>
-                </a:solidFill>
-                <a:effectLst/>
-                <a:latin typeface="+mn-lt"/>
-                <a:ea typeface="+mn-ea"/>
-                <a:cs typeface="+mn-cs"/>
-              </a:rPr>
-              <a:t>、</a:t>
-            </a:r>
-            <a:r>
-              <a:rPr lang="en-US" altLang="zh-CN" sz="1200" b="0" i="0" kern="1200" dirty="0" smtClean="0">
-                <a:solidFill>
-                  <a:schemeClr val="tx1"/>
-                </a:solidFill>
-                <a:effectLst/>
-                <a:latin typeface="+mn-lt"/>
-                <a:ea typeface="+mn-ea"/>
-                <a:cs typeface="+mn-cs"/>
-              </a:rPr>
-              <a:t>Homebrew</a:t>
-            </a:r>
-            <a:r>
-              <a:rPr lang="en-US" altLang="zh-CN" sz="1200" b="0" i="0" u="none" strike="noStrike" kern="1200" baseline="30000" dirty="0" smtClean="0">
-                <a:solidFill>
-                  <a:schemeClr val="tx1"/>
-                </a:solidFill>
-                <a:effectLst/>
-                <a:latin typeface="+mn-lt"/>
-                <a:ea typeface="+mn-ea"/>
-                <a:cs typeface="+mn-cs"/>
-                <a:hlinkClick r:id="rId9"/>
-              </a:rPr>
-              <a:t>[7]</a:t>
-            </a:r>
-            <a:r>
-              <a:rPr lang="zh-CN" altLang="en-US" sz="1200" b="0" i="0" kern="1200" dirty="0" smtClean="0">
-                <a:solidFill>
-                  <a:schemeClr val="tx1"/>
-                </a:solidFill>
-                <a:effectLst/>
-                <a:latin typeface="+mn-lt"/>
-                <a:ea typeface="+mn-ea"/>
-                <a:cs typeface="+mn-cs"/>
-              </a:rPr>
-              <a:t>等。</a:t>
-            </a:r>
-          </a:p>
-          <a:p>
-            <a:r>
-              <a:rPr lang="en-US" altLang="zh-CN" sz="1200" b="0" i="0" kern="1200" dirty="0" err="1" smtClean="0">
-                <a:solidFill>
-                  <a:schemeClr val="tx1"/>
-                </a:solidFill>
-                <a:effectLst/>
-                <a:latin typeface="+mn-lt"/>
-                <a:ea typeface="+mn-ea"/>
-                <a:cs typeface="+mn-cs"/>
-              </a:rPr>
-              <a:t>GitHub</a:t>
-            </a:r>
-            <a:r>
-              <a:rPr lang="zh-CN" altLang="en-US" sz="1200" b="0" i="0" kern="1200" dirty="0" smtClean="0">
-                <a:solidFill>
-                  <a:schemeClr val="tx1"/>
-                </a:solidFill>
-                <a:effectLst/>
-                <a:latin typeface="+mn-lt"/>
-                <a:ea typeface="+mn-ea"/>
-                <a:cs typeface="+mn-cs"/>
-              </a:rPr>
-              <a:t>于</a:t>
-            </a:r>
-            <a:r>
-              <a:rPr lang="en-US" altLang="zh-CN" sz="1200" b="0" i="0" kern="1200" dirty="0" smtClean="0">
-                <a:solidFill>
-                  <a:schemeClr val="tx1"/>
-                </a:solidFill>
-                <a:effectLst/>
-                <a:latin typeface="+mn-lt"/>
-                <a:ea typeface="+mn-ea"/>
-                <a:cs typeface="+mn-cs"/>
-              </a:rPr>
-              <a:t>2008</a:t>
-            </a:r>
-            <a:r>
-              <a:rPr lang="zh-CN" altLang="en-US" sz="1200" b="0" i="0" kern="1200" dirty="0" smtClean="0">
-                <a:solidFill>
-                  <a:schemeClr val="tx1"/>
-                </a:solidFill>
-                <a:effectLst/>
-                <a:latin typeface="+mn-lt"/>
-                <a:ea typeface="+mn-ea"/>
-                <a:cs typeface="+mn-cs"/>
-              </a:rPr>
-              <a:t>年</a:t>
-            </a:r>
-            <a:r>
-              <a:rPr lang="en-US" altLang="zh-CN" sz="1200" b="0" i="0" kern="1200" dirty="0" smtClean="0">
-                <a:solidFill>
-                  <a:schemeClr val="tx1"/>
-                </a:solidFill>
-                <a:effectLst/>
-                <a:latin typeface="+mn-lt"/>
-                <a:ea typeface="+mn-ea"/>
-                <a:cs typeface="+mn-cs"/>
-              </a:rPr>
-              <a:t>4</a:t>
-            </a:r>
-            <a:r>
-              <a:rPr lang="zh-CN" altLang="en-US" sz="1200" b="0" i="0" kern="1200" dirty="0" smtClean="0">
-                <a:solidFill>
-                  <a:schemeClr val="tx1"/>
-                </a:solidFill>
-                <a:effectLst/>
-                <a:latin typeface="+mn-lt"/>
-                <a:ea typeface="+mn-ea"/>
-                <a:cs typeface="+mn-cs"/>
-              </a:rPr>
-              <a:t>月</a:t>
-            </a:r>
-            <a:r>
-              <a:rPr lang="en-US" altLang="zh-CN" sz="1200" b="0" i="0" kern="1200" dirty="0" smtClean="0">
-                <a:solidFill>
-                  <a:schemeClr val="tx1"/>
-                </a:solidFill>
-                <a:effectLst/>
-                <a:latin typeface="+mn-lt"/>
-                <a:ea typeface="+mn-ea"/>
-                <a:cs typeface="+mn-cs"/>
-              </a:rPr>
-              <a:t>10</a:t>
-            </a:r>
-            <a:r>
-              <a:rPr lang="zh-CN" altLang="en-US" sz="1200" b="0" i="0" kern="1200" dirty="0" smtClean="0">
-                <a:solidFill>
-                  <a:schemeClr val="tx1"/>
-                </a:solidFill>
-                <a:effectLst/>
-                <a:latin typeface="+mn-lt"/>
-                <a:ea typeface="+mn-ea"/>
-                <a:cs typeface="+mn-cs"/>
-              </a:rPr>
-              <a:t>日正式发布</a:t>
-            </a:r>
-            <a:r>
-              <a:rPr lang="en-US" altLang="zh-CN" sz="1200" b="0" i="0" u="none" strike="noStrike" kern="1200" baseline="30000" dirty="0" smtClean="0">
-                <a:solidFill>
-                  <a:schemeClr val="tx1"/>
-                </a:solidFill>
-                <a:effectLst/>
-                <a:latin typeface="+mn-lt"/>
-                <a:ea typeface="+mn-ea"/>
-                <a:cs typeface="+mn-cs"/>
-                <a:hlinkClick r:id="rId10"/>
-              </a:rPr>
-              <a:t>[8]</a:t>
-            </a:r>
-            <a:r>
-              <a:rPr lang="zh-CN" altLang="en-US" sz="1200" b="0" i="0" kern="1200" dirty="0" smtClean="0">
-                <a:solidFill>
-                  <a:schemeClr val="tx1"/>
-                </a:solidFill>
-                <a:effectLst/>
-                <a:latin typeface="+mn-lt"/>
-                <a:ea typeface="+mn-ea"/>
-                <a:cs typeface="+mn-cs"/>
-              </a:rPr>
-              <a:t>，相比始于</a:t>
-            </a:r>
-            <a:r>
-              <a:rPr lang="en-US" altLang="zh-CN" sz="1200" b="0" i="0" kern="1200" dirty="0" smtClean="0">
-                <a:solidFill>
-                  <a:schemeClr val="tx1"/>
-                </a:solidFill>
-                <a:effectLst/>
-                <a:latin typeface="+mn-lt"/>
-                <a:ea typeface="+mn-ea"/>
-                <a:cs typeface="+mn-cs"/>
-              </a:rPr>
-              <a:t>1999</a:t>
-            </a:r>
-            <a:r>
-              <a:rPr lang="zh-CN" altLang="en-US" sz="1200" b="0" i="0" kern="1200" dirty="0" smtClean="0">
-                <a:solidFill>
-                  <a:schemeClr val="tx1"/>
-                </a:solidFill>
-                <a:effectLst/>
-                <a:latin typeface="+mn-lt"/>
-                <a:ea typeface="+mn-ea"/>
-                <a:cs typeface="+mn-cs"/>
-              </a:rPr>
-              <a:t>年的</a:t>
-            </a:r>
-            <a:r>
-              <a:rPr lang="en-US" altLang="zh-CN" sz="1200" b="0" i="0" kern="1200" dirty="0" err="1" smtClean="0">
-                <a:solidFill>
-                  <a:schemeClr val="tx1"/>
-                </a:solidFill>
-                <a:effectLst/>
-                <a:latin typeface="+mn-lt"/>
-                <a:ea typeface="+mn-ea"/>
-                <a:cs typeface="+mn-cs"/>
-              </a:rPr>
-              <a:t>SourceForge</a:t>
-            </a:r>
-            <a:r>
-              <a:rPr lang="en-US" altLang="zh-CN" sz="1200" b="0" i="0" u="none" strike="noStrike" kern="1200" baseline="30000" dirty="0" smtClean="0">
-                <a:solidFill>
-                  <a:schemeClr val="tx1"/>
-                </a:solidFill>
-                <a:effectLst/>
-                <a:latin typeface="+mn-lt"/>
-                <a:ea typeface="+mn-ea"/>
-                <a:cs typeface="+mn-cs"/>
-                <a:hlinkClick r:id="rId11"/>
-              </a:rPr>
-              <a:t>[9]</a:t>
-            </a:r>
-            <a:r>
-              <a:rPr lang="zh-CN" altLang="en-US" sz="1200" b="0" i="0" kern="1200" dirty="0" smtClean="0">
-                <a:solidFill>
-                  <a:schemeClr val="tx1"/>
-                </a:solidFill>
-                <a:effectLst/>
-                <a:latin typeface="+mn-lt"/>
-                <a:ea typeface="+mn-ea"/>
-                <a:cs typeface="+mn-cs"/>
-              </a:rPr>
-              <a:t>和</a:t>
-            </a:r>
-            <a:r>
-              <a:rPr lang="en-US" altLang="zh-CN" sz="1200" b="0" i="0" kern="1200" dirty="0" smtClean="0">
-                <a:solidFill>
-                  <a:schemeClr val="tx1"/>
-                </a:solidFill>
-                <a:effectLst/>
-                <a:latin typeface="+mn-lt"/>
-                <a:ea typeface="+mn-ea"/>
-                <a:cs typeface="+mn-cs"/>
-              </a:rPr>
-              <a:t>2005</a:t>
-            </a:r>
-            <a:r>
-              <a:rPr lang="zh-CN" altLang="en-US" sz="1200" b="0" i="0" kern="1200" dirty="0" smtClean="0">
-                <a:solidFill>
-                  <a:schemeClr val="tx1"/>
-                </a:solidFill>
-                <a:effectLst/>
-                <a:latin typeface="+mn-lt"/>
-                <a:ea typeface="+mn-ea"/>
-                <a:cs typeface="+mn-cs"/>
-              </a:rPr>
-              <a:t>年的</a:t>
-            </a:r>
-            <a:r>
-              <a:rPr lang="en-US" altLang="zh-CN" sz="1200" b="0" i="0" kern="1200" dirty="0" err="1" smtClean="0">
-                <a:solidFill>
-                  <a:schemeClr val="tx1"/>
-                </a:solidFill>
-                <a:effectLst/>
-                <a:latin typeface="+mn-lt"/>
-                <a:ea typeface="+mn-ea"/>
-                <a:cs typeface="+mn-cs"/>
-              </a:rPr>
-              <a:t>GoogleCode</a:t>
-            </a:r>
-            <a:r>
-              <a:rPr lang="en-US" altLang="zh-CN" sz="1200" b="0" i="0" u="none" strike="noStrike" kern="1200" baseline="30000" dirty="0" smtClean="0">
-                <a:solidFill>
-                  <a:schemeClr val="tx1"/>
-                </a:solidFill>
-                <a:effectLst/>
-                <a:latin typeface="+mn-lt"/>
-                <a:ea typeface="+mn-ea"/>
-                <a:cs typeface="+mn-cs"/>
-                <a:hlinkClick r:id="rId12"/>
-              </a:rPr>
-              <a:t>[10]</a:t>
-            </a:r>
-            <a:r>
-              <a:rPr lang="zh-CN" altLang="en-US" sz="1200" b="0" i="0" kern="1200" dirty="0" smtClean="0">
-                <a:solidFill>
-                  <a:schemeClr val="tx1"/>
-                </a:solidFill>
-                <a:effectLst/>
-                <a:latin typeface="+mn-lt"/>
-                <a:ea typeface="+mn-ea"/>
-                <a:cs typeface="+mn-cs"/>
-              </a:rPr>
-              <a:t>，</a:t>
-            </a:r>
-            <a:r>
-              <a:rPr lang="en-US" altLang="zh-CN" sz="1200" b="0" i="0" kern="1200" dirty="0" err="1" smtClean="0">
-                <a:solidFill>
-                  <a:schemeClr val="tx1"/>
-                </a:solidFill>
-                <a:effectLst/>
-                <a:latin typeface="+mn-lt"/>
-                <a:ea typeface="+mn-ea"/>
-                <a:cs typeface="+mn-cs"/>
-              </a:rPr>
-              <a:t>GitHub</a:t>
-            </a:r>
-            <a:r>
-              <a:rPr lang="zh-CN" altLang="en-US" sz="1200" b="0" i="0" kern="1200" dirty="0" smtClean="0">
-                <a:solidFill>
-                  <a:schemeClr val="tx1"/>
-                </a:solidFill>
-                <a:effectLst/>
-                <a:latin typeface="+mn-lt"/>
-                <a:ea typeface="+mn-ea"/>
-                <a:cs typeface="+mn-cs"/>
-              </a:rPr>
-              <a:t>后来者居上。</a:t>
-            </a:r>
+              <a:rPr lang="en-US" altLang="zh-CN" sz="1200" b="0" i="0" u="none" strike="noStrike" kern="1200" baseline="0" dirty="0" smtClean="0">
+                <a:solidFill>
+                  <a:schemeClr val="tx1"/>
+                </a:solidFill>
+                <a:latin typeface="+mn-lt"/>
+                <a:ea typeface="+mn-ea"/>
+                <a:cs typeface="+mn-cs"/>
+              </a:rPr>
+              <a:t>mirror </a:t>
+            </a:r>
+            <a:r>
+              <a:rPr lang="zh-CN" altLang="en-US" sz="1200" b="0" i="0" u="none" strike="noStrike" kern="1200" baseline="0" dirty="0" smtClean="0">
+                <a:solidFill>
+                  <a:schemeClr val="tx1"/>
+                </a:solidFill>
+                <a:latin typeface="+mn-lt"/>
+                <a:ea typeface="+mn-ea"/>
+                <a:cs typeface="+mn-cs"/>
+              </a:rPr>
+              <a:t>版本库只是一个镜像库，不能提供写操作。</a:t>
+            </a:r>
+            <a:endParaRPr lang="zh-CN" altLang="en-US" dirty="0"/>
           </a:p>
         </p:txBody>
       </p:sp>
@@ -8935,7 +8844,7 @@
     </p:spTree>
     <p:extLst>
       <p:ext uri="{BB962C8B-B14F-4D97-AF65-F5344CB8AC3E}">
-        <p14:creationId xmlns:p14="http://schemas.microsoft.com/office/powerpoint/2010/main" val="988002432"/>
+        <p14:creationId xmlns:p14="http://schemas.microsoft.com/office/powerpoint/2010/main" val="1570771993"/>
       </p:ext>
     </p:extLst>
   </p:cSld>
@@ -8990,6 +8899,18 @@
           <a:lstStyle/>
           <a:p>
             <a:r>
+              <a:rPr lang="en-US" altLang="zh-CN" sz="1200" b="0" i="0" kern="1200" dirty="0" err="1" smtClean="0">
+                <a:solidFill>
+                  <a:schemeClr val="tx1"/>
+                </a:solidFill>
+                <a:effectLst/>
+                <a:latin typeface="+mn-lt"/>
+                <a:ea typeface="+mn-ea"/>
+                <a:cs typeface="+mn-cs"/>
+              </a:rPr>
+              <a:t>GitHub</a:t>
+            </a:r>
+            <a:r>
               <a:rPr lang="zh-CN" altLang="en-US" sz="1200" b="0" i="0" kern="1200" dirty="0" smtClean="0">
                 <a:solidFill>
                   <a:schemeClr val="tx1"/>
@@ -8999,7 +8920,32 @@
                 <a:ea typeface="+mn-ea"/>
                 <a:cs typeface="+mn-cs"/>
               </a:rPr>
-              <a:t>采用传统的集中式版本控制系统（如</a:t>
+              <a:t>的注册用户已经超过百万</a:t>
+            </a:r>
+            <a:r>
+              <a:rPr lang="en-US" altLang="zh-CN" sz="1200" b="0" i="0" u="none" strike="noStrike" kern="1200" baseline="30000" dirty="0" smtClean="0">
+                <a:solidFill>
+                  <a:schemeClr val="tx1"/>
+                </a:solidFill>
+                <a:effectLst/>
+                <a:latin typeface="+mn-lt"/>
+                <a:ea typeface="+mn-ea"/>
+                <a:cs typeface="+mn-cs"/>
+                <a:hlinkClick r:id="rId3"/>
+              </a:rPr>
+              <a:t>[1]</a:t>
+            </a:r>
+            <a:r>
+              <a:rPr lang="zh-CN" altLang="en-US" sz="1200" b="0" i="0" kern="1200" dirty="0" smtClean="0">
+                <a:solidFill>
+                  <a:schemeClr val="tx1"/>
+                </a:solidFill>
+                <a:effectLst/>
+                <a:latin typeface="+mn-lt"/>
+                <a:ea typeface="+mn-ea"/>
+                <a:cs typeface="+mn-cs"/>
+              </a:rPr>
+              <a:t>，托管的版本库数量已超三百万，其中不乏知名的开源项目，如：</a:t>
             </a:r>
             <a:r>
               <a:rPr lang="en-US" altLang="zh-CN" sz="1200" b="0" i="0" kern="1200" dirty="0" smtClean="0">
@@ -9011,7 +8957,20 @@
                 <a:ea typeface="+mn-ea"/>
                 <a:cs typeface="+mn-cs"/>
               </a:rPr>
-              <a:t>SVN</a:t>
+              <a:t>Ruby on Rails</a:t>
+            </a:r>
+            <a:r>
+              <a:rPr lang="en-US" altLang="zh-CN" sz="1200" b="0" i="0" u="none" strike="noStrike" kern="1200" baseline="30000" dirty="0" smtClean="0">
+                <a:solidFill>
+                  <a:schemeClr val="tx1"/>
+                </a:solidFill>
+                <a:effectLst/>
+                <a:latin typeface="+mn-lt"/>
+                <a:ea typeface="+mn-ea"/>
+                <a:cs typeface="+mn-cs"/>
+                <a:hlinkClick r:id="rId4"/>
+              </a:rPr>
+              <a:t>[2]</a:t>
             </a:r>
             <a:r>
               <a:rPr lang="zh-CN" altLang="en-US" sz="1200" b="0" i="0" kern="1200" dirty="0" smtClean="0">
@@ -9023,19 +8982,45 @@
                 <a:ea typeface="+mn-ea"/>
                 <a:cs typeface="+mn-cs"/>
               </a:rPr>
-              <a:t>）的开源项目，这两个群体的用户体验都不是太好。如图所示，项目的贡献者（非核心成员）很不“高兴”，因为他们即便有修改源代码的能力和渴望，也不能直接向版本库提交，要想成为提交者需要一个很长的建立信任的过程。然而即便是核心开发团队的成员，体验也不是太好，因为凡是涉及到版本库的操作（检入、检出、查看日志等）都需要在联网的状态下进行，网络带宽对用户体验影响相当大。</a:t>
-            </a:r>
-            <a:endParaRPr lang="en-US" altLang="zh-CN" sz="1200" b="0" i="0" kern="1200" dirty="0" smtClean="0">
-              <a:solidFill>
-                <a:schemeClr val="tx1"/>
-              </a:solidFill>
-              <a:effectLst/>
-              <a:latin typeface="+mn-lt"/>
-              <a:ea typeface="+mn-ea"/>
-              <a:cs typeface="+mn-cs"/>
-            </a:endParaRPr>
-          </a:p>
-          <a:p>
+              <a:t>、</a:t>
+            </a:r>
+            <a:r>
+              <a:rPr lang="en-US" altLang="zh-CN" sz="1200" b="0" i="0" kern="1200" dirty="0" smtClean="0">
+                <a:solidFill>
+                  <a:schemeClr val="tx1"/>
+                </a:solidFill>
+                <a:effectLst/>
+                <a:latin typeface="+mn-lt"/>
+                <a:ea typeface="+mn-ea"/>
+                <a:cs typeface="+mn-cs"/>
+              </a:rPr>
+              <a:t>Hibernate</a:t>
+            </a:r>
+            <a:r>
+              <a:rPr lang="en-US" altLang="zh-CN" sz="1200" b="0" i="0" u="none" strike="noStrike" kern="1200" baseline="30000" dirty="0" smtClean="0">
+                <a:solidFill>
+                  <a:schemeClr val="tx1"/>
+                </a:solidFill>
+                <a:effectLst/>
+                <a:latin typeface="+mn-lt"/>
+                <a:ea typeface="+mn-ea"/>
+                <a:cs typeface="+mn-cs"/>
+                <a:hlinkClick r:id="rId5"/>
+              </a:rPr>
+              <a:t>[3]</a:t>
+            </a:r>
+            <a:r>
+              <a:rPr lang="zh-CN" altLang="en-US" sz="1200" b="0" i="0" kern="1200" dirty="0" smtClean="0">
+                <a:solidFill>
+                  <a:schemeClr val="tx1"/>
+                </a:solidFill>
+                <a:effectLst/>
+                <a:latin typeface="+mn-lt"/>
+                <a:ea typeface="+mn-ea"/>
+                <a:cs typeface="+mn-cs"/>
+              </a:rPr>
+              <a:t>、</a:t>
+            </a:r>
             <a:r>
               <a:rPr lang="en-US" altLang="zh-CN" sz="1200" b="0" i="0" kern="1200" dirty="0" err="1" smtClean="0">
                 <a:solidFill>
@@ -9046,7 +9031,20 @@
                 <a:ea typeface="+mn-ea"/>
                 <a:cs typeface="+mn-cs"/>
               </a:rPr>
-              <a:t>Git</a:t>
+              <a:t>phpBB</a:t>
+            </a:r>
+            <a:r>
+              <a:rPr lang="en-US" altLang="zh-CN" sz="1200" b="0" i="0" u="none" strike="noStrike" kern="1200" baseline="30000" dirty="0" smtClean="0">
+                <a:solidFill>
+                  <a:schemeClr val="tx1"/>
+                </a:solidFill>
+                <a:effectLst/>
+                <a:latin typeface="+mn-lt"/>
+                <a:ea typeface="+mn-ea"/>
+                <a:cs typeface="+mn-cs"/>
+                <a:hlinkClick r:id="rId6"/>
+              </a:rPr>
+              <a:t>[4]</a:t>
             </a:r>
             <a:r>
               <a:rPr lang="zh-CN" altLang="en-US" sz="1200" b="0" i="0" kern="1200" dirty="0" smtClean="0">
@@ -9058,7 +9056,7 @@
                 <a:ea typeface="+mn-ea"/>
                 <a:cs typeface="+mn-cs"/>
               </a:rPr>
-              <a:t>等分布式版本控制系统的出现，彻底颠覆了原有代码管理的组织模式。使用</a:t>
+              <a:t>、</a:t>
             </a:r>
             <a:r>
               <a:rPr lang="en-US" altLang="zh-CN" sz="1200" b="0" i="0" kern="1200" dirty="0" err="1" smtClean="0">
@@ -9070,7 +9068,20 @@
                 <a:ea typeface="+mn-ea"/>
                 <a:cs typeface="+mn-cs"/>
               </a:rPr>
-              <a:t>Git</a:t>
+              <a:t>jQuery</a:t>
+            </a:r>
+            <a:r>
+              <a:rPr lang="en-US" altLang="zh-CN" sz="1200" b="0" i="0" u="none" strike="noStrike" kern="1200" baseline="30000" dirty="0" smtClean="0">
+                <a:solidFill>
+                  <a:schemeClr val="tx1"/>
+                </a:solidFill>
+                <a:effectLst/>
+                <a:latin typeface="+mn-lt"/>
+                <a:ea typeface="+mn-ea"/>
+                <a:cs typeface="+mn-cs"/>
+                <a:hlinkClick r:id="rId7"/>
+              </a:rPr>
+              <a:t>[5]</a:t>
             </a:r>
             <a:r>
               <a:rPr lang="zh-CN" altLang="en-US" sz="1200" b="0" i="0" kern="1200" dirty="0" smtClean="0">
@@ -9082,8 +9093,84 @@
                 <a:ea typeface="+mn-ea"/>
                 <a:cs typeface="+mn-cs"/>
               </a:rPr>
-              <a:t>，不再依赖唯一的、集中式的版本库，而是每个开发者本地都拥有一份完整的版本库。</a:t>
-            </a:r>
+              <a:t>、</a:t>
+            </a:r>
+            <a:r>
+              <a:rPr lang="en-US" altLang="zh-CN" sz="1200" b="0" i="0" kern="1200" dirty="0" smtClean="0">
+                <a:solidFill>
+                  <a:schemeClr val="tx1"/>
+                </a:solidFill>
+                <a:effectLst/>
+                <a:latin typeface="+mn-lt"/>
+                <a:ea typeface="+mn-ea"/>
+                <a:cs typeface="+mn-cs"/>
+              </a:rPr>
+              <a:t>Prototype</a:t>
+            </a:r>
+            <a:r>
+              <a:rPr lang="en-US" altLang="zh-CN" sz="1200" b="0" i="0" u="none" strike="noStrike" kern="1200" baseline="30000" dirty="0" smtClean="0">
+                <a:solidFill>
+                  <a:schemeClr val="tx1"/>
+                </a:solidFill>
+                <a:effectLst/>
+                <a:latin typeface="+mn-lt"/>
+                <a:ea typeface="+mn-ea"/>
+                <a:cs typeface="+mn-cs"/>
+                <a:hlinkClick r:id="rId8"/>
+              </a:rPr>
+              <a:t>[6]</a:t>
+            </a:r>
+            <a:r>
+              <a:rPr lang="zh-CN" altLang="en-US" sz="1200" b="0" i="0" kern="1200" dirty="0" smtClean="0">
+                <a:solidFill>
+                  <a:schemeClr val="tx1"/>
+                </a:solidFill>
+                <a:effectLst/>
+                <a:latin typeface="+mn-lt"/>
+                <a:ea typeface="+mn-ea"/>
+                <a:cs typeface="+mn-cs"/>
+              </a:rPr>
+              <a:t>、</a:t>
+            </a:r>
+            <a:r>
+              <a:rPr lang="en-US" altLang="zh-CN" sz="1200" b="0" i="0" kern="1200" dirty="0" smtClean="0">
+                <a:solidFill>
+                  <a:schemeClr val="tx1"/>
+                </a:solidFill>
+                <a:effectLst/>
+                <a:latin typeface="+mn-lt"/>
+                <a:ea typeface="+mn-ea"/>
+                <a:cs typeface="+mn-cs"/>
+              </a:rPr>
+              <a:t>Homebrew</a:t>
+            </a:r>
+            <a:r>
+              <a:rPr lang="en-US" altLang="zh-CN" sz="1200" b="0" i="0" u="none" strike="noStrike" kern="1200" baseline="30000" dirty="0" smtClean="0">
+                <a:solidFill>
+                  <a:schemeClr val="tx1"/>
+                </a:solidFill>
+                <a:effectLst/>
+                <a:latin typeface="+mn-lt"/>
+                <a:ea typeface="+mn-ea"/>
+                <a:cs typeface="+mn-cs"/>
+                <a:hlinkClick r:id="rId9"/>
+              </a:rPr>
+              <a:t>[7]</a:t>
+            </a:r>
+            <a:r>
+              <a:rPr lang="zh-CN" altLang="en-US" sz="1200" b="0" i="0" kern="1200" dirty="0" smtClean="0">
+                <a:solidFill>
+                  <a:schemeClr val="tx1"/>
+                </a:solidFill>
+                <a:effectLst/>
+                <a:latin typeface="+mn-lt"/>
+                <a:ea typeface="+mn-ea"/>
+                <a:cs typeface="+mn-cs"/>
+              </a:rPr>
+              <a:t>等。</a:t>
+            </a:r>
+          </a:p>
+          <a:p>
             <a:r>
               <a:rPr lang="en-US" altLang="zh-CN" sz="1200" b="0" i="0" kern="1200" dirty="0" err="1" smtClean="0">
                 <a:solidFill>
@@ -9094,7 +9181,7 @@
                 <a:ea typeface="+mn-ea"/>
                 <a:cs typeface="+mn-cs"/>
               </a:rPr>
-              <a:t>Git</a:t>
+              <a:t>GitHub</a:t>
             </a:r>
             <a:r>
               <a:rPr lang="zh-CN" altLang="en-US" sz="1200" b="0" i="0" kern="1200" dirty="0" smtClean="0">
@@ -9106,19 +9193,20 @@
                 <a:ea typeface="+mn-ea"/>
                 <a:cs typeface="+mn-cs"/>
               </a:rPr>
-              <a:t>并不排斥集中式的使用模式，但更倾向于将集中式版本库称为共享版本库。核心开发团队的成员和贡献者（非核心成员）都可以从共享版本库克隆一份本地版本库，但只有核心团队成员才可以将自己本地版本库的提交推送到共享版本库上。</a:t>
-            </a:r>
-            <a:endParaRPr lang="en-US" altLang="zh-CN" sz="1200" b="0" i="0" kern="1200" dirty="0" smtClean="0">
-              <a:solidFill>
-                <a:schemeClr val="tx1"/>
-              </a:solidFill>
-              <a:effectLst/>
-              <a:latin typeface="+mn-lt"/>
-              <a:ea typeface="+mn-ea"/>
-              <a:cs typeface="+mn-cs"/>
-            </a:endParaRPr>
-          </a:p>
-          <a:p>
+              <a:t>于</a:t>
+            </a:r>
+            <a:r>
+              <a:rPr lang="en-US" altLang="zh-CN" sz="1200" b="0" i="0" kern="1200" dirty="0" smtClean="0">
+                <a:solidFill>
+                  <a:schemeClr val="tx1"/>
+                </a:solidFill>
+                <a:effectLst/>
+                <a:latin typeface="+mn-lt"/>
+                <a:ea typeface="+mn-ea"/>
+                <a:cs typeface="+mn-cs"/>
+              </a:rPr>
+              <a:t>2008</a:t>
+            </a:r>
             <a:r>
               <a:rPr lang="zh-CN" altLang="en-US" sz="1200" b="0" i="0" kern="1200" dirty="0" smtClean="0">
                 <a:solidFill>
@@ -9129,7 +9217,104 @@
                 <a:ea typeface="+mn-ea"/>
                 <a:cs typeface="+mn-cs"/>
               </a:rPr>
-              <a:t>使用</a:t>
+              <a:t>年</a:t>
+            </a:r>
+            <a:r>
+              <a:rPr lang="en-US" altLang="zh-CN" sz="1200" b="0" i="0" kern="1200" dirty="0" smtClean="0">
+                <a:solidFill>
+                  <a:schemeClr val="tx1"/>
+                </a:solidFill>
+                <a:effectLst/>
+                <a:latin typeface="+mn-lt"/>
+                <a:ea typeface="+mn-ea"/>
+                <a:cs typeface="+mn-cs"/>
+              </a:rPr>
+              <a:t>4</a:t>
+            </a:r>
+            <a:r>
+              <a:rPr lang="zh-CN" altLang="en-US" sz="1200" b="0" i="0" kern="1200" dirty="0" smtClean="0">
+                <a:solidFill>
+                  <a:schemeClr val="tx1"/>
+                </a:solidFill>
+                <a:effectLst/>
+                <a:latin typeface="+mn-lt"/>
+                <a:ea typeface="+mn-ea"/>
+                <a:cs typeface="+mn-cs"/>
+              </a:rPr>
+              <a:t>月</a:t>
+            </a:r>
+            <a:r>
+              <a:rPr lang="en-US" altLang="zh-CN" sz="1200" b="0" i="0" kern="1200" dirty="0" smtClean="0">
+                <a:solidFill>
+                  <a:schemeClr val="tx1"/>
+                </a:solidFill>
+                <a:effectLst/>
+                <a:latin typeface="+mn-lt"/>
+                <a:ea typeface="+mn-ea"/>
+                <a:cs typeface="+mn-cs"/>
+              </a:rPr>
+              <a:t>10</a:t>
+            </a:r>
+            <a:r>
+              <a:rPr lang="zh-CN" altLang="en-US" sz="1200" b="0" i="0" kern="1200" dirty="0" smtClean="0">
+                <a:solidFill>
+                  <a:schemeClr val="tx1"/>
+                </a:solidFill>
+                <a:effectLst/>
+                <a:latin typeface="+mn-lt"/>
+                <a:ea typeface="+mn-ea"/>
+                <a:cs typeface="+mn-cs"/>
+              </a:rPr>
+              <a:t>日正式发布</a:t>
+            </a:r>
+            <a:r>
+              <a:rPr lang="en-US" altLang="zh-CN" sz="1200" b="0" i="0" u="none" strike="noStrike" kern="1200" baseline="30000" dirty="0" smtClean="0">
+                <a:solidFill>
+                  <a:schemeClr val="tx1"/>
+                </a:solidFill>
+                <a:effectLst/>
+                <a:latin typeface="+mn-lt"/>
+                <a:ea typeface="+mn-ea"/>
+                <a:cs typeface="+mn-cs"/>
+                <a:hlinkClick r:id="rId10"/>
+              </a:rPr>
+              <a:t>[8]</a:t>
+            </a:r>
+            <a:r>
+              <a:rPr lang="zh-CN" altLang="en-US" sz="1200" b="0" i="0" kern="1200" dirty="0" smtClean="0">
+                <a:solidFill>
+                  <a:schemeClr val="tx1"/>
+                </a:solidFill>
+                <a:effectLst/>
+                <a:latin typeface="+mn-lt"/>
+                <a:ea typeface="+mn-ea"/>
+                <a:cs typeface="+mn-cs"/>
+              </a:rPr>
+              <a:t>，相比始于</a:t>
+            </a:r>
+            <a:r>
+              <a:rPr lang="en-US" altLang="zh-CN" sz="1200" b="0" i="0" kern="1200" dirty="0" smtClean="0">
+                <a:solidFill>
+                  <a:schemeClr val="tx1"/>
+                </a:solidFill>
+                <a:effectLst/>
+                <a:latin typeface="+mn-lt"/>
+                <a:ea typeface="+mn-ea"/>
+                <a:cs typeface="+mn-cs"/>
+              </a:rPr>
+              <a:t>1999</a:t>
+            </a:r>
+            <a:r>
+              <a:rPr lang="zh-CN" altLang="en-US" sz="1200" b="0" i="0" kern="1200" dirty="0" smtClean="0">
+                <a:solidFill>
+                  <a:schemeClr val="tx1"/>
+                </a:solidFill>
+                <a:effectLst/>
+                <a:latin typeface="+mn-lt"/>
+                <a:ea typeface="+mn-ea"/>
+                <a:cs typeface="+mn-cs"/>
+              </a:rPr>
+              <a:t>年的</a:t>
             </a:r>
             <a:r>
               <a:rPr lang="en-US" altLang="zh-CN" sz="1200" b="0" i="0" kern="1200" dirty="0" err="1" smtClean="0">
@@ -9141,7 +9326,20 @@
                 <a:ea typeface="+mn-ea"/>
                 <a:cs typeface="+mn-cs"/>
               </a:rPr>
-              <a:t>Git</a:t>
+              <a:t>SourceForge</a:t>
+            </a:r>
+            <a:r>
+              <a:rPr lang="en-US" altLang="zh-CN" sz="1200" b="0" i="0" u="none" strike="noStrike" kern="1200" baseline="30000" dirty="0" smtClean="0">
+                <a:solidFill>
+                  <a:schemeClr val="tx1"/>
+                </a:solidFill>
+                <a:effectLst/>
+                <a:latin typeface="+mn-lt"/>
+                <a:ea typeface="+mn-ea"/>
+                <a:cs typeface="+mn-cs"/>
+                <a:hlinkClick r:id="rId11"/>
+              </a:rPr>
+              <a:t>[9]</a:t>
             </a:r>
             <a:r>
               <a:rPr lang="zh-CN" altLang="en-US" sz="1200" b="0" i="0" kern="1200" dirty="0" smtClean="0">
@@ -9153,7 +9351,7 @@
                 <a:ea typeface="+mn-ea"/>
                 <a:cs typeface="+mn-cs"/>
               </a:rPr>
-              <a:t>做版本控制（如图</a:t>
+              <a:t>和</a:t>
             </a:r>
             <a:r>
               <a:rPr lang="en-US" altLang="zh-CN" sz="1200" b="0" i="0" kern="1200" dirty="0" smtClean="0">
@@ -9165,7 +9363,7 @@
                 <a:ea typeface="+mn-ea"/>
                 <a:cs typeface="+mn-cs"/>
               </a:rPr>
-              <a:t>1-3</a:t>
+              <a:t>2005</a:t>
             </a:r>
             <a:r>
               <a:rPr lang="zh-CN" altLang="en-US" sz="1200" b="0" i="0" kern="1200" dirty="0" smtClean="0">
@@ -9177,7 +9375,7 @@
                 <a:ea typeface="+mn-ea"/>
                 <a:cs typeface="+mn-cs"/>
               </a:rPr>
-              <a:t>所示），核心开发团队非常“高兴”，因为他们和共享版本库之间不必一直保持连接状态，诸如查看日志、提交、创建分支等几乎全部操作都（脱离网络）在本地的版本库中完成。项目贡献者（非核心成员）也不再那么沮丧，因为版本库人人皆可更改（当然是对本地版本库而言）。稍微让贡献者感到困难的就是如何将自己对项目的改进被核心开发团队所了解并接纳。</a:t>
+              <a:t>年的</a:t>
             </a:r>
             <a:r>
               <a:rPr lang="en-US" altLang="zh-CN" sz="1200" b="0" i="0" kern="1200" dirty="0" err="1" smtClean="0">
@@ -9189,7 +9387,20 @@
                 <a:ea typeface="+mn-ea"/>
                 <a:cs typeface="+mn-cs"/>
               </a:rPr>
-              <a:t>Git</a:t>
+              <a:t>GoogleCode</a:t>
+            </a:r>
+            <a:r>
+              <a:rPr lang="en-US" altLang="zh-CN" sz="1200" b="0" i="0" u="none" strike="noStrike" kern="1200" baseline="30000" dirty="0" smtClean="0">
+                <a:solidFill>
+                  <a:schemeClr val="tx1"/>
+                </a:solidFill>
+                <a:effectLst/>
+                <a:latin typeface="+mn-lt"/>
+                <a:ea typeface="+mn-ea"/>
+                <a:cs typeface="+mn-cs"/>
+                <a:hlinkClick r:id="rId12"/>
+              </a:rPr>
+              <a:t>[10]</a:t>
             </a:r>
             <a:r>
               <a:rPr lang="zh-CN" altLang="en-US" sz="1200" b="0" i="0" kern="1200" dirty="0" smtClean="0">
@@ -9201,15 +9412,19 @@
                 <a:ea typeface="+mn-ea"/>
                 <a:cs typeface="+mn-cs"/>
               </a:rPr>
-              <a:t>提供了多种途径，一个方法是先用</a:t>
-            </a:r>
-            <a:r>
-              <a:rPr lang="en-US" altLang="zh-CN" dirty="0" err="1" smtClean="0"/>
-              <a:t>git</a:t>
-            </a:r>
-            <a:r>
-              <a:rPr lang="en-US" altLang="zh-CN" dirty="0" smtClean="0"/>
-              <a:t> format-patch</a:t>
+              <a:t>，</a:t>
+            </a:r>
+            <a:r>
+              <a:rPr lang="en-US" altLang="zh-CN" sz="1200" b="0" i="0" kern="1200" dirty="0" err="1" smtClean="0">
+                <a:solidFill>
+                  <a:schemeClr val="tx1"/>
+                </a:solidFill>
+                <a:effectLst/>
+                <a:latin typeface="+mn-lt"/>
+                <a:ea typeface="+mn-ea"/>
+                <a:cs typeface="+mn-cs"/>
+              </a:rPr>
+              <a:t>GitHub</a:t>
             </a:r>
             <a:r>
               <a:rPr lang="zh-CN" altLang="en-US" sz="1200" b="0" i="0" kern="1200" dirty="0" smtClean="0">
@@ -9221,116 +9436,8 @@
                 <a:ea typeface="+mn-ea"/>
                 <a:cs typeface="+mn-cs"/>
               </a:rPr>
-              <a:t>命令将本地提交转换为补丁文件或补丁文件序列，再通过邮件发送给核心开发团队。另外一个办法就是搭建一个自己专有的共享版本库，通过邮件创建一个拉拽请求（</a:t>
-            </a:r>
-            <a:r>
-              <a:rPr lang="en-US" altLang="zh-CN" sz="1200" b="0" i="0" kern="1200" dirty="0" smtClean="0">
-                <a:solidFill>
-                  <a:schemeClr val="tx1"/>
-                </a:solidFill>
-                <a:effectLst/>
-                <a:latin typeface="+mn-lt"/>
-                <a:ea typeface="+mn-ea"/>
-                <a:cs typeface="+mn-cs"/>
-              </a:rPr>
-              <a:t>Pull Request</a:t>
-            </a:r>
-            <a:r>
-              <a:rPr lang="zh-CN" altLang="en-US" sz="1200" b="0" i="0" kern="1200" dirty="0" smtClean="0">
-                <a:solidFill>
-                  <a:schemeClr val="tx1"/>
-                </a:solidFill>
-                <a:effectLst/>
-                <a:latin typeface="+mn-lt"/>
-                <a:ea typeface="+mn-ea"/>
-                <a:cs typeface="+mn-cs"/>
-              </a:rPr>
-              <a:t>），让核心团队的开发者到自己的版本库来抓取（</a:t>
-            </a:r>
-            <a:r>
-              <a:rPr lang="en-US" altLang="zh-CN" sz="1200" b="0" i="0" kern="1200" dirty="0" smtClean="0">
-                <a:solidFill>
-                  <a:schemeClr val="tx1"/>
-                </a:solidFill>
-                <a:effectLst/>
-                <a:latin typeface="+mn-lt"/>
-                <a:ea typeface="+mn-ea"/>
-                <a:cs typeface="+mn-cs"/>
-              </a:rPr>
-              <a:t>Pull</a:t>
-            </a:r>
-            <a:r>
-              <a:rPr lang="zh-CN" altLang="en-US" sz="1200" b="0" i="0" kern="1200" dirty="0" smtClean="0">
-                <a:solidFill>
-                  <a:schemeClr val="tx1"/>
-                </a:solidFill>
-                <a:effectLst/>
-                <a:latin typeface="+mn-lt"/>
-                <a:ea typeface="+mn-ea"/>
-                <a:cs typeface="+mn-cs"/>
-              </a:rPr>
-              <a:t>）。</a:t>
-            </a:r>
-            <a:endParaRPr lang="en-US" altLang="zh-CN" sz="1200" b="0" i="0" kern="1200" dirty="0" smtClean="0">
-              <a:solidFill>
-                <a:schemeClr val="tx1"/>
-              </a:solidFill>
-              <a:effectLst/>
-              <a:latin typeface="+mn-lt"/>
-              <a:ea typeface="+mn-ea"/>
-              <a:cs typeface="+mn-cs"/>
-            </a:endParaRPr>
-          </a:p>
-          <a:p>
-            <a:r>
-              <a:rPr lang="en-US" altLang="zh-CN" sz="1200" b="0" i="0" kern="1200" dirty="0" err="1" smtClean="0">
-                <a:solidFill>
-                  <a:schemeClr val="tx1"/>
-                </a:solidFill>
-                <a:effectLst/>
-                <a:latin typeface="+mn-lt"/>
-                <a:ea typeface="+mn-ea"/>
-                <a:cs typeface="+mn-cs"/>
-              </a:rPr>
-              <a:t>GitHub</a:t>
-            </a:r>
-            <a:r>
-              <a:rPr lang="zh-CN" altLang="en-US" sz="1200" b="0" i="0" kern="1200" dirty="0" smtClean="0">
-                <a:solidFill>
-                  <a:schemeClr val="tx1"/>
-                </a:solidFill>
-                <a:effectLst/>
-                <a:latin typeface="+mn-lt"/>
-                <a:ea typeface="+mn-ea"/>
-                <a:cs typeface="+mn-cs"/>
-              </a:rPr>
-              <a:t>的出现进一步推动了</a:t>
-            </a:r>
-            <a:r>
-              <a:rPr lang="en-US" altLang="zh-CN" sz="1200" b="0" i="0" kern="1200" dirty="0" err="1" smtClean="0">
-                <a:solidFill>
-                  <a:schemeClr val="tx1"/>
-                </a:solidFill>
-                <a:effectLst/>
-                <a:latin typeface="+mn-lt"/>
-                <a:ea typeface="+mn-ea"/>
-                <a:cs typeface="+mn-cs"/>
-              </a:rPr>
-              <a:t>Git</a:t>
-            </a:r>
-            <a:r>
-              <a:rPr lang="zh-CN" altLang="en-US" sz="1200" b="0" i="0" kern="1200" dirty="0" smtClean="0">
-                <a:solidFill>
-                  <a:schemeClr val="tx1"/>
-                </a:solidFill>
-                <a:effectLst/>
-                <a:latin typeface="+mn-lt"/>
-                <a:ea typeface="+mn-ea"/>
-                <a:cs typeface="+mn-cs"/>
-              </a:rPr>
-              <a:t>的普及，简化了版本控制的管理和操作流程，为开发者提供了更好的交流平台。</a:t>
-            </a:r>
-            <a:endParaRPr lang="zh-CN" altLang="en-US" dirty="0"/>
+              <a:t>后来者居上。</a:t>
+            </a:r>
           </a:p>
         </p:txBody>
       </p:sp>
@@ -9360,7 +9467,7 @@
     </p:spTree>
     <p:extLst>
       <p:ext uri="{BB962C8B-B14F-4D97-AF65-F5344CB8AC3E}">
-        <p14:creationId xmlns:p14="http://schemas.microsoft.com/office/powerpoint/2010/main" val="2464100453"/>
+        <p14:creationId xmlns:p14="http://schemas.microsoft.com/office/powerpoint/2010/main" val="988002432"/>
       </p:ext>
     </p:extLst>
   </p:cSld>
@@ -12408,6 +12515,132 @@
           <a:lstStyle/>
           <a:p>
             <a:r>
+              <a:rPr lang="en-US" altLang="zh-CN" dirty="0" err="1"/>
+              <a:t>Git</a:t>
+            </a:r>
+            <a:r>
+              <a:rPr lang="en-US" altLang="zh-CN" dirty="0"/>
+              <a:t> </a:t>
+            </a:r>
+            <a:r>
+              <a:rPr lang="zh-CN" altLang="en-US" dirty="0"/>
+              <a:t>基础</a:t>
+            </a:r>
+          </a:p>
+        </p:txBody>
+      </p:sp>
+      <p:pic>
+        <p:nvPicPr>
+          <p:cNvPr id="4" name="内容占位符 3"/>
+          <p:cNvPicPr>
+            <a:picLocks noGrp="1" noChangeAspect="1"/>
+          </p:cNvPicPr>
+          <p:nvPr>
+            <p:ph idx="1"/>
+          </p:nvPr>
+        </p:nvPicPr>
+        <p:blipFill>
+          <a:blip r:embed="rId3">
+            <a:extLst>
+              <a:ext uri="{28A0092B-C50C-407E-A947-70E740481C1C}">
+                <a14:useLocalDpi xmlns:a14="http://schemas.microsoft.com/office/drawing/2010/main" val="0"/>
+              </a:ext>
+            </a:extLst>
+          </a:blip>
+          <a:stretch>
+            <a:fillRect/>
+          </a:stretch>
+        </p:blipFill>
+        <p:spPr>
+          <a:xfrm>
+            <a:off x="457200" y="2248741"/>
+            <a:ext cx="8229600" cy="3228881"/>
+          </a:xfrm>
+        </p:spPr>
+      </p:pic>
+      <p:sp>
+        <p:nvSpPr>
+          <p:cNvPr id="5" name="TextBox 4"/>
+          <p:cNvSpPr txBox="1"/>
+          <p:nvPr/>
+        </p:nvSpPr>
+        <p:spPr>
+          <a:xfrm>
+            <a:off x="467544" y="1412776"/>
+            <a:ext cx="2592288" cy="523220"/>
+          </a:xfrm>
+          <a:prstGeom prst="rect">
+            <a:avLst/>
+          </a:prstGeom>
+          <a:noFill/>
+        </p:spPr>
+        <p:txBody>
+          <a:bodyPr wrap="square" rtlCol="0">
+            <a:spAutoFit/>
+          </a:bodyPr>
+          <a:lstStyle/>
+          <a:p>
+            <a:r>
+              <a:rPr lang="zh-CN" altLang="en-US" sz="2800" dirty="0" smtClean="0"/>
+              <a:t>异地协同工作</a:t>
+            </a:r>
+            <a:endParaRPr lang="zh-CN" altLang="en-US" sz="2800" dirty="0"/>
+          </a:p>
+        </p:txBody>
+      </p:sp>
+    </p:spTree>
+    <p:extLst>
+      <p:ext uri="{BB962C8B-B14F-4D97-AF65-F5344CB8AC3E}">
+        <p14:creationId xmlns:p14="http://schemas.microsoft.com/office/powerpoint/2010/main" val="9184297"/>
+      </p:ext>
+    </p:extLst>
+  </p:cSld>
+  <p:clrMapOvr>
+    <a:masterClrMapping/>
+  </p:clrMapOvr>
+  <p:timing>
+    <p:tnLst>
+      <p:par>
+        <p:cTn id="1" dur="indefinite" restart="never" nodeType="tmRoot"/>
+      </p:par>
+    </p:tnLst>
+  </p:timing>
+</p:sld>
+</file>
+
+<file path=ppt/slides/slide11.xml><?xml version="1.0" encoding="utf-8"?>
+<p:sld xmlns:a="http://schemas.openxmlformats.org/drawingml/2006/main" xmlns:r="http://schemas.openxmlformats.org/officeDocument/2006/relationships" xmlns:p="http://schemas.openxmlformats.org/presentationml/2006/main">
+  <p:cSld>
+    <p:spTree>
+      <p:nvGrpSpPr>
+        <p:cNvPr id="1" name=""/>
+        <p:cNvGrpSpPr/>
+        <p:nvPr/>
+      </p:nvGrpSpPr>
+      <p:grpSpPr>
+        <a:xfrm>
+          <a:off x="0" y="0"/>
+          <a:ext cx="0" cy="0"/>
+          <a:chOff x="0" y="0"/>
+          <a:chExt cx="0" cy="0"/>
+        </a:xfrm>
+      </p:grpSpPr>
+      <p:sp>
+        <p:nvSpPr>
+          <p:cNvPr id="2" name="标题 1"/>
+          <p:cNvSpPr>
+            <a:spLocks noGrp="1"/>
+          </p:cNvSpPr>
+          <p:nvPr>
+            <p:ph type="title"/>
+          </p:nvPr>
+        </p:nvSpPr>
+        <p:spPr/>
+        <p:txBody>
+          <a:bodyPr/>
+          <a:lstStyle/>
+          <a:p>
+            <a:r>
               <a:rPr lang="en-US" altLang="zh-CN" dirty="0" err="1" smtClean="0"/>
               <a:t>GitHub</a:t>
             </a:r>
@@ -12744,7 +12977,7 @@
 </p:sld>
 </file>
 
-<file path=ppt/slides/slide11.xml><?xml version="1.0" encoding="utf-8"?>
+<file path=ppt/slides/slide12.xml><?xml version="1.0" encoding="utf-8"?>
 <p:sld xmlns:a="http://schemas.openxmlformats.org/drawingml/2006/main" xmlns:r="http://schemas.openxmlformats.org/officeDocument/2006/relationships" xmlns:p="http://schemas.openxmlformats.org/presentationml/2006/main">
   <p:cSld>
     <p:spTree>
@@ -12901,7 +13134,7 @@
 </p:sld>
 </file>
 
-<file path=ppt/slides/slide12.xml><?xml version="1.0" encoding="utf-8"?>
+<file path=ppt/slides/slide13.xml><?xml version="1.0" encoding="utf-8"?>
 <p:sld xmlns:a="http://schemas.openxmlformats.org/drawingml/2006/main" xmlns:r="http://schemas.openxmlformats.org/officeDocument/2006/relationships" xmlns:p="http://schemas.openxmlformats.org/presentationml/2006/main">
   <p:cSld>
     <p:spTree>
@@ -13080,7 +13313,7 @@
 </p:sld>
 </file>
 
-<file path=ppt/slides/slide13.xml><?xml version="1.0" encoding="utf-8"?>
+<file path=ppt/slides/slide14.xml><?xml version="1.0" encoding="utf-8"?>
 <p:sld xmlns:a="http://schemas.openxmlformats.org/drawingml/2006/main" xmlns:r="http://schemas.openxmlformats.org/officeDocument/2006/relationships" xmlns:p="http://schemas.openxmlformats.org/presentationml/2006/main">
   <p:cSld>
     <p:spTree>
@@ -15325,11 +15558,11 @@
   <p:clrMapOvr>
     <a:masterClrMapping/>
   </p:clrMapOvr>
-  <mc:AlternateContent xmlns:mc="http://schemas.openxmlformats.org/markup-compatibility/2006">
-    <mc:Choice xmlns:p14="http://schemas.microsoft.com/office/powerpoint/2010/main" Requires="p14">
+  <mc:AlternateContent xmlns:mc="http://schemas.openxmlformats.org/markup-compatibility/2006" xmlns:p14="http://schemas.microsoft.com/office/powerpoint/2010/main">
+    <mc:Choice Requires="p14">
       <p:transition p14:dur="0"/>
     </mc:Choice>
-    <mc:Fallback>
+    <mc:Fallback xmlns="">
       <p:transition/>
     </mc:Fallback>
   </mc:AlternateContent>
